--- a/Slides/PH223_Lecture_28.pptx
+++ b/Slides/PH223_Lecture_28.pptx
@@ -5,7 +5,7 @@
     <p:sldMasterId id="2147483648" r:id="rId1"/>
   </p:sldMasterIdLst>
   <p:notesMasterIdLst>
-    <p:notesMasterId r:id="rId33"/>
+    <p:notesMasterId r:id="rId35"/>
   </p:notesMasterIdLst>
   <p:sldIdLst>
     <p:sldId id="1309" r:id="rId2"/>
@@ -14,31 +14,33 @@
     <p:sldId id="1310" r:id="rId5"/>
     <p:sldId id="1311" r:id="rId6"/>
     <p:sldId id="269" r:id="rId7"/>
-    <p:sldId id="270" r:id="rId8"/>
-    <p:sldId id="1307" r:id="rId9"/>
-    <p:sldId id="1308" r:id="rId10"/>
-    <p:sldId id="259" r:id="rId11"/>
-    <p:sldId id="267" r:id="rId12"/>
-    <p:sldId id="268" r:id="rId13"/>
-    <p:sldId id="260" r:id="rId14"/>
-    <p:sldId id="257" r:id="rId15"/>
-    <p:sldId id="262" r:id="rId16"/>
-    <p:sldId id="261" r:id="rId17"/>
-    <p:sldId id="263" r:id="rId18"/>
-    <p:sldId id="271" r:id="rId19"/>
-    <p:sldId id="746" r:id="rId20"/>
-    <p:sldId id="738" r:id="rId21"/>
-    <p:sldId id="739" r:id="rId22"/>
-    <p:sldId id="740" r:id="rId23"/>
-    <p:sldId id="741" r:id="rId24"/>
-    <p:sldId id="742" r:id="rId25"/>
-    <p:sldId id="743" r:id="rId26"/>
-    <p:sldId id="264" r:id="rId27"/>
-    <p:sldId id="265" r:id="rId28"/>
-    <p:sldId id="266" r:id="rId29"/>
-    <p:sldId id="1312" r:id="rId30"/>
-    <p:sldId id="1313" r:id="rId31"/>
-    <p:sldId id="1314" r:id="rId32"/>
+    <p:sldId id="1315" r:id="rId8"/>
+    <p:sldId id="270" r:id="rId9"/>
+    <p:sldId id="1307" r:id="rId10"/>
+    <p:sldId id="1308" r:id="rId11"/>
+    <p:sldId id="259" r:id="rId12"/>
+    <p:sldId id="267" r:id="rId13"/>
+    <p:sldId id="268" r:id="rId14"/>
+    <p:sldId id="260" r:id="rId15"/>
+    <p:sldId id="257" r:id="rId16"/>
+    <p:sldId id="262" r:id="rId17"/>
+    <p:sldId id="261" r:id="rId18"/>
+    <p:sldId id="1316" r:id="rId19"/>
+    <p:sldId id="263" r:id="rId20"/>
+    <p:sldId id="271" r:id="rId21"/>
+    <p:sldId id="746" r:id="rId22"/>
+    <p:sldId id="738" r:id="rId23"/>
+    <p:sldId id="739" r:id="rId24"/>
+    <p:sldId id="740" r:id="rId25"/>
+    <p:sldId id="741" r:id="rId26"/>
+    <p:sldId id="742" r:id="rId27"/>
+    <p:sldId id="743" r:id="rId28"/>
+    <p:sldId id="264" r:id="rId29"/>
+    <p:sldId id="265" r:id="rId30"/>
+    <p:sldId id="266" r:id="rId31"/>
+    <p:sldId id="1312" r:id="rId32"/>
+    <p:sldId id="1313" r:id="rId33"/>
+    <p:sldId id="1314" r:id="rId34"/>
   </p:sldIdLst>
   <p:sldSz cx="9144000" cy="6858000" type="screen4x3"/>
   <p:notesSz cx="6858000" cy="9144000"/>
@@ -159,13 +161,84 @@
 <file path=ppt/revisionInfo.xml><?xml version="1.0" encoding="utf-8"?>
 <p1510:revInfo xmlns:a="http://schemas.openxmlformats.org/drawingml/2006/main" xmlns:r="http://schemas.openxmlformats.org/officeDocument/2006/relationships" xmlns:p1510="http://schemas.microsoft.com/office/powerpoint/2015/10/main">
   <p1510:revLst>
-    <p1510:client id="{D1AF3CBE-C3B8-441B-8960-5C1FCA99984C}" v="34" dt="2023-10-26T22:54:53.171"/>
+    <p1510:client id="{9C2BBAC0-52CF-4DAD-85FF-3E555682A267}" v="3" dt="2024-02-27T21:44:50.097"/>
   </p1510:revLst>
 </p1510:revInfo>
 </file>
 
 <file path=ppt/changesInfos/changesInfo1.xml><?xml version="1.0" encoding="utf-8"?>
 <pc:chgInfo xmlns:a="http://schemas.openxmlformats.org/drawingml/2006/main" xmlns:r="http://schemas.openxmlformats.org/officeDocument/2006/relationships" xmlns:ac="http://schemas.microsoft.com/office/drawing/2013/main/command" xmlns:pc="http://schemas.microsoft.com/office/powerpoint/2013/main/command">
+  <pc:docChgLst>
+    <pc:chgData name="Lines, Todd" userId="afaf7c3a-e8aa-4568-882a-02ad8f9e19b0" providerId="ADAL" clId="{9C2BBAC0-52CF-4DAD-85FF-3E555682A267}"/>
+    <pc:docChg chg="custSel addSld modSld">
+      <pc:chgData name="Lines, Todd" userId="afaf7c3a-e8aa-4568-882a-02ad8f9e19b0" providerId="ADAL" clId="{9C2BBAC0-52CF-4DAD-85FF-3E555682A267}" dt="2024-02-27T21:47:00.383" v="228" actId="20577"/>
+      <pc:docMkLst>
+        <pc:docMk/>
+      </pc:docMkLst>
+      <pc:sldChg chg="addSp modSp add mod">
+        <pc:chgData name="Lines, Todd" userId="afaf7c3a-e8aa-4568-882a-02ad8f9e19b0" providerId="ADAL" clId="{9C2BBAC0-52CF-4DAD-85FF-3E555682A267}" dt="2024-02-27T21:39:07.052" v="15" actId="1076"/>
+        <pc:sldMkLst>
+          <pc:docMk/>
+          <pc:sldMk cId="3938906037" sldId="1315"/>
+        </pc:sldMkLst>
+        <pc:spChg chg="add mod">
+          <ac:chgData name="Lines, Todd" userId="afaf7c3a-e8aa-4568-882a-02ad8f9e19b0" providerId="ADAL" clId="{9C2BBAC0-52CF-4DAD-85FF-3E555682A267}" dt="2024-02-27T21:38:39.480" v="5" actId="1076"/>
+          <ac:spMkLst>
+            <pc:docMk/>
+            <pc:sldMk cId="3938906037" sldId="1315"/>
+            <ac:spMk id="3" creationId="{2C52FF6B-314F-5622-505F-BAB6DAFFF893}"/>
+          </ac:spMkLst>
+        </pc:spChg>
+        <pc:spChg chg="add mod">
+          <ac:chgData name="Lines, Todd" userId="afaf7c3a-e8aa-4568-882a-02ad8f9e19b0" providerId="ADAL" clId="{9C2BBAC0-52CF-4DAD-85FF-3E555682A267}" dt="2024-02-27T21:39:07.052" v="15" actId="1076"/>
+          <ac:spMkLst>
+            <pc:docMk/>
+            <pc:sldMk cId="3938906037" sldId="1315"/>
+            <ac:spMk id="16" creationId="{76CE8DCF-2B6A-DE76-C7E2-ECAA830F5158}"/>
+          </ac:spMkLst>
+        </pc:spChg>
+        <pc:cxnChg chg="add mod">
+          <ac:chgData name="Lines, Todd" userId="afaf7c3a-e8aa-4568-882a-02ad8f9e19b0" providerId="ADAL" clId="{9C2BBAC0-52CF-4DAD-85FF-3E555682A267}" dt="2024-02-27T21:38:53.423" v="8" actId="1582"/>
+          <ac:cxnSpMkLst>
+            <pc:docMk/>
+            <pc:sldMk cId="3938906037" sldId="1315"/>
+            <ac:cxnSpMk id="6" creationId="{77F4F071-5E5E-125A-741B-80A0C57E01B3}"/>
+          </ac:cxnSpMkLst>
+        </pc:cxnChg>
+      </pc:sldChg>
+      <pc:sldChg chg="modSp add mod">
+        <pc:chgData name="Lines, Todd" userId="afaf7c3a-e8aa-4568-882a-02ad8f9e19b0" providerId="ADAL" clId="{9C2BBAC0-52CF-4DAD-85FF-3E555682A267}" dt="2024-02-27T21:47:00.383" v="228" actId="20577"/>
+        <pc:sldMkLst>
+          <pc:docMk/>
+          <pc:sldMk cId="3670283186" sldId="1316"/>
+        </pc:sldMkLst>
+        <pc:spChg chg="mod">
+          <ac:chgData name="Lines, Todd" userId="afaf7c3a-e8aa-4568-882a-02ad8f9e19b0" providerId="ADAL" clId="{9C2BBAC0-52CF-4DAD-85FF-3E555682A267}" dt="2024-02-27T21:44:52.914" v="24" actId="20577"/>
+          <ac:spMkLst>
+            <pc:docMk/>
+            <pc:sldMk cId="3670283186" sldId="1316"/>
+            <ac:spMk id="2" creationId="{A5723F45-EC3F-DE3A-56BC-E8656018762C}"/>
+          </ac:spMkLst>
+        </pc:spChg>
+        <pc:spChg chg="mod">
+          <ac:chgData name="Lines, Todd" userId="afaf7c3a-e8aa-4568-882a-02ad8f9e19b0" providerId="ADAL" clId="{9C2BBAC0-52CF-4DAD-85FF-3E555682A267}" dt="2024-02-27T21:47:00.383" v="228" actId="20577"/>
+          <ac:spMkLst>
+            <pc:docMk/>
+            <pc:sldMk cId="3670283186" sldId="1316"/>
+            <ac:spMk id="3" creationId="{05C07C28-8B33-E89A-F81B-ABDC02F2CA7F}"/>
+          </ac:spMkLst>
+        </pc:spChg>
+        <pc:picChg chg="mod">
+          <ac:chgData name="Lines, Todd" userId="afaf7c3a-e8aa-4568-882a-02ad8f9e19b0" providerId="ADAL" clId="{9C2BBAC0-52CF-4DAD-85FF-3E555682A267}" dt="2024-02-27T21:44:59.012" v="26" actId="1076"/>
+          <ac:picMkLst>
+            <pc:docMk/>
+            <pc:sldMk cId="3670283186" sldId="1316"/>
+            <ac:picMk id="3075" creationId="{F830884B-46FE-0B54-3349-112E1F970050}"/>
+          </ac:picMkLst>
+        </pc:picChg>
+      </pc:sldChg>
+    </pc:docChg>
+  </pc:docChgLst>
   <pc:docChgLst>
     <pc:chgData name="Lines, Todd" userId="afaf7c3a-e8aa-4568-882a-02ad8f9e19b0" providerId="ADAL" clId="{D1AF3CBE-C3B8-441B-8960-5C1FCA99984C}"/>
     <pc:docChg chg="undo custSel addSld delSld modSld sldOrd">
@@ -1242,7 +1315,7 @@
           <a:p>
             <a:fld id="{D3E1B39C-8408-4A2C-B70B-F8834D5B4E3C}" type="datetimeFigureOut">
               <a:rPr lang="en-US" smtClean="0"/>
-              <a:t>10/26/2023</a:t>
+              <a:t>2/27/2024</a:t>
             </a:fld>
             <a:endParaRPr lang="en-US"/>
           </a:p>
@@ -1546,7 +1619,7 @@
             <a:fld id="{2BD99CE6-FFC2-46E3-B5F2-C8896642CFD6}" type="slidenum">
               <a:rPr lang="en-US"/>
               <a:pPr/>
-              <a:t>20</a:t>
+              <a:t>22</a:t>
             </a:fld>
             <a:endParaRPr lang="en-US"/>
           </a:p>
@@ -1634,7 +1707,7 @@
             <a:fld id="{DC083461-FC3B-4EF6-89F5-BB75901405F7}" type="slidenum">
               <a:rPr lang="en-US"/>
               <a:pPr/>
-              <a:t>21</a:t>
+              <a:t>23</a:t>
             </a:fld>
             <a:endParaRPr lang="en-US"/>
           </a:p>
@@ -1722,7 +1795,7 @@
             <a:fld id="{3CFB1E05-1F7F-42FD-91CD-0B78BCC91B1F}" type="slidenum">
               <a:rPr lang="en-US"/>
               <a:pPr/>
-              <a:t>22</a:t>
+              <a:t>24</a:t>
             </a:fld>
             <a:endParaRPr lang="en-US"/>
           </a:p>
@@ -1810,7 +1883,7 @@
             <a:fld id="{F16ACD74-B061-4239-ACF2-F5313886233E}" type="slidenum">
               <a:rPr lang="en-US"/>
               <a:pPr/>
-              <a:t>23</a:t>
+              <a:t>25</a:t>
             </a:fld>
             <a:endParaRPr lang="en-US"/>
           </a:p>
@@ -1898,7 +1971,7 @@
             <a:fld id="{6A0EFD92-9895-4043-9075-80FA16EC2F0A}" type="slidenum">
               <a:rPr lang="en-US"/>
               <a:pPr/>
-              <a:t>24</a:t>
+              <a:t>26</a:t>
             </a:fld>
             <a:endParaRPr lang="en-US"/>
           </a:p>
@@ -1986,7 +2059,7 @@
             <a:fld id="{3312A290-8373-49A2-9142-81134A99EB24}" type="slidenum">
               <a:rPr lang="en-US"/>
               <a:pPr/>
-              <a:t>25</a:t>
+              <a:t>27</a:t>
             </a:fld>
             <a:endParaRPr lang="en-US"/>
           </a:p>
@@ -2217,7 +2290,7 @@
             <a:fld id="{1E8C523C-625A-413B-B76F-874F7D5D1BD4}" type="datetimeFigureOut">
               <a:rPr lang="en-US" smtClean="0"/>
               <a:pPr/>
-              <a:t>10/26/2023</a:t>
+              <a:t>2/27/2024</a:t>
             </a:fld>
             <a:endParaRPr lang="en-US"/>
           </a:p>
@@ -2382,7 +2455,7 @@
             <a:fld id="{1E8C523C-625A-413B-B76F-874F7D5D1BD4}" type="datetimeFigureOut">
               <a:rPr lang="en-US" smtClean="0"/>
               <a:pPr/>
-              <a:t>10/26/2023</a:t>
+              <a:t>2/27/2024</a:t>
             </a:fld>
             <a:endParaRPr lang="en-US"/>
           </a:p>
@@ -2557,7 +2630,7 @@
             <a:fld id="{1E8C523C-625A-413B-B76F-874F7D5D1BD4}" type="datetimeFigureOut">
               <a:rPr lang="en-US" smtClean="0"/>
               <a:pPr/>
-              <a:t>10/26/2023</a:t>
+              <a:t>2/27/2024</a:t>
             </a:fld>
             <a:endParaRPr lang="en-US"/>
           </a:p>
@@ -2949,7 +3022,7 @@
             <a:fld id="{1E8C523C-625A-413B-B76F-874F7D5D1BD4}" type="datetimeFigureOut">
               <a:rPr lang="en-US" smtClean="0"/>
               <a:pPr/>
-              <a:t>10/26/2023</a:t>
+              <a:t>2/27/2024</a:t>
             </a:fld>
             <a:endParaRPr lang="en-US"/>
           </a:p>
@@ -3191,7 +3264,7 @@
             <a:fld id="{1E8C523C-625A-413B-B76F-874F7D5D1BD4}" type="datetimeFigureOut">
               <a:rPr lang="en-US" smtClean="0"/>
               <a:pPr/>
-              <a:t>10/26/2023</a:t>
+              <a:t>2/27/2024</a:t>
             </a:fld>
             <a:endParaRPr lang="en-US"/>
           </a:p>
@@ -3473,7 +3546,7 @@
             <a:fld id="{1E8C523C-625A-413B-B76F-874F7D5D1BD4}" type="datetimeFigureOut">
               <a:rPr lang="en-US" smtClean="0"/>
               <a:pPr/>
-              <a:t>10/26/2023</a:t>
+              <a:t>2/27/2024</a:t>
             </a:fld>
             <a:endParaRPr lang="en-US"/>
           </a:p>
@@ -3889,7 +3962,7 @@
             <a:fld id="{1E8C523C-625A-413B-B76F-874F7D5D1BD4}" type="datetimeFigureOut">
               <a:rPr lang="en-US" smtClean="0"/>
               <a:pPr/>
-              <a:t>10/26/2023</a:t>
+              <a:t>2/27/2024</a:t>
             </a:fld>
             <a:endParaRPr lang="en-US"/>
           </a:p>
@@ -4003,7 +4076,7 @@
             <a:fld id="{1E8C523C-625A-413B-B76F-874F7D5D1BD4}" type="datetimeFigureOut">
               <a:rPr lang="en-US" smtClean="0"/>
               <a:pPr/>
-              <a:t>10/26/2023</a:t>
+              <a:t>2/27/2024</a:t>
             </a:fld>
             <a:endParaRPr lang="en-US"/>
           </a:p>
@@ -4095,7 +4168,7 @@
             <a:fld id="{1E8C523C-625A-413B-B76F-874F7D5D1BD4}" type="datetimeFigureOut">
               <a:rPr lang="en-US" smtClean="0"/>
               <a:pPr/>
-              <a:t>10/26/2023</a:t>
+              <a:t>2/27/2024</a:t>
             </a:fld>
             <a:endParaRPr lang="en-US"/>
           </a:p>
@@ -4367,7 +4440,7 @@
             <a:fld id="{1E8C523C-625A-413B-B76F-874F7D5D1BD4}" type="datetimeFigureOut">
               <a:rPr lang="en-US" smtClean="0"/>
               <a:pPr/>
-              <a:t>10/26/2023</a:t>
+              <a:t>2/27/2024</a:t>
             </a:fld>
             <a:endParaRPr lang="en-US"/>
           </a:p>
@@ -4616,7 +4689,7 @@
             <a:fld id="{1E8C523C-625A-413B-B76F-874F7D5D1BD4}" type="datetimeFigureOut">
               <a:rPr lang="en-US" smtClean="0"/>
               <a:pPr/>
-              <a:t>10/26/2023</a:t>
+              <a:t>2/27/2024</a:t>
             </a:fld>
             <a:endParaRPr lang="en-US"/>
           </a:p>
@@ -4824,7 +4897,7 @@
             <a:fld id="{1E8C523C-625A-413B-B76F-874F7D5D1BD4}" type="datetimeFigureOut">
               <a:rPr lang="en-US" smtClean="0"/>
               <a:pPr/>
-              <a:t>10/26/2023</a:t>
+              <a:t>2/27/2024</a:t>
             </a:fld>
             <a:endParaRPr lang="en-US"/>
           </a:p>
@@ -5328,6 +5401,147 @@
 </file>
 
 <file path=ppt/slides/slide10.xml><?xml version="1.0" encoding="utf-8"?>
+<p:sld xmlns:a="http://schemas.openxmlformats.org/drawingml/2006/main" xmlns:r="http://schemas.openxmlformats.org/officeDocument/2006/relationships" xmlns:p="http://schemas.openxmlformats.org/presentationml/2006/main">
+  <p:cSld>
+    <p:spTree>
+      <p:nvGrpSpPr>
+        <p:cNvPr id="1" name=""/>
+        <p:cNvGrpSpPr/>
+        <p:nvPr/>
+      </p:nvGrpSpPr>
+      <p:grpSpPr>
+        <a:xfrm>
+          <a:off x="0" y="0"/>
+          <a:ext cx="0" cy="0"/>
+          <a:chOff x="0" y="0"/>
+          <a:chExt cx="0" cy="0"/>
+        </a:xfrm>
+      </p:grpSpPr>
+      <p:sp>
+        <p:nvSpPr>
+          <p:cNvPr id="2" name="Title 1"/>
+          <p:cNvSpPr>
+            <a:spLocks noGrp="1"/>
+          </p:cNvSpPr>
+          <p:nvPr>
+            <p:ph type="title"/>
+          </p:nvPr>
+        </p:nvSpPr>
+        <p:spPr/>
+        <p:txBody>
+          <a:bodyPr/>
+          <a:lstStyle/>
+          <a:p>
+            <a:r>
+              <a:rPr lang="en-US" dirty="0"/>
+              <a:t>Question 223.28.2</a:t>
+            </a:r>
+          </a:p>
+        </p:txBody>
+      </p:sp>
+      <p:sp>
+        <p:nvSpPr>
+          <p:cNvPr id="3" name="Content Placeholder 2"/>
+          <p:cNvSpPr>
+            <a:spLocks noGrp="1"/>
+          </p:cNvSpPr>
+          <p:nvPr>
+            <p:ph idx="1"/>
+          </p:nvPr>
+        </p:nvSpPr>
+        <p:spPr/>
+        <p:txBody>
+          <a:bodyPr/>
+          <a:lstStyle/>
+          <a:p>
+            <a:pPr>
+              <a:buNone/>
+            </a:pPr>
+            <a:r>
+              <a:rPr lang="en-US" dirty="0"/>
+              <a:t>The field inside a conductor in electrostatic equilibrium is </a:t>
+            </a:r>
+          </a:p>
+          <a:p>
+            <a:pPr marL="514350" indent="-514350">
+              <a:buFont typeface="+mj-lt"/>
+              <a:buAutoNum type="alphaLcParenR"/>
+            </a:pPr>
+            <a:r>
+              <a:rPr lang="en-US" dirty="0"/>
+              <a:t>Zero</a:t>
+            </a:r>
+          </a:p>
+          <a:p>
+            <a:pPr marL="514350" indent="-514350">
+              <a:buFont typeface="+mj-lt"/>
+              <a:buAutoNum type="alphaLcParenR"/>
+            </a:pPr>
+            <a:r>
+              <a:rPr lang="en-US" dirty="0"/>
+              <a:t>Maximum at the surface, and minimum at the center of the conductor</a:t>
+            </a:r>
+          </a:p>
+          <a:p>
+            <a:pPr marL="514350" indent="-514350">
+              <a:buFont typeface="+mj-lt"/>
+              <a:buAutoNum type="alphaLcParenR"/>
+            </a:pPr>
+            <a:r>
+              <a:rPr lang="en-US" dirty="0"/>
+              <a:t>A constant value</a:t>
+            </a:r>
+          </a:p>
+          <a:p>
+            <a:pPr marL="514350" indent="-514350">
+              <a:buFont typeface="+mj-lt"/>
+              <a:buAutoNum type="alphaLcParenR"/>
+            </a:pPr>
+            <a:r>
+              <a:rPr lang="en-US" dirty="0"/>
+              <a:t>infinite</a:t>
+            </a:r>
+          </a:p>
+        </p:txBody>
+      </p:sp>
+      <p:sp>
+        <p:nvSpPr>
+          <p:cNvPr id="4" name="Slide Number Placeholder 3"/>
+          <p:cNvSpPr>
+            <a:spLocks noGrp="1"/>
+          </p:cNvSpPr>
+          <p:nvPr>
+            <p:ph type="sldNum" sz="quarter" idx="12"/>
+          </p:nvPr>
+        </p:nvSpPr>
+        <p:spPr/>
+        <p:txBody>
+          <a:bodyPr/>
+          <a:lstStyle/>
+          <a:p>
+            <a:pPr>
+              <a:defRPr/>
+            </a:pPr>
+            <a:fld id="{64137B81-8888-4253-92EC-0AED2A590749}" type="slidenum">
+              <a:rPr lang="en-US" smtClean="0"/>
+              <a:pPr>
+                <a:defRPr/>
+              </a:pPr>
+              <a:t>10</a:t>
+            </a:fld>
+            <a:endParaRPr lang="en-US"/>
+          </a:p>
+        </p:txBody>
+      </p:sp>
+    </p:spTree>
+  </p:cSld>
+  <p:clrMapOvr>
+    <a:masterClrMapping/>
+  </p:clrMapOvr>
+</p:sld>
+</file>
+
+<file path=ppt/slides/slide11.xml><?xml version="1.0" encoding="utf-8"?>
 <p:sld xmlns:a="http://schemas.openxmlformats.org/drawingml/2006/main" xmlns:r="http://schemas.openxmlformats.org/officeDocument/2006/relationships" xmlns:p="http://schemas.openxmlformats.org/presentationml/2006/main">
   <p:cSld>
     <p:spTree>
@@ -11798,7 +12012,7 @@
 </p:sld>
 </file>
 
-<file path=ppt/slides/slide11.xml><?xml version="1.0" encoding="utf-8"?>
+<file path=ppt/slides/slide12.xml><?xml version="1.0" encoding="utf-8"?>
 <p:sld xmlns:a="http://schemas.openxmlformats.org/drawingml/2006/main" xmlns:r="http://schemas.openxmlformats.org/officeDocument/2006/relationships" xmlns:p="http://schemas.openxmlformats.org/presentationml/2006/main">
   <p:cSld>
     <p:spTree>
@@ -11856,7 +12070,7 @@
 </p:sld>
 </file>
 
-<file path=ppt/slides/slide12.xml><?xml version="1.0" encoding="utf-8"?>
+<file path=ppt/slides/slide13.xml><?xml version="1.0" encoding="utf-8"?>
 <p:sld xmlns:a="http://schemas.openxmlformats.org/drawingml/2006/main" xmlns:r="http://schemas.openxmlformats.org/officeDocument/2006/relationships" xmlns:p="http://schemas.openxmlformats.org/presentationml/2006/main">
   <p:cSld>
     <p:spTree>
@@ -11914,7 +12128,7 @@
 </p:sld>
 </file>
 
-<file path=ppt/slides/slide13.xml><?xml version="1.0" encoding="utf-8"?>
+<file path=ppt/slides/slide14.xml><?xml version="1.0" encoding="utf-8"?>
 <p:sld xmlns:a="http://schemas.openxmlformats.org/drawingml/2006/main" xmlns:r="http://schemas.openxmlformats.org/officeDocument/2006/relationships" xmlns:p="http://schemas.openxmlformats.org/presentationml/2006/main">
   <p:cSld>
     <p:spTree>
@@ -12009,7 +12223,7 @@
 </p:sld>
 </file>
 
-<file path=ppt/slides/slide14.xml><?xml version="1.0" encoding="utf-8"?>
+<file path=ppt/slides/slide15.xml><?xml version="1.0" encoding="utf-8"?>
 <p:sld xmlns:a="http://schemas.openxmlformats.org/drawingml/2006/main" xmlns:r="http://schemas.openxmlformats.org/officeDocument/2006/relationships" xmlns:p="http://schemas.openxmlformats.org/presentationml/2006/main">
   <p:cSld>
     <p:spTree>
@@ -18299,7 +18513,7 @@
 </p:sld>
 </file>
 
-<file path=ppt/slides/slide15.xml><?xml version="1.0" encoding="utf-8"?>
+<file path=ppt/slides/slide16.xml><?xml version="1.0" encoding="utf-8"?>
 <p:sld xmlns:a="http://schemas.openxmlformats.org/drawingml/2006/main" xmlns:r="http://schemas.openxmlformats.org/officeDocument/2006/relationships" xmlns:p="http://schemas.openxmlformats.org/presentationml/2006/main">
   <p:cSld>
     <p:spTree>
@@ -18357,7 +18571,7 @@
 </p:sld>
 </file>
 
-<file path=ppt/slides/slide16.xml><?xml version="1.0" encoding="utf-8"?>
+<file path=ppt/slides/slide17.xml><?xml version="1.0" encoding="utf-8"?>
 <p:sld xmlns:a="http://schemas.openxmlformats.org/drawingml/2006/main" xmlns:r="http://schemas.openxmlformats.org/officeDocument/2006/relationships" xmlns:p="http://schemas.openxmlformats.org/presentationml/2006/main">
   <p:cSld>
     <p:spTree>
@@ -18453,7 +18667,181 @@
 </p:sld>
 </file>
 
-<file path=ppt/slides/slide17.xml><?xml version="1.0" encoding="utf-8"?>
+<file path=ppt/slides/slide18.xml><?xml version="1.0" encoding="utf-8"?>
+<p:sld xmlns:a="http://schemas.openxmlformats.org/drawingml/2006/main" xmlns:r="http://schemas.openxmlformats.org/officeDocument/2006/relationships" xmlns:p="http://schemas.openxmlformats.org/presentationml/2006/main">
+  <p:cSld>
+    <p:spTree>
+      <p:nvGrpSpPr>
+        <p:cNvPr id="1" name="">
+          <a:extLst>
+            <a:ext uri="{FF2B5EF4-FFF2-40B4-BE49-F238E27FC236}">
+              <a16:creationId xmlns:a16="http://schemas.microsoft.com/office/drawing/2014/main" id="{64CBF082-CD5D-2F77-FE22-6F929D65AC96}"/>
+            </a:ext>
+          </a:extLst>
+        </p:cNvPr>
+        <p:cNvGrpSpPr/>
+        <p:nvPr/>
+      </p:nvGrpSpPr>
+      <p:grpSpPr>
+        <a:xfrm>
+          <a:off x="0" y="0"/>
+          <a:ext cx="0" cy="0"/>
+          <a:chOff x="0" y="0"/>
+          <a:chExt cx="0" cy="0"/>
+        </a:xfrm>
+      </p:grpSpPr>
+      <p:sp>
+        <p:nvSpPr>
+          <p:cNvPr id="2" name="Title 1">
+            <a:extLst>
+              <a:ext uri="{FF2B5EF4-FFF2-40B4-BE49-F238E27FC236}">
+                <a16:creationId xmlns:a16="http://schemas.microsoft.com/office/drawing/2014/main" id="{A5723F45-EC3F-DE3A-56BC-E8656018762C}"/>
+              </a:ext>
+            </a:extLst>
+          </p:cNvPr>
+          <p:cNvSpPr>
+            <a:spLocks noGrp="1"/>
+          </p:cNvSpPr>
+          <p:nvPr>
+            <p:ph type="title"/>
+          </p:nvPr>
+        </p:nvSpPr>
+        <p:spPr/>
+        <p:txBody>
+          <a:bodyPr/>
+          <a:lstStyle/>
+          <a:p>
+            <a:r>
+              <a:rPr lang="en-US" dirty="0"/>
+              <a:t>Question</a:t>
+            </a:r>
+          </a:p>
+        </p:txBody>
+      </p:sp>
+      <p:sp>
+        <p:nvSpPr>
+          <p:cNvPr id="3" name="Content Placeholder 2">
+            <a:extLst>
+              <a:ext uri="{FF2B5EF4-FFF2-40B4-BE49-F238E27FC236}">
+                <a16:creationId xmlns:a16="http://schemas.microsoft.com/office/drawing/2014/main" id="{05C07C28-8B33-E89A-F81B-ABDC02F2CA7F}"/>
+              </a:ext>
+            </a:extLst>
+          </p:cNvPr>
+          <p:cNvSpPr>
+            <a:spLocks noGrp="1"/>
+          </p:cNvSpPr>
+          <p:nvPr>
+            <p:ph idx="1"/>
+          </p:nvPr>
+        </p:nvSpPr>
+        <p:spPr>
+          <a:xfrm>
+            <a:off x="457200" y="1600200"/>
+            <a:ext cx="4727542" cy="4525963"/>
+          </a:xfrm>
+        </p:spPr>
+        <p:txBody>
+          <a:bodyPr>
+            <a:normAutofit fontScale="92500"/>
+          </a:bodyPr>
+          <a:lstStyle/>
+          <a:p>
+            <a:pPr marL="0" indent="0">
+              <a:buNone/>
+            </a:pPr>
+            <a:r>
+              <a:rPr lang="en-US" dirty="0"/>
+              <a:t>We have a uncharged conductor with a charged sphere inside a cavity deep in the conductor. Could you tell from the outside if there was a charge inside or not?</a:t>
+            </a:r>
+          </a:p>
+          <a:p>
+            <a:pPr marL="514350" indent="-514350">
+              <a:buAutoNum type="alphaLcParenR"/>
+            </a:pPr>
+            <a:r>
+              <a:rPr lang="en-US" dirty="0"/>
+              <a:t>Yes</a:t>
+            </a:r>
+          </a:p>
+          <a:p>
+            <a:pPr marL="514350" indent="-514350">
+              <a:buAutoNum type="alphaLcParenR"/>
+            </a:pPr>
+            <a:r>
+              <a:rPr lang="en-US" dirty="0"/>
+              <a:t>No</a:t>
+            </a:r>
+          </a:p>
+          <a:p>
+            <a:pPr marL="514350" indent="-514350">
+              <a:buAutoNum type="alphaLcParenR"/>
+            </a:pPr>
+            <a:r>
+              <a:rPr lang="en-US" dirty="0"/>
+              <a:t>Maybe</a:t>
+            </a:r>
+          </a:p>
+          <a:p>
+            <a:pPr marL="0" indent="0">
+              <a:buNone/>
+            </a:pPr>
+            <a:endParaRPr lang="en-US" dirty="0"/>
+          </a:p>
+        </p:txBody>
+      </p:sp>
+      <p:pic>
+        <p:nvPicPr>
+          <p:cNvPr id="3075" name="Picture 3">
+            <a:extLst>
+              <a:ext uri="{FF2B5EF4-FFF2-40B4-BE49-F238E27FC236}">
+                <a16:creationId xmlns:a16="http://schemas.microsoft.com/office/drawing/2014/main" id="{F830884B-46FE-0B54-3349-112E1F970050}"/>
+              </a:ext>
+            </a:extLst>
+          </p:cNvPr>
+          <p:cNvPicPr>
+            <a:picLocks noChangeAspect="1" noChangeArrowheads="1"/>
+          </p:cNvPicPr>
+          <p:nvPr/>
+        </p:nvPicPr>
+        <p:blipFill>
+          <a:blip r:embed="rId2" cstate="print"/>
+          <a:srcRect/>
+          <a:stretch>
+            <a:fillRect/>
+          </a:stretch>
+        </p:blipFill>
+        <p:spPr bwMode="auto">
+          <a:xfrm>
+            <a:off x="5744459" y="2472015"/>
+            <a:ext cx="3106469" cy="2194252"/>
+          </a:xfrm>
+          <a:prstGeom prst="rect">
+            <a:avLst/>
+          </a:prstGeom>
+          <a:noFill/>
+          <a:ln w="9525">
+            <a:noFill/>
+            <a:miter lim="800000"/>
+            <a:headEnd/>
+            <a:tailEnd/>
+          </a:ln>
+          <a:effectLst/>
+        </p:spPr>
+      </p:pic>
+    </p:spTree>
+    <p:extLst>
+      <p:ext uri="{BB962C8B-B14F-4D97-AF65-F5344CB8AC3E}">
+        <p14:creationId xmlns:p14="http://schemas.microsoft.com/office/powerpoint/2010/main" val="3670283186"/>
+      </p:ext>
+    </p:extLst>
+  </p:cSld>
+  <p:clrMapOvr>
+    <a:masterClrMapping/>
+  </p:clrMapOvr>
+</p:sld>
+</file>
+
+<file path=ppt/slides/slide19.xml><?xml version="1.0" encoding="utf-8"?>
 <p:sld xmlns:a="http://schemas.openxmlformats.org/drawingml/2006/main" xmlns:r="http://schemas.openxmlformats.org/officeDocument/2006/relationships" xmlns:p="http://schemas.openxmlformats.org/presentationml/2006/main">
   <p:cSld>
     <p:spTree>
@@ -18549,7 +18937,2509 @@
 </p:sld>
 </file>
 
-<file path=ppt/slides/slide18.xml><?xml version="1.0" encoding="utf-8"?>
+<file path=ppt/slides/slide2.xml><?xml version="1.0" encoding="utf-8"?>
+<p:sld xmlns:a="http://schemas.openxmlformats.org/drawingml/2006/main" xmlns:r="http://schemas.openxmlformats.org/officeDocument/2006/relationships" xmlns:p="http://schemas.openxmlformats.org/presentationml/2006/main">
+  <p:cSld>
+    <p:spTree>
+      <p:nvGrpSpPr>
+        <p:cNvPr id="1" name=""/>
+        <p:cNvGrpSpPr/>
+        <p:nvPr/>
+      </p:nvGrpSpPr>
+      <p:grpSpPr>
+        <a:xfrm>
+          <a:off x="0" y="0"/>
+          <a:ext cx="0" cy="0"/>
+          <a:chOff x="0" y="0"/>
+          <a:chExt cx="0" cy="0"/>
+        </a:xfrm>
+      </p:grpSpPr>
+      <p:grpSp>
+        <p:nvGrpSpPr>
+          <p:cNvPr id="6" name="Group 46"/>
+          <p:cNvGrpSpPr>
+            <a:grpSpLocks/>
+          </p:cNvGrpSpPr>
+          <p:nvPr/>
+        </p:nvGrpSpPr>
+        <p:grpSpPr bwMode="auto">
+          <a:xfrm>
+            <a:off x="441960" y="2267732"/>
+            <a:ext cx="8323580" cy="1054540"/>
+            <a:chOff x="0" y="1152"/>
+            <a:chExt cx="5424" cy="705"/>
+          </a:xfrm>
+        </p:grpSpPr>
+        <p:sp>
+          <p:nvSpPr>
+            <p:cNvPr id="80" name="AutoShape 47"/>
+            <p:cNvSpPr>
+              <a:spLocks noChangeArrowheads="1"/>
+            </p:cNvSpPr>
+            <p:nvPr/>
+          </p:nvSpPr>
+          <p:spPr bwMode="auto">
+            <a:xfrm>
+              <a:off x="0" y="1248"/>
+              <a:ext cx="2544" cy="528"/>
+            </a:xfrm>
+            <a:prstGeom prst="flowChartTerminator">
+              <a:avLst/>
+            </a:prstGeom>
+            <a:solidFill>
+              <a:srgbClr val="333333"/>
+            </a:solidFill>
+            <a:ln w="9525">
+              <a:solidFill>
+                <a:schemeClr val="tx1"/>
+              </a:solidFill>
+              <a:miter lim="800000"/>
+              <a:headEnd/>
+              <a:tailEnd/>
+            </a:ln>
+          </p:spPr>
+          <p:txBody>
+            <a:bodyPr wrap="none" anchor="ctr"/>
+            <a:lstStyle/>
+            <a:p>
+              <a:endParaRPr lang="en-US"/>
+            </a:p>
+          </p:txBody>
+        </p:sp>
+        <p:sp>
+          <p:nvSpPr>
+            <p:cNvPr id="81" name="Text Box 48"/>
+            <p:cNvSpPr txBox="1">
+              <a:spLocks noChangeArrowheads="1"/>
+            </p:cNvSpPr>
+            <p:nvPr/>
+          </p:nvSpPr>
+          <p:spPr bwMode="auto">
+            <a:xfrm>
+              <a:off x="2112" y="1344"/>
+              <a:ext cx="191" cy="321"/>
+            </a:xfrm>
+            <a:prstGeom prst="rect">
+              <a:avLst/>
+            </a:prstGeom>
+            <a:noFill/>
+            <a:ln w="9525">
+              <a:noFill/>
+              <a:miter lim="800000"/>
+              <a:headEnd/>
+              <a:tailEnd/>
+            </a:ln>
+          </p:spPr>
+          <p:txBody>
+            <a:bodyPr wrap="none">
+              <a:spAutoFit/>
+            </a:bodyPr>
+            <a:lstStyle/>
+            <a:p>
+              <a:r>
+                <a:rPr lang="en-US" sz="2400">
+                  <a:solidFill>
+                    <a:schemeClr val="bg1"/>
+                  </a:solidFill>
+                </a:rPr>
+                <a:t>-</a:t>
+              </a:r>
+            </a:p>
+          </p:txBody>
+        </p:sp>
+        <p:sp>
+          <p:nvSpPr>
+            <p:cNvPr id="82" name="Text Box 49"/>
+            <p:cNvSpPr txBox="1">
+              <a:spLocks noChangeArrowheads="1"/>
+            </p:cNvSpPr>
+            <p:nvPr/>
+          </p:nvSpPr>
+          <p:spPr bwMode="auto">
+            <a:xfrm>
+              <a:off x="2208" y="1440"/>
+              <a:ext cx="191" cy="321"/>
+            </a:xfrm>
+            <a:prstGeom prst="rect">
+              <a:avLst/>
+            </a:prstGeom>
+            <a:noFill/>
+            <a:ln w="9525">
+              <a:noFill/>
+              <a:miter lim="800000"/>
+              <a:headEnd/>
+              <a:tailEnd/>
+            </a:ln>
+          </p:spPr>
+          <p:txBody>
+            <a:bodyPr wrap="none">
+              <a:spAutoFit/>
+            </a:bodyPr>
+            <a:lstStyle/>
+            <a:p>
+              <a:r>
+                <a:rPr lang="en-US" sz="2400">
+                  <a:solidFill>
+                    <a:schemeClr val="bg1"/>
+                  </a:solidFill>
+                </a:rPr>
+                <a:t>-</a:t>
+              </a:r>
+            </a:p>
+          </p:txBody>
+        </p:sp>
+        <p:sp>
+          <p:nvSpPr>
+            <p:cNvPr id="83" name="Text Box 50"/>
+            <p:cNvSpPr txBox="1">
+              <a:spLocks noChangeArrowheads="1"/>
+            </p:cNvSpPr>
+            <p:nvPr/>
+          </p:nvSpPr>
+          <p:spPr bwMode="auto">
+            <a:xfrm>
+              <a:off x="2016" y="1248"/>
+              <a:ext cx="192" cy="321"/>
+            </a:xfrm>
+            <a:prstGeom prst="rect">
+              <a:avLst/>
+            </a:prstGeom>
+            <a:noFill/>
+            <a:ln w="9525">
+              <a:noFill/>
+              <a:miter lim="800000"/>
+              <a:headEnd/>
+              <a:tailEnd/>
+            </a:ln>
+          </p:spPr>
+          <p:txBody>
+            <a:bodyPr wrap="none">
+              <a:spAutoFit/>
+            </a:bodyPr>
+            <a:lstStyle/>
+            <a:p>
+              <a:r>
+                <a:rPr lang="en-US" sz="2400">
+                  <a:solidFill>
+                    <a:schemeClr val="bg1"/>
+                  </a:solidFill>
+                </a:rPr>
+                <a:t>-</a:t>
+              </a:r>
+            </a:p>
+          </p:txBody>
+        </p:sp>
+        <p:sp>
+          <p:nvSpPr>
+            <p:cNvPr id="84" name="Text Box 51"/>
+            <p:cNvSpPr txBox="1">
+              <a:spLocks noChangeArrowheads="1"/>
+            </p:cNvSpPr>
+            <p:nvPr/>
+          </p:nvSpPr>
+          <p:spPr bwMode="auto">
+            <a:xfrm>
+              <a:off x="1920" y="1488"/>
+              <a:ext cx="192" cy="321"/>
+            </a:xfrm>
+            <a:prstGeom prst="rect">
+              <a:avLst/>
+            </a:prstGeom>
+            <a:noFill/>
+            <a:ln w="9525">
+              <a:noFill/>
+              <a:miter lim="800000"/>
+              <a:headEnd/>
+              <a:tailEnd/>
+            </a:ln>
+          </p:spPr>
+          <p:txBody>
+            <a:bodyPr wrap="none">
+              <a:spAutoFit/>
+            </a:bodyPr>
+            <a:lstStyle/>
+            <a:p>
+              <a:r>
+                <a:rPr lang="en-US" sz="2400">
+                  <a:solidFill>
+                    <a:schemeClr val="bg1"/>
+                  </a:solidFill>
+                </a:rPr>
+                <a:t>-</a:t>
+              </a:r>
+            </a:p>
+          </p:txBody>
+        </p:sp>
+        <p:sp>
+          <p:nvSpPr>
+            <p:cNvPr id="85" name="Text Box 52"/>
+            <p:cNvSpPr txBox="1">
+              <a:spLocks noChangeArrowheads="1"/>
+            </p:cNvSpPr>
+            <p:nvPr/>
+          </p:nvSpPr>
+          <p:spPr bwMode="auto">
+            <a:xfrm>
+              <a:off x="2304" y="1296"/>
+              <a:ext cx="192" cy="321"/>
+            </a:xfrm>
+            <a:prstGeom prst="rect">
+              <a:avLst/>
+            </a:prstGeom>
+            <a:noFill/>
+            <a:ln w="9525">
+              <a:noFill/>
+              <a:miter lim="800000"/>
+              <a:headEnd/>
+              <a:tailEnd/>
+            </a:ln>
+          </p:spPr>
+          <p:txBody>
+            <a:bodyPr wrap="none">
+              <a:spAutoFit/>
+            </a:bodyPr>
+            <a:lstStyle/>
+            <a:p>
+              <a:r>
+                <a:rPr lang="en-US" sz="2400">
+                  <a:solidFill>
+                    <a:schemeClr val="bg1"/>
+                  </a:solidFill>
+                </a:rPr>
+                <a:t>-</a:t>
+              </a:r>
+            </a:p>
+          </p:txBody>
+        </p:sp>
+        <p:sp>
+          <p:nvSpPr>
+            <p:cNvPr id="86" name="Text Box 53"/>
+            <p:cNvSpPr txBox="1">
+              <a:spLocks noChangeArrowheads="1"/>
+            </p:cNvSpPr>
+            <p:nvPr/>
+          </p:nvSpPr>
+          <p:spPr bwMode="auto">
+            <a:xfrm>
+              <a:off x="1152" y="1344"/>
+              <a:ext cx="191" cy="321"/>
+            </a:xfrm>
+            <a:prstGeom prst="rect">
+              <a:avLst/>
+            </a:prstGeom>
+            <a:noFill/>
+            <a:ln w="9525">
+              <a:noFill/>
+              <a:miter lim="800000"/>
+              <a:headEnd/>
+              <a:tailEnd/>
+            </a:ln>
+          </p:spPr>
+          <p:txBody>
+            <a:bodyPr wrap="none">
+              <a:spAutoFit/>
+            </a:bodyPr>
+            <a:lstStyle/>
+            <a:p>
+              <a:r>
+                <a:rPr lang="en-US" sz="2400">
+                  <a:solidFill>
+                    <a:schemeClr val="bg1"/>
+                  </a:solidFill>
+                </a:rPr>
+                <a:t>-</a:t>
+              </a:r>
+            </a:p>
+          </p:txBody>
+        </p:sp>
+        <p:sp>
+          <p:nvSpPr>
+            <p:cNvPr id="87" name="Text Box 54"/>
+            <p:cNvSpPr txBox="1">
+              <a:spLocks noChangeArrowheads="1"/>
+            </p:cNvSpPr>
+            <p:nvPr/>
+          </p:nvSpPr>
+          <p:spPr bwMode="auto">
+            <a:xfrm>
+              <a:off x="1248" y="1440"/>
+              <a:ext cx="191" cy="321"/>
+            </a:xfrm>
+            <a:prstGeom prst="rect">
+              <a:avLst/>
+            </a:prstGeom>
+            <a:noFill/>
+            <a:ln w="9525">
+              <a:noFill/>
+              <a:miter lim="800000"/>
+              <a:headEnd/>
+              <a:tailEnd/>
+            </a:ln>
+          </p:spPr>
+          <p:txBody>
+            <a:bodyPr wrap="none">
+              <a:spAutoFit/>
+            </a:bodyPr>
+            <a:lstStyle/>
+            <a:p>
+              <a:r>
+                <a:rPr lang="en-US" sz="2400">
+                  <a:solidFill>
+                    <a:schemeClr val="bg1"/>
+                  </a:solidFill>
+                </a:rPr>
+                <a:t>-</a:t>
+              </a:r>
+            </a:p>
+          </p:txBody>
+        </p:sp>
+        <p:sp>
+          <p:nvSpPr>
+            <p:cNvPr id="88" name="Text Box 55"/>
+            <p:cNvSpPr txBox="1">
+              <a:spLocks noChangeArrowheads="1"/>
+            </p:cNvSpPr>
+            <p:nvPr/>
+          </p:nvSpPr>
+          <p:spPr bwMode="auto">
+            <a:xfrm>
+              <a:off x="1056" y="1248"/>
+              <a:ext cx="192" cy="321"/>
+            </a:xfrm>
+            <a:prstGeom prst="rect">
+              <a:avLst/>
+            </a:prstGeom>
+            <a:noFill/>
+            <a:ln w="9525">
+              <a:noFill/>
+              <a:miter lim="800000"/>
+              <a:headEnd/>
+              <a:tailEnd/>
+            </a:ln>
+          </p:spPr>
+          <p:txBody>
+            <a:bodyPr wrap="none">
+              <a:spAutoFit/>
+            </a:bodyPr>
+            <a:lstStyle/>
+            <a:p>
+              <a:r>
+                <a:rPr lang="en-US" sz="2400">
+                  <a:solidFill>
+                    <a:schemeClr val="bg1"/>
+                  </a:solidFill>
+                </a:rPr>
+                <a:t>-</a:t>
+              </a:r>
+            </a:p>
+          </p:txBody>
+        </p:sp>
+        <p:sp>
+          <p:nvSpPr>
+            <p:cNvPr id="89" name="Text Box 56"/>
+            <p:cNvSpPr txBox="1">
+              <a:spLocks noChangeArrowheads="1"/>
+            </p:cNvSpPr>
+            <p:nvPr/>
+          </p:nvSpPr>
+          <p:spPr bwMode="auto">
+            <a:xfrm>
+              <a:off x="960" y="1488"/>
+              <a:ext cx="192" cy="321"/>
+            </a:xfrm>
+            <a:prstGeom prst="rect">
+              <a:avLst/>
+            </a:prstGeom>
+            <a:noFill/>
+            <a:ln w="9525">
+              <a:noFill/>
+              <a:miter lim="800000"/>
+              <a:headEnd/>
+              <a:tailEnd/>
+            </a:ln>
+          </p:spPr>
+          <p:txBody>
+            <a:bodyPr wrap="none">
+              <a:spAutoFit/>
+            </a:bodyPr>
+            <a:lstStyle/>
+            <a:p>
+              <a:r>
+                <a:rPr lang="en-US" sz="2400">
+                  <a:solidFill>
+                    <a:schemeClr val="bg1"/>
+                  </a:solidFill>
+                </a:rPr>
+                <a:t>-</a:t>
+              </a:r>
+            </a:p>
+          </p:txBody>
+        </p:sp>
+        <p:sp>
+          <p:nvSpPr>
+            <p:cNvPr id="90" name="Text Box 57"/>
+            <p:cNvSpPr txBox="1">
+              <a:spLocks noChangeArrowheads="1"/>
+            </p:cNvSpPr>
+            <p:nvPr/>
+          </p:nvSpPr>
+          <p:spPr bwMode="auto">
+            <a:xfrm>
+              <a:off x="1343" y="1296"/>
+              <a:ext cx="192" cy="321"/>
+            </a:xfrm>
+            <a:prstGeom prst="rect">
+              <a:avLst/>
+            </a:prstGeom>
+            <a:noFill/>
+            <a:ln w="9525">
+              <a:noFill/>
+              <a:miter lim="800000"/>
+              <a:headEnd/>
+              <a:tailEnd/>
+            </a:ln>
+          </p:spPr>
+          <p:txBody>
+            <a:bodyPr wrap="none">
+              <a:spAutoFit/>
+            </a:bodyPr>
+            <a:lstStyle/>
+            <a:p>
+              <a:r>
+                <a:rPr lang="en-US" sz="2400">
+                  <a:solidFill>
+                    <a:schemeClr val="bg1"/>
+                  </a:solidFill>
+                </a:rPr>
+                <a:t>-</a:t>
+              </a:r>
+            </a:p>
+          </p:txBody>
+        </p:sp>
+        <p:sp>
+          <p:nvSpPr>
+            <p:cNvPr id="91" name="Text Box 58"/>
+            <p:cNvSpPr txBox="1">
+              <a:spLocks noChangeArrowheads="1"/>
+            </p:cNvSpPr>
+            <p:nvPr/>
+          </p:nvSpPr>
+          <p:spPr bwMode="auto">
+            <a:xfrm>
+              <a:off x="1680" y="1344"/>
+              <a:ext cx="192" cy="321"/>
+            </a:xfrm>
+            <a:prstGeom prst="rect">
+              <a:avLst/>
+            </a:prstGeom>
+            <a:noFill/>
+            <a:ln w="9525">
+              <a:noFill/>
+              <a:miter lim="800000"/>
+              <a:headEnd/>
+              <a:tailEnd/>
+            </a:ln>
+          </p:spPr>
+          <p:txBody>
+            <a:bodyPr wrap="none">
+              <a:spAutoFit/>
+            </a:bodyPr>
+            <a:lstStyle/>
+            <a:p>
+              <a:r>
+                <a:rPr lang="en-US" sz="2400">
+                  <a:solidFill>
+                    <a:schemeClr val="bg1"/>
+                  </a:solidFill>
+                </a:rPr>
+                <a:t>-</a:t>
+              </a:r>
+            </a:p>
+          </p:txBody>
+        </p:sp>
+        <p:sp>
+          <p:nvSpPr>
+            <p:cNvPr id="92" name="Text Box 59"/>
+            <p:cNvSpPr txBox="1">
+              <a:spLocks noChangeArrowheads="1"/>
+            </p:cNvSpPr>
+            <p:nvPr/>
+          </p:nvSpPr>
+          <p:spPr bwMode="auto">
+            <a:xfrm>
+              <a:off x="1776" y="1440"/>
+              <a:ext cx="192" cy="321"/>
+            </a:xfrm>
+            <a:prstGeom prst="rect">
+              <a:avLst/>
+            </a:prstGeom>
+            <a:noFill/>
+            <a:ln w="9525">
+              <a:noFill/>
+              <a:miter lim="800000"/>
+              <a:headEnd/>
+              <a:tailEnd/>
+            </a:ln>
+          </p:spPr>
+          <p:txBody>
+            <a:bodyPr wrap="none">
+              <a:spAutoFit/>
+            </a:bodyPr>
+            <a:lstStyle/>
+            <a:p>
+              <a:r>
+                <a:rPr lang="en-US" sz="2400">
+                  <a:solidFill>
+                    <a:schemeClr val="bg1"/>
+                  </a:solidFill>
+                </a:rPr>
+                <a:t>-</a:t>
+              </a:r>
+            </a:p>
+          </p:txBody>
+        </p:sp>
+        <p:sp>
+          <p:nvSpPr>
+            <p:cNvPr id="93" name="Text Box 60"/>
+            <p:cNvSpPr txBox="1">
+              <a:spLocks noChangeArrowheads="1"/>
+            </p:cNvSpPr>
+            <p:nvPr/>
+          </p:nvSpPr>
+          <p:spPr bwMode="auto">
+            <a:xfrm>
+              <a:off x="1584" y="1248"/>
+              <a:ext cx="192" cy="321"/>
+            </a:xfrm>
+            <a:prstGeom prst="rect">
+              <a:avLst/>
+            </a:prstGeom>
+            <a:noFill/>
+            <a:ln w="9525">
+              <a:noFill/>
+              <a:miter lim="800000"/>
+              <a:headEnd/>
+              <a:tailEnd/>
+            </a:ln>
+          </p:spPr>
+          <p:txBody>
+            <a:bodyPr wrap="none">
+              <a:spAutoFit/>
+            </a:bodyPr>
+            <a:lstStyle/>
+            <a:p>
+              <a:r>
+                <a:rPr lang="en-US" sz="2400">
+                  <a:solidFill>
+                    <a:schemeClr val="bg1"/>
+                  </a:solidFill>
+                </a:rPr>
+                <a:t>-</a:t>
+              </a:r>
+            </a:p>
+          </p:txBody>
+        </p:sp>
+        <p:sp>
+          <p:nvSpPr>
+            <p:cNvPr id="94" name="Text Box 61"/>
+            <p:cNvSpPr txBox="1">
+              <a:spLocks noChangeArrowheads="1"/>
+            </p:cNvSpPr>
+            <p:nvPr/>
+          </p:nvSpPr>
+          <p:spPr bwMode="auto">
+            <a:xfrm>
+              <a:off x="1488" y="1488"/>
+              <a:ext cx="192" cy="321"/>
+            </a:xfrm>
+            <a:prstGeom prst="rect">
+              <a:avLst/>
+            </a:prstGeom>
+            <a:noFill/>
+            <a:ln w="9525">
+              <a:noFill/>
+              <a:miter lim="800000"/>
+              <a:headEnd/>
+              <a:tailEnd/>
+            </a:ln>
+          </p:spPr>
+          <p:txBody>
+            <a:bodyPr wrap="none">
+              <a:spAutoFit/>
+            </a:bodyPr>
+            <a:lstStyle/>
+            <a:p>
+              <a:r>
+                <a:rPr lang="en-US" sz="2400">
+                  <a:solidFill>
+                    <a:schemeClr val="bg1"/>
+                  </a:solidFill>
+                </a:rPr>
+                <a:t>-</a:t>
+              </a:r>
+            </a:p>
+          </p:txBody>
+        </p:sp>
+        <p:sp>
+          <p:nvSpPr>
+            <p:cNvPr id="95" name="Text Box 62"/>
+            <p:cNvSpPr txBox="1">
+              <a:spLocks noChangeArrowheads="1"/>
+            </p:cNvSpPr>
+            <p:nvPr/>
+          </p:nvSpPr>
+          <p:spPr bwMode="auto">
+            <a:xfrm>
+              <a:off x="1872" y="1296"/>
+              <a:ext cx="192" cy="321"/>
+            </a:xfrm>
+            <a:prstGeom prst="rect">
+              <a:avLst/>
+            </a:prstGeom>
+            <a:noFill/>
+            <a:ln w="9525">
+              <a:noFill/>
+              <a:miter lim="800000"/>
+              <a:headEnd/>
+              <a:tailEnd/>
+            </a:ln>
+          </p:spPr>
+          <p:txBody>
+            <a:bodyPr wrap="none">
+              <a:spAutoFit/>
+            </a:bodyPr>
+            <a:lstStyle/>
+            <a:p>
+              <a:r>
+                <a:rPr lang="en-US" sz="2400">
+                  <a:solidFill>
+                    <a:schemeClr val="bg1"/>
+                  </a:solidFill>
+                </a:rPr>
+                <a:t>-</a:t>
+              </a:r>
+            </a:p>
+          </p:txBody>
+        </p:sp>
+        <p:sp>
+          <p:nvSpPr>
+            <p:cNvPr id="96" name="Text Box 63"/>
+            <p:cNvSpPr txBox="1">
+              <a:spLocks noChangeArrowheads="1"/>
+            </p:cNvSpPr>
+            <p:nvPr/>
+          </p:nvSpPr>
+          <p:spPr bwMode="auto">
+            <a:xfrm>
+              <a:off x="624" y="1344"/>
+              <a:ext cx="192" cy="321"/>
+            </a:xfrm>
+            <a:prstGeom prst="rect">
+              <a:avLst/>
+            </a:prstGeom>
+            <a:noFill/>
+            <a:ln w="9525">
+              <a:noFill/>
+              <a:miter lim="800000"/>
+              <a:headEnd/>
+              <a:tailEnd/>
+            </a:ln>
+          </p:spPr>
+          <p:txBody>
+            <a:bodyPr wrap="none">
+              <a:spAutoFit/>
+            </a:bodyPr>
+            <a:lstStyle/>
+            <a:p>
+              <a:r>
+                <a:rPr lang="en-US" sz="2400">
+                  <a:solidFill>
+                    <a:schemeClr val="bg1"/>
+                  </a:solidFill>
+                </a:rPr>
+                <a:t>-</a:t>
+              </a:r>
+            </a:p>
+          </p:txBody>
+        </p:sp>
+        <p:sp>
+          <p:nvSpPr>
+            <p:cNvPr id="97" name="Text Box 64"/>
+            <p:cNvSpPr txBox="1">
+              <a:spLocks noChangeArrowheads="1"/>
+            </p:cNvSpPr>
+            <p:nvPr/>
+          </p:nvSpPr>
+          <p:spPr bwMode="auto">
+            <a:xfrm>
+              <a:off x="720" y="1440"/>
+              <a:ext cx="192" cy="321"/>
+            </a:xfrm>
+            <a:prstGeom prst="rect">
+              <a:avLst/>
+            </a:prstGeom>
+            <a:noFill/>
+            <a:ln w="9525">
+              <a:noFill/>
+              <a:miter lim="800000"/>
+              <a:headEnd/>
+              <a:tailEnd/>
+            </a:ln>
+          </p:spPr>
+          <p:txBody>
+            <a:bodyPr wrap="none">
+              <a:spAutoFit/>
+            </a:bodyPr>
+            <a:lstStyle/>
+            <a:p>
+              <a:r>
+                <a:rPr lang="en-US" sz="2400">
+                  <a:solidFill>
+                    <a:schemeClr val="bg1"/>
+                  </a:solidFill>
+                </a:rPr>
+                <a:t>-</a:t>
+              </a:r>
+            </a:p>
+          </p:txBody>
+        </p:sp>
+        <p:sp>
+          <p:nvSpPr>
+            <p:cNvPr id="98" name="Text Box 65"/>
+            <p:cNvSpPr txBox="1">
+              <a:spLocks noChangeArrowheads="1"/>
+            </p:cNvSpPr>
+            <p:nvPr/>
+          </p:nvSpPr>
+          <p:spPr bwMode="auto">
+            <a:xfrm>
+              <a:off x="528" y="1248"/>
+              <a:ext cx="192" cy="321"/>
+            </a:xfrm>
+            <a:prstGeom prst="rect">
+              <a:avLst/>
+            </a:prstGeom>
+            <a:noFill/>
+            <a:ln w="9525">
+              <a:noFill/>
+              <a:miter lim="800000"/>
+              <a:headEnd/>
+              <a:tailEnd/>
+            </a:ln>
+          </p:spPr>
+          <p:txBody>
+            <a:bodyPr wrap="none">
+              <a:spAutoFit/>
+            </a:bodyPr>
+            <a:lstStyle/>
+            <a:p>
+              <a:r>
+                <a:rPr lang="en-US" sz="2400">
+                  <a:solidFill>
+                    <a:schemeClr val="bg1"/>
+                  </a:solidFill>
+                </a:rPr>
+                <a:t>-</a:t>
+              </a:r>
+            </a:p>
+          </p:txBody>
+        </p:sp>
+        <p:sp>
+          <p:nvSpPr>
+            <p:cNvPr id="99" name="Text Box 66"/>
+            <p:cNvSpPr txBox="1">
+              <a:spLocks noChangeArrowheads="1"/>
+            </p:cNvSpPr>
+            <p:nvPr/>
+          </p:nvSpPr>
+          <p:spPr bwMode="auto">
+            <a:xfrm>
+              <a:off x="342" y="1392"/>
+              <a:ext cx="192" cy="321"/>
+            </a:xfrm>
+            <a:prstGeom prst="rect">
+              <a:avLst/>
+            </a:prstGeom>
+            <a:noFill/>
+            <a:ln w="9525">
+              <a:noFill/>
+              <a:miter lim="800000"/>
+              <a:headEnd/>
+              <a:tailEnd/>
+            </a:ln>
+          </p:spPr>
+          <p:txBody>
+            <a:bodyPr wrap="none">
+              <a:spAutoFit/>
+            </a:bodyPr>
+            <a:lstStyle/>
+            <a:p>
+              <a:r>
+                <a:rPr lang="en-US" sz="2400">
+                  <a:solidFill>
+                    <a:schemeClr val="bg1"/>
+                  </a:solidFill>
+                </a:rPr>
+                <a:t>-</a:t>
+              </a:r>
+            </a:p>
+          </p:txBody>
+        </p:sp>
+        <p:sp>
+          <p:nvSpPr>
+            <p:cNvPr id="100" name="Text Box 67"/>
+            <p:cNvSpPr txBox="1">
+              <a:spLocks noChangeArrowheads="1"/>
+            </p:cNvSpPr>
+            <p:nvPr/>
+          </p:nvSpPr>
+          <p:spPr bwMode="auto">
+            <a:xfrm>
+              <a:off x="816" y="1296"/>
+              <a:ext cx="192" cy="321"/>
+            </a:xfrm>
+            <a:prstGeom prst="rect">
+              <a:avLst/>
+            </a:prstGeom>
+            <a:noFill/>
+            <a:ln w="9525">
+              <a:noFill/>
+              <a:miter lim="800000"/>
+              <a:headEnd/>
+              <a:tailEnd/>
+            </a:ln>
+          </p:spPr>
+          <p:txBody>
+            <a:bodyPr wrap="none">
+              <a:spAutoFit/>
+            </a:bodyPr>
+            <a:lstStyle/>
+            <a:p>
+              <a:r>
+                <a:rPr lang="en-US" sz="2400">
+                  <a:solidFill>
+                    <a:schemeClr val="bg1"/>
+                  </a:solidFill>
+                </a:rPr>
+                <a:t>-</a:t>
+              </a:r>
+            </a:p>
+          </p:txBody>
+        </p:sp>
+        <p:sp>
+          <p:nvSpPr>
+            <p:cNvPr id="101" name="Text Box 68"/>
+            <p:cNvSpPr txBox="1">
+              <a:spLocks noChangeArrowheads="1"/>
+            </p:cNvSpPr>
+            <p:nvPr/>
+          </p:nvSpPr>
+          <p:spPr bwMode="auto">
+            <a:xfrm>
+              <a:off x="253" y="1248"/>
+              <a:ext cx="191" cy="321"/>
+            </a:xfrm>
+            <a:prstGeom prst="rect">
+              <a:avLst/>
+            </a:prstGeom>
+            <a:noFill/>
+            <a:ln w="9525">
+              <a:noFill/>
+              <a:miter lim="800000"/>
+              <a:headEnd/>
+              <a:tailEnd/>
+            </a:ln>
+          </p:spPr>
+          <p:txBody>
+            <a:bodyPr wrap="none">
+              <a:spAutoFit/>
+            </a:bodyPr>
+            <a:lstStyle/>
+            <a:p>
+              <a:r>
+                <a:rPr lang="en-US" sz="2400">
+                  <a:solidFill>
+                    <a:schemeClr val="bg1"/>
+                  </a:solidFill>
+                </a:rPr>
+                <a:t>-</a:t>
+              </a:r>
+            </a:p>
+          </p:txBody>
+        </p:sp>
+        <p:sp>
+          <p:nvSpPr>
+            <p:cNvPr id="102" name="Text Box 69"/>
+            <p:cNvSpPr txBox="1">
+              <a:spLocks noChangeArrowheads="1"/>
+            </p:cNvSpPr>
+            <p:nvPr/>
+          </p:nvSpPr>
+          <p:spPr bwMode="auto">
+            <a:xfrm>
+              <a:off x="156" y="1488"/>
+              <a:ext cx="191" cy="321"/>
+            </a:xfrm>
+            <a:prstGeom prst="rect">
+              <a:avLst/>
+            </a:prstGeom>
+            <a:noFill/>
+            <a:ln w="9525">
+              <a:noFill/>
+              <a:miter lim="800000"/>
+              <a:headEnd/>
+              <a:tailEnd/>
+            </a:ln>
+          </p:spPr>
+          <p:txBody>
+            <a:bodyPr wrap="none">
+              <a:spAutoFit/>
+            </a:bodyPr>
+            <a:lstStyle/>
+            <a:p>
+              <a:r>
+                <a:rPr lang="en-US" sz="2400">
+                  <a:solidFill>
+                    <a:schemeClr val="bg1"/>
+                  </a:solidFill>
+                </a:rPr>
+                <a:t>-</a:t>
+              </a:r>
+            </a:p>
+          </p:txBody>
+        </p:sp>
+        <p:sp>
+          <p:nvSpPr>
+            <p:cNvPr id="103" name="Text Box 70"/>
+            <p:cNvSpPr txBox="1">
+              <a:spLocks noChangeArrowheads="1"/>
+            </p:cNvSpPr>
+            <p:nvPr/>
+          </p:nvSpPr>
+          <p:spPr bwMode="auto">
+            <a:xfrm>
+              <a:off x="3120" y="1296"/>
+              <a:ext cx="242" cy="321"/>
+            </a:xfrm>
+            <a:prstGeom prst="rect">
+              <a:avLst/>
+            </a:prstGeom>
+            <a:noFill/>
+            <a:ln w="9525">
+              <a:noFill/>
+              <a:miter lim="800000"/>
+              <a:headEnd/>
+              <a:tailEnd/>
+            </a:ln>
+          </p:spPr>
+          <p:txBody>
+            <a:bodyPr wrap="none">
+              <a:spAutoFit/>
+            </a:bodyPr>
+            <a:lstStyle/>
+            <a:p>
+              <a:r>
+                <a:rPr lang="en-US" sz="2400"/>
+                <a:t>+</a:t>
+              </a:r>
+            </a:p>
+          </p:txBody>
+        </p:sp>
+        <p:grpSp>
+          <p:nvGrpSpPr>
+            <p:cNvPr id="104" name="Group 71"/>
+            <p:cNvGrpSpPr>
+              <a:grpSpLocks/>
+            </p:cNvGrpSpPr>
+            <p:nvPr/>
+          </p:nvGrpSpPr>
+          <p:grpSpPr bwMode="auto">
+            <a:xfrm>
+              <a:off x="2880" y="1248"/>
+              <a:ext cx="2544" cy="528"/>
+              <a:chOff x="2880" y="2592"/>
+              <a:chExt cx="2544" cy="528"/>
+            </a:xfrm>
+          </p:grpSpPr>
+          <p:sp>
+            <p:nvSpPr>
+              <p:cNvPr id="140" name="AutoShape 72"/>
+              <p:cNvSpPr>
+                <a:spLocks noChangeArrowheads="1"/>
+              </p:cNvSpPr>
+              <p:nvPr/>
+            </p:nvSpPr>
+            <p:spPr bwMode="auto">
+              <a:xfrm>
+                <a:off x="2880" y="2592"/>
+                <a:ext cx="2544" cy="528"/>
+              </a:xfrm>
+              <a:prstGeom prst="flowChartTerminator">
+                <a:avLst/>
+              </a:prstGeom>
+              <a:solidFill>
+                <a:srgbClr val="C0C0C0"/>
+              </a:solidFill>
+              <a:ln w="9525">
+                <a:noFill/>
+                <a:miter lim="800000"/>
+                <a:headEnd/>
+                <a:tailEnd/>
+              </a:ln>
+            </p:spPr>
+            <p:txBody>
+              <a:bodyPr wrap="none" anchor="ctr"/>
+              <a:lstStyle/>
+              <a:p>
+                <a:endParaRPr lang="en-US"/>
+              </a:p>
+            </p:txBody>
+          </p:sp>
+          <p:sp>
+            <p:nvSpPr>
+              <p:cNvPr id="141" name="Freeform 73"/>
+              <p:cNvSpPr>
+                <a:spLocks/>
+              </p:cNvSpPr>
+              <p:nvPr/>
+            </p:nvSpPr>
+            <p:spPr bwMode="auto">
+              <a:xfrm>
+                <a:off x="3120" y="2928"/>
+                <a:ext cx="2160" cy="144"/>
+              </a:xfrm>
+              <a:custGeom>
+                <a:avLst/>
+                <a:gdLst>
+                  <a:gd name="T0" fmla="*/ 0 w 2160"/>
+                  <a:gd name="T1" fmla="*/ 96 h 144"/>
+                  <a:gd name="T2" fmla="*/ 144 w 2160"/>
+                  <a:gd name="T3" fmla="*/ 144 h 144"/>
+                  <a:gd name="T4" fmla="*/ 1920 w 2160"/>
+                  <a:gd name="T5" fmla="*/ 144 h 144"/>
+                  <a:gd name="T6" fmla="*/ 2064 w 2160"/>
+                  <a:gd name="T7" fmla="*/ 96 h 144"/>
+                  <a:gd name="T8" fmla="*/ 2160 w 2160"/>
+                  <a:gd name="T9" fmla="*/ 0 h 144"/>
+                  <a:gd name="T10" fmla="*/ 2064 w 2160"/>
+                  <a:gd name="T11" fmla="*/ 48 h 144"/>
+                  <a:gd name="T12" fmla="*/ 1920 w 2160"/>
+                  <a:gd name="T13" fmla="*/ 144 h 144"/>
+                  <a:gd name="T14" fmla="*/ 1200 w 2160"/>
+                  <a:gd name="T15" fmla="*/ 96 h 144"/>
+                  <a:gd name="T16" fmla="*/ 144 w 2160"/>
+                  <a:gd name="T17" fmla="*/ 96 h 144"/>
+                  <a:gd name="T18" fmla="*/ 0 w 2160"/>
+                  <a:gd name="T19" fmla="*/ 96 h 144"/>
+                  <a:gd name="T20" fmla="*/ 0 60000 65536"/>
+                  <a:gd name="T21" fmla="*/ 0 60000 65536"/>
+                  <a:gd name="T22" fmla="*/ 0 60000 65536"/>
+                  <a:gd name="T23" fmla="*/ 0 60000 65536"/>
+                  <a:gd name="T24" fmla="*/ 0 60000 65536"/>
+                  <a:gd name="T25" fmla="*/ 0 60000 65536"/>
+                  <a:gd name="T26" fmla="*/ 0 60000 65536"/>
+                  <a:gd name="T27" fmla="*/ 0 60000 65536"/>
+                  <a:gd name="T28" fmla="*/ 0 60000 65536"/>
+                  <a:gd name="T29" fmla="*/ 0 60000 65536"/>
+                  <a:gd name="T30" fmla="*/ 0 w 2160"/>
+                  <a:gd name="T31" fmla="*/ 0 h 144"/>
+                  <a:gd name="T32" fmla="*/ 2160 w 2160"/>
+                  <a:gd name="T33" fmla="*/ 144 h 144"/>
+                </a:gdLst>
+                <a:ahLst/>
+                <a:cxnLst>
+                  <a:cxn ang="T20">
+                    <a:pos x="T0" y="T1"/>
+                  </a:cxn>
+                  <a:cxn ang="T21">
+                    <a:pos x="T2" y="T3"/>
+                  </a:cxn>
+                  <a:cxn ang="T22">
+                    <a:pos x="T4" y="T5"/>
+                  </a:cxn>
+                  <a:cxn ang="T23">
+                    <a:pos x="T6" y="T7"/>
+                  </a:cxn>
+                  <a:cxn ang="T24">
+                    <a:pos x="T8" y="T9"/>
+                  </a:cxn>
+                  <a:cxn ang="T25">
+                    <a:pos x="T10" y="T11"/>
+                  </a:cxn>
+                  <a:cxn ang="T26">
+                    <a:pos x="T12" y="T13"/>
+                  </a:cxn>
+                  <a:cxn ang="T27">
+                    <a:pos x="T14" y="T15"/>
+                  </a:cxn>
+                  <a:cxn ang="T28">
+                    <a:pos x="T16" y="T17"/>
+                  </a:cxn>
+                  <a:cxn ang="T29">
+                    <a:pos x="T18" y="T19"/>
+                  </a:cxn>
+                </a:cxnLst>
+                <a:rect l="T30" t="T31" r="T32" b="T33"/>
+                <a:pathLst>
+                  <a:path w="2160" h="144">
+                    <a:moveTo>
+                      <a:pt x="0" y="96"/>
+                    </a:moveTo>
+                    <a:lnTo>
+                      <a:pt x="144" y="144"/>
+                    </a:lnTo>
+                    <a:lnTo>
+                      <a:pt x="1920" y="144"/>
+                    </a:lnTo>
+                    <a:lnTo>
+                      <a:pt x="2064" y="96"/>
+                    </a:lnTo>
+                    <a:lnTo>
+                      <a:pt x="2160" y="0"/>
+                    </a:lnTo>
+                    <a:lnTo>
+                      <a:pt x="2064" y="48"/>
+                    </a:lnTo>
+                    <a:lnTo>
+                      <a:pt x="1920" y="144"/>
+                    </a:lnTo>
+                    <a:lnTo>
+                      <a:pt x="1200" y="96"/>
+                    </a:lnTo>
+                    <a:lnTo>
+                      <a:pt x="144" y="96"/>
+                    </a:lnTo>
+                    <a:lnTo>
+                      <a:pt x="0" y="96"/>
+                    </a:lnTo>
+                    <a:close/>
+                  </a:path>
+                </a:pathLst>
+              </a:custGeom>
+              <a:solidFill>
+                <a:schemeClr val="bg1"/>
+              </a:solidFill>
+              <a:ln w="9525">
+                <a:noFill/>
+                <a:round/>
+                <a:headEnd/>
+                <a:tailEnd/>
+              </a:ln>
+            </p:spPr>
+            <p:txBody>
+              <a:bodyPr/>
+              <a:lstStyle/>
+              <a:p>
+                <a:endParaRPr lang="en-US"/>
+              </a:p>
+            </p:txBody>
+          </p:sp>
+        </p:grpSp>
+        <p:sp>
+          <p:nvSpPr>
+            <p:cNvPr id="105" name="Text Box 74"/>
+            <p:cNvSpPr txBox="1">
+              <a:spLocks noChangeArrowheads="1"/>
+            </p:cNvSpPr>
+            <p:nvPr/>
+          </p:nvSpPr>
+          <p:spPr bwMode="auto">
+            <a:xfrm>
+              <a:off x="3216" y="1392"/>
+              <a:ext cx="243" cy="321"/>
+            </a:xfrm>
+            <a:prstGeom prst="rect">
+              <a:avLst/>
+            </a:prstGeom>
+            <a:noFill/>
+            <a:ln w="9525">
+              <a:noFill/>
+              <a:miter lim="800000"/>
+              <a:headEnd/>
+              <a:tailEnd/>
+            </a:ln>
+          </p:spPr>
+          <p:txBody>
+            <a:bodyPr wrap="none">
+              <a:spAutoFit/>
+            </a:bodyPr>
+            <a:lstStyle/>
+            <a:p>
+              <a:r>
+                <a:rPr lang="en-US" sz="2400"/>
+                <a:t>+</a:t>
+              </a:r>
+            </a:p>
+          </p:txBody>
+        </p:sp>
+        <p:sp>
+          <p:nvSpPr>
+            <p:cNvPr id="106" name="Text Box 75"/>
+            <p:cNvSpPr txBox="1">
+              <a:spLocks noChangeArrowheads="1"/>
+            </p:cNvSpPr>
+            <p:nvPr/>
+          </p:nvSpPr>
+          <p:spPr bwMode="auto">
+            <a:xfrm>
+              <a:off x="3169" y="1536"/>
+              <a:ext cx="242" cy="321"/>
+            </a:xfrm>
+            <a:prstGeom prst="rect">
+              <a:avLst/>
+            </a:prstGeom>
+            <a:noFill/>
+            <a:ln w="9525">
+              <a:noFill/>
+              <a:miter lim="800000"/>
+              <a:headEnd/>
+              <a:tailEnd/>
+            </a:ln>
+          </p:spPr>
+          <p:txBody>
+            <a:bodyPr wrap="none">
+              <a:spAutoFit/>
+            </a:bodyPr>
+            <a:lstStyle/>
+            <a:p>
+              <a:r>
+                <a:rPr lang="en-US" sz="2400"/>
+                <a:t>+</a:t>
+              </a:r>
+            </a:p>
+          </p:txBody>
+        </p:sp>
+        <p:sp>
+          <p:nvSpPr>
+            <p:cNvPr id="107" name="Text Box 76"/>
+            <p:cNvSpPr txBox="1">
+              <a:spLocks noChangeArrowheads="1"/>
+            </p:cNvSpPr>
+            <p:nvPr/>
+          </p:nvSpPr>
+          <p:spPr bwMode="auto">
+            <a:xfrm>
+              <a:off x="3552" y="1296"/>
+              <a:ext cx="243" cy="321"/>
+            </a:xfrm>
+            <a:prstGeom prst="rect">
+              <a:avLst/>
+            </a:prstGeom>
+            <a:noFill/>
+            <a:ln w="9525">
+              <a:noFill/>
+              <a:miter lim="800000"/>
+              <a:headEnd/>
+              <a:tailEnd/>
+            </a:ln>
+          </p:spPr>
+          <p:txBody>
+            <a:bodyPr wrap="none">
+              <a:spAutoFit/>
+            </a:bodyPr>
+            <a:lstStyle/>
+            <a:p>
+              <a:r>
+                <a:rPr lang="en-US" sz="2400"/>
+                <a:t>+</a:t>
+              </a:r>
+            </a:p>
+          </p:txBody>
+        </p:sp>
+        <p:sp>
+          <p:nvSpPr>
+            <p:cNvPr id="108" name="Text Box 77"/>
+            <p:cNvSpPr txBox="1">
+              <a:spLocks noChangeArrowheads="1"/>
+            </p:cNvSpPr>
+            <p:nvPr/>
+          </p:nvSpPr>
+          <p:spPr bwMode="auto">
+            <a:xfrm>
+              <a:off x="3648" y="1392"/>
+              <a:ext cx="243" cy="321"/>
+            </a:xfrm>
+            <a:prstGeom prst="rect">
+              <a:avLst/>
+            </a:prstGeom>
+            <a:noFill/>
+            <a:ln w="9525">
+              <a:noFill/>
+              <a:miter lim="800000"/>
+              <a:headEnd/>
+              <a:tailEnd/>
+            </a:ln>
+          </p:spPr>
+          <p:txBody>
+            <a:bodyPr wrap="none">
+              <a:spAutoFit/>
+            </a:bodyPr>
+            <a:lstStyle/>
+            <a:p>
+              <a:r>
+                <a:rPr lang="en-US" sz="2400"/>
+                <a:t>+</a:t>
+              </a:r>
+            </a:p>
+          </p:txBody>
+        </p:sp>
+        <p:sp>
+          <p:nvSpPr>
+            <p:cNvPr id="109" name="Text Box 78"/>
+            <p:cNvSpPr txBox="1">
+              <a:spLocks noChangeArrowheads="1"/>
+            </p:cNvSpPr>
+            <p:nvPr/>
+          </p:nvSpPr>
+          <p:spPr bwMode="auto">
+            <a:xfrm>
+              <a:off x="3600" y="1536"/>
+              <a:ext cx="243" cy="321"/>
+            </a:xfrm>
+            <a:prstGeom prst="rect">
+              <a:avLst/>
+            </a:prstGeom>
+            <a:noFill/>
+            <a:ln w="9525">
+              <a:noFill/>
+              <a:miter lim="800000"/>
+              <a:headEnd/>
+              <a:tailEnd/>
+            </a:ln>
+          </p:spPr>
+          <p:txBody>
+            <a:bodyPr wrap="none">
+              <a:spAutoFit/>
+            </a:bodyPr>
+            <a:lstStyle/>
+            <a:p>
+              <a:r>
+                <a:rPr lang="en-US" sz="2400"/>
+                <a:t>+</a:t>
+              </a:r>
+            </a:p>
+          </p:txBody>
+        </p:sp>
+        <p:sp>
+          <p:nvSpPr>
+            <p:cNvPr id="110" name="Text Box 79"/>
+            <p:cNvSpPr txBox="1">
+              <a:spLocks noChangeArrowheads="1"/>
+            </p:cNvSpPr>
+            <p:nvPr/>
+          </p:nvSpPr>
+          <p:spPr bwMode="auto">
+            <a:xfrm>
+              <a:off x="3456" y="1488"/>
+              <a:ext cx="243" cy="321"/>
+            </a:xfrm>
+            <a:prstGeom prst="rect">
+              <a:avLst/>
+            </a:prstGeom>
+            <a:noFill/>
+            <a:ln w="9525">
+              <a:noFill/>
+              <a:miter lim="800000"/>
+              <a:headEnd/>
+              <a:tailEnd/>
+            </a:ln>
+          </p:spPr>
+          <p:txBody>
+            <a:bodyPr wrap="none">
+              <a:spAutoFit/>
+            </a:bodyPr>
+            <a:lstStyle/>
+            <a:p>
+              <a:r>
+                <a:rPr lang="en-US" sz="2400"/>
+                <a:t>+</a:t>
+              </a:r>
+            </a:p>
+          </p:txBody>
+        </p:sp>
+        <p:sp>
+          <p:nvSpPr>
+            <p:cNvPr id="111" name="Text Box 80"/>
+            <p:cNvSpPr txBox="1">
+              <a:spLocks noChangeArrowheads="1"/>
+            </p:cNvSpPr>
+            <p:nvPr/>
+          </p:nvSpPr>
+          <p:spPr bwMode="auto">
+            <a:xfrm>
+              <a:off x="3936" y="1296"/>
+              <a:ext cx="243" cy="321"/>
+            </a:xfrm>
+            <a:prstGeom prst="rect">
+              <a:avLst/>
+            </a:prstGeom>
+            <a:noFill/>
+            <a:ln w="9525">
+              <a:noFill/>
+              <a:miter lim="800000"/>
+              <a:headEnd/>
+              <a:tailEnd/>
+            </a:ln>
+          </p:spPr>
+          <p:txBody>
+            <a:bodyPr wrap="none">
+              <a:spAutoFit/>
+            </a:bodyPr>
+            <a:lstStyle/>
+            <a:p>
+              <a:r>
+                <a:rPr lang="en-US" sz="2400"/>
+                <a:t>+</a:t>
+              </a:r>
+            </a:p>
+          </p:txBody>
+        </p:sp>
+        <p:sp>
+          <p:nvSpPr>
+            <p:cNvPr id="112" name="Text Box 81"/>
+            <p:cNvSpPr txBox="1">
+              <a:spLocks noChangeArrowheads="1"/>
+            </p:cNvSpPr>
+            <p:nvPr/>
+          </p:nvSpPr>
+          <p:spPr bwMode="auto">
+            <a:xfrm>
+              <a:off x="4032" y="1392"/>
+              <a:ext cx="242" cy="321"/>
+            </a:xfrm>
+            <a:prstGeom prst="rect">
+              <a:avLst/>
+            </a:prstGeom>
+            <a:noFill/>
+            <a:ln w="9525">
+              <a:noFill/>
+              <a:miter lim="800000"/>
+              <a:headEnd/>
+              <a:tailEnd/>
+            </a:ln>
+          </p:spPr>
+          <p:txBody>
+            <a:bodyPr wrap="none">
+              <a:spAutoFit/>
+            </a:bodyPr>
+            <a:lstStyle/>
+            <a:p>
+              <a:r>
+                <a:rPr lang="en-US" sz="2400"/>
+                <a:t>+</a:t>
+              </a:r>
+            </a:p>
+          </p:txBody>
+        </p:sp>
+        <p:sp>
+          <p:nvSpPr>
+            <p:cNvPr id="113" name="Text Box 82"/>
+            <p:cNvSpPr txBox="1">
+              <a:spLocks noChangeArrowheads="1"/>
+            </p:cNvSpPr>
+            <p:nvPr/>
+          </p:nvSpPr>
+          <p:spPr bwMode="auto">
+            <a:xfrm>
+              <a:off x="3984" y="1536"/>
+              <a:ext cx="242" cy="321"/>
+            </a:xfrm>
+            <a:prstGeom prst="rect">
+              <a:avLst/>
+            </a:prstGeom>
+            <a:noFill/>
+            <a:ln w="9525">
+              <a:noFill/>
+              <a:miter lim="800000"/>
+              <a:headEnd/>
+              <a:tailEnd/>
+            </a:ln>
+          </p:spPr>
+          <p:txBody>
+            <a:bodyPr wrap="none">
+              <a:spAutoFit/>
+            </a:bodyPr>
+            <a:lstStyle/>
+            <a:p>
+              <a:r>
+                <a:rPr lang="en-US" sz="2400"/>
+                <a:t>+</a:t>
+              </a:r>
+            </a:p>
+          </p:txBody>
+        </p:sp>
+        <p:sp>
+          <p:nvSpPr>
+            <p:cNvPr id="114" name="Text Box 83"/>
+            <p:cNvSpPr txBox="1">
+              <a:spLocks noChangeArrowheads="1"/>
+            </p:cNvSpPr>
+            <p:nvPr/>
+          </p:nvSpPr>
+          <p:spPr bwMode="auto">
+            <a:xfrm>
+              <a:off x="3840" y="1488"/>
+              <a:ext cx="243" cy="321"/>
+            </a:xfrm>
+            <a:prstGeom prst="rect">
+              <a:avLst/>
+            </a:prstGeom>
+            <a:noFill/>
+            <a:ln w="9525">
+              <a:noFill/>
+              <a:miter lim="800000"/>
+              <a:headEnd/>
+              <a:tailEnd/>
+            </a:ln>
+          </p:spPr>
+          <p:txBody>
+            <a:bodyPr wrap="none">
+              <a:spAutoFit/>
+            </a:bodyPr>
+            <a:lstStyle/>
+            <a:p>
+              <a:r>
+                <a:rPr lang="en-US" sz="2400"/>
+                <a:t>+</a:t>
+              </a:r>
+            </a:p>
+          </p:txBody>
+        </p:sp>
+        <p:sp>
+          <p:nvSpPr>
+            <p:cNvPr id="115" name="Text Box 84"/>
+            <p:cNvSpPr txBox="1">
+              <a:spLocks noChangeArrowheads="1"/>
+            </p:cNvSpPr>
+            <p:nvPr/>
+          </p:nvSpPr>
+          <p:spPr bwMode="auto">
+            <a:xfrm>
+              <a:off x="4380" y="1296"/>
+              <a:ext cx="243" cy="321"/>
+            </a:xfrm>
+            <a:prstGeom prst="rect">
+              <a:avLst/>
+            </a:prstGeom>
+            <a:noFill/>
+            <a:ln w="9525">
+              <a:noFill/>
+              <a:miter lim="800000"/>
+              <a:headEnd/>
+              <a:tailEnd/>
+            </a:ln>
+          </p:spPr>
+          <p:txBody>
+            <a:bodyPr wrap="none">
+              <a:spAutoFit/>
+            </a:bodyPr>
+            <a:lstStyle/>
+            <a:p>
+              <a:r>
+                <a:rPr lang="en-US" sz="2400"/>
+                <a:t>+</a:t>
+              </a:r>
+            </a:p>
+          </p:txBody>
+        </p:sp>
+        <p:sp>
+          <p:nvSpPr>
+            <p:cNvPr id="116" name="Text Box 85"/>
+            <p:cNvSpPr txBox="1">
+              <a:spLocks noChangeArrowheads="1"/>
+            </p:cNvSpPr>
+            <p:nvPr/>
+          </p:nvSpPr>
+          <p:spPr bwMode="auto">
+            <a:xfrm>
+              <a:off x="4476" y="1392"/>
+              <a:ext cx="243" cy="321"/>
+            </a:xfrm>
+            <a:prstGeom prst="rect">
+              <a:avLst/>
+            </a:prstGeom>
+            <a:noFill/>
+            <a:ln w="9525">
+              <a:noFill/>
+              <a:miter lim="800000"/>
+              <a:headEnd/>
+              <a:tailEnd/>
+            </a:ln>
+          </p:spPr>
+          <p:txBody>
+            <a:bodyPr wrap="none">
+              <a:spAutoFit/>
+            </a:bodyPr>
+            <a:lstStyle/>
+            <a:p>
+              <a:r>
+                <a:rPr lang="en-US" sz="2400"/>
+                <a:t>+</a:t>
+              </a:r>
+            </a:p>
+          </p:txBody>
+        </p:sp>
+        <p:sp>
+          <p:nvSpPr>
+            <p:cNvPr id="117" name="Text Box 86"/>
+            <p:cNvSpPr txBox="1">
+              <a:spLocks noChangeArrowheads="1"/>
+            </p:cNvSpPr>
+            <p:nvPr/>
+          </p:nvSpPr>
+          <p:spPr bwMode="auto">
+            <a:xfrm>
+              <a:off x="4428" y="1536"/>
+              <a:ext cx="243" cy="321"/>
+            </a:xfrm>
+            <a:prstGeom prst="rect">
+              <a:avLst/>
+            </a:prstGeom>
+            <a:noFill/>
+            <a:ln w="9525">
+              <a:noFill/>
+              <a:miter lim="800000"/>
+              <a:headEnd/>
+              <a:tailEnd/>
+            </a:ln>
+          </p:spPr>
+          <p:txBody>
+            <a:bodyPr wrap="none">
+              <a:spAutoFit/>
+            </a:bodyPr>
+            <a:lstStyle/>
+            <a:p>
+              <a:r>
+                <a:rPr lang="en-US" sz="2400"/>
+                <a:t>+</a:t>
+              </a:r>
+            </a:p>
+          </p:txBody>
+        </p:sp>
+        <p:sp>
+          <p:nvSpPr>
+            <p:cNvPr id="118" name="Text Box 87"/>
+            <p:cNvSpPr txBox="1">
+              <a:spLocks noChangeArrowheads="1"/>
+            </p:cNvSpPr>
+            <p:nvPr/>
+          </p:nvSpPr>
+          <p:spPr bwMode="auto">
+            <a:xfrm>
+              <a:off x="4284" y="1488"/>
+              <a:ext cx="243" cy="321"/>
+            </a:xfrm>
+            <a:prstGeom prst="rect">
+              <a:avLst/>
+            </a:prstGeom>
+            <a:noFill/>
+            <a:ln w="9525">
+              <a:noFill/>
+              <a:miter lim="800000"/>
+              <a:headEnd/>
+              <a:tailEnd/>
+            </a:ln>
+          </p:spPr>
+          <p:txBody>
+            <a:bodyPr wrap="none">
+              <a:spAutoFit/>
+            </a:bodyPr>
+            <a:lstStyle/>
+            <a:p>
+              <a:r>
+                <a:rPr lang="en-US" sz="2400"/>
+                <a:t>+</a:t>
+              </a:r>
+            </a:p>
+          </p:txBody>
+        </p:sp>
+        <p:sp>
+          <p:nvSpPr>
+            <p:cNvPr id="119" name="Text Box 88"/>
+            <p:cNvSpPr txBox="1">
+              <a:spLocks noChangeArrowheads="1"/>
+            </p:cNvSpPr>
+            <p:nvPr/>
+          </p:nvSpPr>
+          <p:spPr bwMode="auto">
+            <a:xfrm>
+              <a:off x="4812" y="1296"/>
+              <a:ext cx="243" cy="321"/>
+            </a:xfrm>
+            <a:prstGeom prst="rect">
+              <a:avLst/>
+            </a:prstGeom>
+            <a:noFill/>
+            <a:ln w="9525">
+              <a:noFill/>
+              <a:miter lim="800000"/>
+              <a:headEnd/>
+              <a:tailEnd/>
+            </a:ln>
+          </p:spPr>
+          <p:txBody>
+            <a:bodyPr wrap="none">
+              <a:spAutoFit/>
+            </a:bodyPr>
+            <a:lstStyle/>
+            <a:p>
+              <a:r>
+                <a:rPr lang="en-US" sz="2400"/>
+                <a:t>+</a:t>
+              </a:r>
+            </a:p>
+          </p:txBody>
+        </p:sp>
+        <p:sp>
+          <p:nvSpPr>
+            <p:cNvPr id="120" name="Text Box 89"/>
+            <p:cNvSpPr txBox="1">
+              <a:spLocks noChangeArrowheads="1"/>
+            </p:cNvSpPr>
+            <p:nvPr/>
+          </p:nvSpPr>
+          <p:spPr bwMode="auto">
+            <a:xfrm>
+              <a:off x="4908" y="1392"/>
+              <a:ext cx="243" cy="321"/>
+            </a:xfrm>
+            <a:prstGeom prst="rect">
+              <a:avLst/>
+            </a:prstGeom>
+            <a:noFill/>
+            <a:ln w="9525">
+              <a:noFill/>
+              <a:miter lim="800000"/>
+              <a:headEnd/>
+              <a:tailEnd/>
+            </a:ln>
+          </p:spPr>
+          <p:txBody>
+            <a:bodyPr wrap="none">
+              <a:spAutoFit/>
+            </a:bodyPr>
+            <a:lstStyle/>
+            <a:p>
+              <a:r>
+                <a:rPr lang="en-US" sz="2400"/>
+                <a:t>+</a:t>
+              </a:r>
+            </a:p>
+          </p:txBody>
+        </p:sp>
+        <p:sp>
+          <p:nvSpPr>
+            <p:cNvPr id="121" name="Text Box 90"/>
+            <p:cNvSpPr txBox="1">
+              <a:spLocks noChangeArrowheads="1"/>
+            </p:cNvSpPr>
+            <p:nvPr/>
+          </p:nvSpPr>
+          <p:spPr bwMode="auto">
+            <a:xfrm>
+              <a:off x="4860" y="1536"/>
+              <a:ext cx="243" cy="321"/>
+            </a:xfrm>
+            <a:prstGeom prst="rect">
+              <a:avLst/>
+            </a:prstGeom>
+            <a:noFill/>
+            <a:ln w="9525">
+              <a:noFill/>
+              <a:miter lim="800000"/>
+              <a:headEnd/>
+              <a:tailEnd/>
+            </a:ln>
+          </p:spPr>
+          <p:txBody>
+            <a:bodyPr wrap="none">
+              <a:spAutoFit/>
+            </a:bodyPr>
+            <a:lstStyle/>
+            <a:p>
+              <a:r>
+                <a:rPr lang="en-US" sz="2400"/>
+                <a:t>+</a:t>
+              </a:r>
+            </a:p>
+          </p:txBody>
+        </p:sp>
+        <p:sp>
+          <p:nvSpPr>
+            <p:cNvPr id="122" name="Text Box 91"/>
+            <p:cNvSpPr txBox="1">
+              <a:spLocks noChangeArrowheads="1"/>
+            </p:cNvSpPr>
+            <p:nvPr/>
+          </p:nvSpPr>
+          <p:spPr bwMode="auto">
+            <a:xfrm>
+              <a:off x="4716" y="1489"/>
+              <a:ext cx="242" cy="321"/>
+            </a:xfrm>
+            <a:prstGeom prst="rect">
+              <a:avLst/>
+            </a:prstGeom>
+            <a:noFill/>
+            <a:ln w="9525">
+              <a:noFill/>
+              <a:miter lim="800000"/>
+              <a:headEnd/>
+              <a:tailEnd/>
+            </a:ln>
+          </p:spPr>
+          <p:txBody>
+            <a:bodyPr wrap="none">
+              <a:spAutoFit/>
+            </a:bodyPr>
+            <a:lstStyle/>
+            <a:p>
+              <a:r>
+                <a:rPr lang="en-US" sz="2400"/>
+                <a:t>+</a:t>
+              </a:r>
+            </a:p>
+          </p:txBody>
+        </p:sp>
+        <p:sp>
+          <p:nvSpPr>
+            <p:cNvPr id="123" name="Text Box 92"/>
+            <p:cNvSpPr txBox="1">
+              <a:spLocks noChangeArrowheads="1"/>
+            </p:cNvSpPr>
+            <p:nvPr/>
+          </p:nvSpPr>
+          <p:spPr bwMode="auto">
+            <a:xfrm>
+              <a:off x="4993" y="1344"/>
+              <a:ext cx="191" cy="321"/>
+            </a:xfrm>
+            <a:prstGeom prst="rect">
+              <a:avLst/>
+            </a:prstGeom>
+            <a:noFill/>
+            <a:ln w="9525">
+              <a:noFill/>
+              <a:miter lim="800000"/>
+              <a:headEnd/>
+              <a:tailEnd/>
+            </a:ln>
+          </p:spPr>
+          <p:txBody>
+            <a:bodyPr wrap="none">
+              <a:spAutoFit/>
+            </a:bodyPr>
+            <a:lstStyle/>
+            <a:p>
+              <a:r>
+                <a:rPr lang="en-US" sz="2400"/>
+                <a:t>-</a:t>
+              </a:r>
+            </a:p>
+          </p:txBody>
+        </p:sp>
+        <p:sp>
+          <p:nvSpPr>
+            <p:cNvPr id="124" name="Text Box 93"/>
+            <p:cNvSpPr txBox="1">
+              <a:spLocks noChangeArrowheads="1"/>
+            </p:cNvSpPr>
+            <p:nvPr/>
+          </p:nvSpPr>
+          <p:spPr bwMode="auto">
+            <a:xfrm>
+              <a:off x="5088" y="1440"/>
+              <a:ext cx="192" cy="320"/>
+            </a:xfrm>
+            <a:prstGeom prst="rect">
+              <a:avLst/>
+            </a:prstGeom>
+            <a:noFill/>
+            <a:ln w="9525">
+              <a:noFill/>
+              <a:miter lim="800000"/>
+              <a:headEnd/>
+              <a:tailEnd/>
+            </a:ln>
+          </p:spPr>
+          <p:txBody>
+            <a:bodyPr wrap="none">
+              <a:spAutoFit/>
+            </a:bodyPr>
+            <a:lstStyle/>
+            <a:p>
+              <a:r>
+                <a:rPr lang="en-US" sz="2400"/>
+                <a:t>-</a:t>
+              </a:r>
+            </a:p>
+          </p:txBody>
+        </p:sp>
+        <p:sp>
+          <p:nvSpPr>
+            <p:cNvPr id="125" name="Text Box 94"/>
+            <p:cNvSpPr txBox="1">
+              <a:spLocks noChangeArrowheads="1"/>
+            </p:cNvSpPr>
+            <p:nvPr/>
+          </p:nvSpPr>
+          <p:spPr bwMode="auto">
+            <a:xfrm>
+              <a:off x="4896" y="1248"/>
+              <a:ext cx="191" cy="321"/>
+            </a:xfrm>
+            <a:prstGeom prst="rect">
+              <a:avLst/>
+            </a:prstGeom>
+            <a:noFill/>
+            <a:ln w="9525">
+              <a:noFill/>
+              <a:miter lim="800000"/>
+              <a:headEnd/>
+              <a:tailEnd/>
+            </a:ln>
+          </p:spPr>
+          <p:txBody>
+            <a:bodyPr wrap="none">
+              <a:spAutoFit/>
+            </a:bodyPr>
+            <a:lstStyle/>
+            <a:p>
+              <a:r>
+                <a:rPr lang="en-US" sz="2400"/>
+                <a:t>-</a:t>
+              </a:r>
+            </a:p>
+          </p:txBody>
+        </p:sp>
+        <p:sp>
+          <p:nvSpPr>
+            <p:cNvPr id="126" name="Text Box 95"/>
+            <p:cNvSpPr txBox="1">
+              <a:spLocks noChangeArrowheads="1"/>
+            </p:cNvSpPr>
+            <p:nvPr/>
+          </p:nvSpPr>
+          <p:spPr bwMode="auto">
+            <a:xfrm>
+              <a:off x="4800" y="1489"/>
+              <a:ext cx="191" cy="321"/>
+            </a:xfrm>
+            <a:prstGeom prst="rect">
+              <a:avLst/>
+            </a:prstGeom>
+            <a:noFill/>
+            <a:ln w="9525">
+              <a:noFill/>
+              <a:miter lim="800000"/>
+              <a:headEnd/>
+              <a:tailEnd/>
+            </a:ln>
+          </p:spPr>
+          <p:txBody>
+            <a:bodyPr wrap="none">
+              <a:spAutoFit/>
+            </a:bodyPr>
+            <a:lstStyle/>
+            <a:p>
+              <a:r>
+                <a:rPr lang="en-US" sz="2400"/>
+                <a:t>-</a:t>
+              </a:r>
+            </a:p>
+          </p:txBody>
+        </p:sp>
+        <p:sp>
+          <p:nvSpPr>
+            <p:cNvPr id="127" name="Text Box 96"/>
+            <p:cNvSpPr txBox="1">
+              <a:spLocks noChangeArrowheads="1"/>
+            </p:cNvSpPr>
+            <p:nvPr/>
+          </p:nvSpPr>
+          <p:spPr bwMode="auto">
+            <a:xfrm>
+              <a:off x="5184" y="1296"/>
+              <a:ext cx="192" cy="321"/>
+            </a:xfrm>
+            <a:prstGeom prst="rect">
+              <a:avLst/>
+            </a:prstGeom>
+            <a:noFill/>
+            <a:ln w="9525">
+              <a:noFill/>
+              <a:miter lim="800000"/>
+              <a:headEnd/>
+              <a:tailEnd/>
+            </a:ln>
+          </p:spPr>
+          <p:txBody>
+            <a:bodyPr wrap="none">
+              <a:spAutoFit/>
+            </a:bodyPr>
+            <a:lstStyle/>
+            <a:p>
+              <a:r>
+                <a:rPr lang="en-US" sz="2400"/>
+                <a:t>-</a:t>
+              </a:r>
+            </a:p>
+          </p:txBody>
+        </p:sp>
+        <p:sp>
+          <p:nvSpPr>
+            <p:cNvPr id="128" name="Text Box 97"/>
+            <p:cNvSpPr txBox="1">
+              <a:spLocks noChangeArrowheads="1"/>
+            </p:cNvSpPr>
+            <p:nvPr/>
+          </p:nvSpPr>
+          <p:spPr bwMode="auto">
+            <a:xfrm>
+              <a:off x="4560" y="1344"/>
+              <a:ext cx="192" cy="321"/>
+            </a:xfrm>
+            <a:prstGeom prst="rect">
+              <a:avLst/>
+            </a:prstGeom>
+            <a:noFill/>
+            <a:ln w="9525">
+              <a:noFill/>
+              <a:miter lim="800000"/>
+              <a:headEnd/>
+              <a:tailEnd/>
+            </a:ln>
+          </p:spPr>
+          <p:txBody>
+            <a:bodyPr wrap="none">
+              <a:spAutoFit/>
+            </a:bodyPr>
+            <a:lstStyle/>
+            <a:p>
+              <a:r>
+                <a:rPr lang="en-US" sz="2400"/>
+                <a:t>-</a:t>
+              </a:r>
+            </a:p>
+          </p:txBody>
+        </p:sp>
+        <p:sp>
+          <p:nvSpPr>
+            <p:cNvPr id="129" name="Text Box 98"/>
+            <p:cNvSpPr txBox="1">
+              <a:spLocks noChangeArrowheads="1"/>
+            </p:cNvSpPr>
+            <p:nvPr/>
+          </p:nvSpPr>
+          <p:spPr bwMode="auto">
+            <a:xfrm>
+              <a:off x="4656" y="1440"/>
+              <a:ext cx="192" cy="320"/>
+            </a:xfrm>
+            <a:prstGeom prst="rect">
+              <a:avLst/>
+            </a:prstGeom>
+            <a:noFill/>
+            <a:ln w="9525">
+              <a:noFill/>
+              <a:miter lim="800000"/>
+              <a:headEnd/>
+              <a:tailEnd/>
+            </a:ln>
+          </p:spPr>
+          <p:txBody>
+            <a:bodyPr wrap="none">
+              <a:spAutoFit/>
+            </a:bodyPr>
+            <a:lstStyle/>
+            <a:p>
+              <a:r>
+                <a:rPr lang="en-US" sz="2400"/>
+                <a:t>-</a:t>
+              </a:r>
+            </a:p>
+          </p:txBody>
+        </p:sp>
+        <p:sp>
+          <p:nvSpPr>
+            <p:cNvPr id="130" name="Text Box 99"/>
+            <p:cNvSpPr txBox="1">
+              <a:spLocks noChangeArrowheads="1"/>
+            </p:cNvSpPr>
+            <p:nvPr/>
+          </p:nvSpPr>
+          <p:spPr bwMode="auto">
+            <a:xfrm>
+              <a:off x="4752" y="1296"/>
+              <a:ext cx="192" cy="321"/>
+            </a:xfrm>
+            <a:prstGeom prst="rect">
+              <a:avLst/>
+            </a:prstGeom>
+            <a:noFill/>
+            <a:ln w="9525">
+              <a:noFill/>
+              <a:miter lim="800000"/>
+              <a:headEnd/>
+              <a:tailEnd/>
+            </a:ln>
+          </p:spPr>
+          <p:txBody>
+            <a:bodyPr wrap="none">
+              <a:spAutoFit/>
+            </a:bodyPr>
+            <a:lstStyle/>
+            <a:p>
+              <a:r>
+                <a:rPr lang="en-US" sz="2400"/>
+                <a:t>-</a:t>
+              </a:r>
+            </a:p>
+          </p:txBody>
+        </p:sp>
+        <p:sp>
+          <p:nvSpPr>
+            <p:cNvPr id="131" name="Text Box 100"/>
+            <p:cNvSpPr txBox="1">
+              <a:spLocks noChangeArrowheads="1"/>
+            </p:cNvSpPr>
+            <p:nvPr/>
+          </p:nvSpPr>
+          <p:spPr bwMode="auto">
+            <a:xfrm>
+              <a:off x="4800" y="1200"/>
+              <a:ext cx="191" cy="321"/>
+            </a:xfrm>
+            <a:prstGeom prst="rect">
+              <a:avLst/>
+            </a:prstGeom>
+            <a:noFill/>
+            <a:ln w="9525">
+              <a:noFill/>
+              <a:miter lim="800000"/>
+              <a:headEnd/>
+              <a:tailEnd/>
+            </a:ln>
+          </p:spPr>
+          <p:txBody>
+            <a:bodyPr wrap="none">
+              <a:spAutoFit/>
+            </a:bodyPr>
+            <a:lstStyle/>
+            <a:p>
+              <a:r>
+                <a:rPr lang="en-US" sz="2400"/>
+                <a:t>-</a:t>
+              </a:r>
+            </a:p>
+          </p:txBody>
+        </p:sp>
+        <p:sp>
+          <p:nvSpPr>
+            <p:cNvPr id="132" name="Text Box 101"/>
+            <p:cNvSpPr txBox="1">
+              <a:spLocks noChangeArrowheads="1"/>
+            </p:cNvSpPr>
+            <p:nvPr/>
+          </p:nvSpPr>
+          <p:spPr bwMode="auto">
+            <a:xfrm>
+              <a:off x="4993" y="1489"/>
+              <a:ext cx="191" cy="321"/>
+            </a:xfrm>
+            <a:prstGeom prst="rect">
+              <a:avLst/>
+            </a:prstGeom>
+            <a:noFill/>
+            <a:ln w="9525">
+              <a:noFill/>
+              <a:miter lim="800000"/>
+              <a:headEnd/>
+              <a:tailEnd/>
+            </a:ln>
+          </p:spPr>
+          <p:txBody>
+            <a:bodyPr wrap="none">
+              <a:spAutoFit/>
+            </a:bodyPr>
+            <a:lstStyle/>
+            <a:p>
+              <a:r>
+                <a:rPr lang="en-US" sz="2400"/>
+                <a:t>-</a:t>
+              </a:r>
+            </a:p>
+          </p:txBody>
+        </p:sp>
+        <p:sp>
+          <p:nvSpPr>
+            <p:cNvPr id="133" name="Text Box 102"/>
+            <p:cNvSpPr txBox="1">
+              <a:spLocks noChangeArrowheads="1"/>
+            </p:cNvSpPr>
+            <p:nvPr/>
+          </p:nvSpPr>
+          <p:spPr bwMode="auto">
+            <a:xfrm>
+              <a:off x="3792" y="1248"/>
+              <a:ext cx="192" cy="321"/>
+            </a:xfrm>
+            <a:prstGeom prst="rect">
+              <a:avLst/>
+            </a:prstGeom>
+            <a:noFill/>
+            <a:ln w="9525">
+              <a:noFill/>
+              <a:miter lim="800000"/>
+              <a:headEnd/>
+              <a:tailEnd/>
+            </a:ln>
+          </p:spPr>
+          <p:txBody>
+            <a:bodyPr wrap="none">
+              <a:spAutoFit/>
+            </a:bodyPr>
+            <a:lstStyle/>
+            <a:p>
+              <a:r>
+                <a:rPr lang="en-US" sz="2400"/>
+                <a:t>-</a:t>
+              </a:r>
+            </a:p>
+          </p:txBody>
+        </p:sp>
+        <p:sp>
+          <p:nvSpPr>
+            <p:cNvPr id="134" name="Text Box 103"/>
+            <p:cNvSpPr txBox="1">
+              <a:spLocks noChangeArrowheads="1"/>
+            </p:cNvSpPr>
+            <p:nvPr/>
+          </p:nvSpPr>
+          <p:spPr bwMode="auto">
+            <a:xfrm>
+              <a:off x="3792" y="1392"/>
+              <a:ext cx="192" cy="321"/>
+            </a:xfrm>
+            <a:prstGeom prst="rect">
+              <a:avLst/>
+            </a:prstGeom>
+            <a:noFill/>
+            <a:ln w="9525">
+              <a:noFill/>
+              <a:miter lim="800000"/>
+              <a:headEnd/>
+              <a:tailEnd/>
+            </a:ln>
+          </p:spPr>
+          <p:txBody>
+            <a:bodyPr wrap="none">
+              <a:spAutoFit/>
+            </a:bodyPr>
+            <a:lstStyle/>
+            <a:p>
+              <a:r>
+                <a:rPr lang="en-US" sz="2400"/>
+                <a:t>-</a:t>
+              </a:r>
+            </a:p>
+          </p:txBody>
+        </p:sp>
+        <p:sp>
+          <p:nvSpPr>
+            <p:cNvPr id="135" name="Text Box 104"/>
+            <p:cNvSpPr txBox="1">
+              <a:spLocks noChangeArrowheads="1"/>
+            </p:cNvSpPr>
+            <p:nvPr/>
+          </p:nvSpPr>
+          <p:spPr bwMode="auto">
+            <a:xfrm>
+              <a:off x="5088" y="1344"/>
+              <a:ext cx="192" cy="321"/>
+            </a:xfrm>
+            <a:prstGeom prst="rect">
+              <a:avLst/>
+            </a:prstGeom>
+            <a:noFill/>
+            <a:ln w="9525">
+              <a:noFill/>
+              <a:miter lim="800000"/>
+              <a:headEnd/>
+              <a:tailEnd/>
+            </a:ln>
+          </p:spPr>
+          <p:txBody>
+            <a:bodyPr wrap="none">
+              <a:spAutoFit/>
+            </a:bodyPr>
+            <a:lstStyle/>
+            <a:p>
+              <a:r>
+                <a:rPr lang="en-US" sz="2400"/>
+                <a:t>-</a:t>
+              </a:r>
+            </a:p>
+          </p:txBody>
+        </p:sp>
+        <p:sp>
+          <p:nvSpPr>
+            <p:cNvPr id="136" name="Text Box 105"/>
+            <p:cNvSpPr txBox="1">
+              <a:spLocks noChangeArrowheads="1"/>
+            </p:cNvSpPr>
+            <p:nvPr/>
+          </p:nvSpPr>
+          <p:spPr bwMode="auto">
+            <a:xfrm>
+              <a:off x="4416" y="1152"/>
+              <a:ext cx="192" cy="321"/>
+            </a:xfrm>
+            <a:prstGeom prst="rect">
+              <a:avLst/>
+            </a:prstGeom>
+            <a:noFill/>
+            <a:ln w="9525">
+              <a:noFill/>
+              <a:miter lim="800000"/>
+              <a:headEnd/>
+              <a:tailEnd/>
+            </a:ln>
+          </p:spPr>
+          <p:txBody>
+            <a:bodyPr wrap="none">
+              <a:spAutoFit/>
+            </a:bodyPr>
+            <a:lstStyle/>
+            <a:p>
+              <a:r>
+                <a:rPr lang="en-US" sz="2400"/>
+                <a:t>-</a:t>
+              </a:r>
+            </a:p>
+          </p:txBody>
+        </p:sp>
+        <p:sp>
+          <p:nvSpPr>
+            <p:cNvPr id="137" name="Text Box 106"/>
+            <p:cNvSpPr txBox="1">
+              <a:spLocks noChangeArrowheads="1"/>
+            </p:cNvSpPr>
+            <p:nvPr/>
+          </p:nvSpPr>
+          <p:spPr bwMode="auto">
+            <a:xfrm>
+              <a:off x="5088" y="1200"/>
+              <a:ext cx="192" cy="321"/>
+            </a:xfrm>
+            <a:prstGeom prst="rect">
+              <a:avLst/>
+            </a:prstGeom>
+            <a:noFill/>
+            <a:ln w="9525">
+              <a:noFill/>
+              <a:miter lim="800000"/>
+              <a:headEnd/>
+              <a:tailEnd/>
+            </a:ln>
+          </p:spPr>
+          <p:txBody>
+            <a:bodyPr wrap="none">
+              <a:spAutoFit/>
+            </a:bodyPr>
+            <a:lstStyle/>
+            <a:p>
+              <a:r>
+                <a:rPr lang="en-US" sz="2400"/>
+                <a:t>-</a:t>
+              </a:r>
+            </a:p>
+          </p:txBody>
+        </p:sp>
+        <p:sp>
+          <p:nvSpPr>
+            <p:cNvPr id="138" name="Text Box 107"/>
+            <p:cNvSpPr txBox="1">
+              <a:spLocks noChangeArrowheads="1"/>
+            </p:cNvSpPr>
+            <p:nvPr/>
+          </p:nvSpPr>
+          <p:spPr bwMode="auto">
+            <a:xfrm>
+              <a:off x="3408" y="1344"/>
+              <a:ext cx="192" cy="321"/>
+            </a:xfrm>
+            <a:prstGeom prst="rect">
+              <a:avLst/>
+            </a:prstGeom>
+            <a:noFill/>
+            <a:ln w="9525">
+              <a:noFill/>
+              <a:miter lim="800000"/>
+              <a:headEnd/>
+              <a:tailEnd/>
+            </a:ln>
+          </p:spPr>
+          <p:txBody>
+            <a:bodyPr wrap="none">
+              <a:spAutoFit/>
+            </a:bodyPr>
+            <a:lstStyle/>
+            <a:p>
+              <a:r>
+                <a:rPr lang="en-US" sz="2400"/>
+                <a:t>-</a:t>
+              </a:r>
+            </a:p>
+          </p:txBody>
+        </p:sp>
+        <p:sp>
+          <p:nvSpPr>
+            <p:cNvPr id="139" name="Text Box 108"/>
+            <p:cNvSpPr txBox="1">
+              <a:spLocks noChangeArrowheads="1"/>
+            </p:cNvSpPr>
+            <p:nvPr/>
+          </p:nvSpPr>
+          <p:spPr bwMode="auto">
+            <a:xfrm>
+              <a:off x="3264" y="1200"/>
+              <a:ext cx="243" cy="321"/>
+            </a:xfrm>
+            <a:prstGeom prst="rect">
+              <a:avLst/>
+            </a:prstGeom>
+            <a:noFill/>
+            <a:ln w="9525">
+              <a:noFill/>
+              <a:miter lim="800000"/>
+              <a:headEnd/>
+              <a:tailEnd/>
+            </a:ln>
+          </p:spPr>
+          <p:txBody>
+            <a:bodyPr wrap="none">
+              <a:spAutoFit/>
+            </a:bodyPr>
+            <a:lstStyle/>
+            <a:p>
+              <a:r>
+                <a:rPr lang="en-US" sz="2400"/>
+                <a:t>+</a:t>
+              </a:r>
+            </a:p>
+          </p:txBody>
+        </p:sp>
+      </p:grpSp>
+    </p:spTree>
+  </p:cSld>
+  <p:clrMapOvr>
+    <a:masterClrMapping/>
+  </p:clrMapOvr>
+</p:sld>
+</file>
+
+<file path=ppt/slides/slide20.xml><?xml version="1.0" encoding="utf-8"?>
 <p:sld xmlns:a="http://schemas.openxmlformats.org/drawingml/2006/main" xmlns:r="http://schemas.openxmlformats.org/officeDocument/2006/relationships" xmlns:p="http://schemas.openxmlformats.org/presentationml/2006/main">
   <p:cSld>
     <p:spTree>
@@ -24839,7 +27729,7 @@
 </p:sld>
 </file>
 
-<file path=ppt/slides/slide19.xml><?xml version="1.0" encoding="utf-8"?>
+<file path=ppt/slides/slide21.xml><?xml version="1.0" encoding="utf-8"?>
 <p:sld xmlns:a="http://schemas.openxmlformats.org/drawingml/2006/main" xmlns:r="http://schemas.openxmlformats.org/officeDocument/2006/relationships" xmlns:p="http://schemas.openxmlformats.org/presentationml/2006/main">
   <p:cSld>
     <p:spTree>
@@ -26432,2509 +29322,7 @@
 </p:sld>
 </file>
 
-<file path=ppt/slides/slide2.xml><?xml version="1.0" encoding="utf-8"?>
-<p:sld xmlns:a="http://schemas.openxmlformats.org/drawingml/2006/main" xmlns:r="http://schemas.openxmlformats.org/officeDocument/2006/relationships" xmlns:p="http://schemas.openxmlformats.org/presentationml/2006/main">
-  <p:cSld>
-    <p:spTree>
-      <p:nvGrpSpPr>
-        <p:cNvPr id="1" name=""/>
-        <p:cNvGrpSpPr/>
-        <p:nvPr/>
-      </p:nvGrpSpPr>
-      <p:grpSpPr>
-        <a:xfrm>
-          <a:off x="0" y="0"/>
-          <a:ext cx="0" cy="0"/>
-          <a:chOff x="0" y="0"/>
-          <a:chExt cx="0" cy="0"/>
-        </a:xfrm>
-      </p:grpSpPr>
-      <p:grpSp>
-        <p:nvGrpSpPr>
-          <p:cNvPr id="6" name="Group 46"/>
-          <p:cNvGrpSpPr>
-            <a:grpSpLocks/>
-          </p:cNvGrpSpPr>
-          <p:nvPr/>
-        </p:nvGrpSpPr>
-        <p:grpSpPr bwMode="auto">
-          <a:xfrm>
-            <a:off x="441960" y="2267732"/>
-            <a:ext cx="8323580" cy="1054540"/>
-            <a:chOff x="0" y="1152"/>
-            <a:chExt cx="5424" cy="705"/>
-          </a:xfrm>
-        </p:grpSpPr>
-        <p:sp>
-          <p:nvSpPr>
-            <p:cNvPr id="80" name="AutoShape 47"/>
-            <p:cNvSpPr>
-              <a:spLocks noChangeArrowheads="1"/>
-            </p:cNvSpPr>
-            <p:nvPr/>
-          </p:nvSpPr>
-          <p:spPr bwMode="auto">
-            <a:xfrm>
-              <a:off x="0" y="1248"/>
-              <a:ext cx="2544" cy="528"/>
-            </a:xfrm>
-            <a:prstGeom prst="flowChartTerminator">
-              <a:avLst/>
-            </a:prstGeom>
-            <a:solidFill>
-              <a:srgbClr val="333333"/>
-            </a:solidFill>
-            <a:ln w="9525">
-              <a:solidFill>
-                <a:schemeClr val="tx1"/>
-              </a:solidFill>
-              <a:miter lim="800000"/>
-              <a:headEnd/>
-              <a:tailEnd/>
-            </a:ln>
-          </p:spPr>
-          <p:txBody>
-            <a:bodyPr wrap="none" anchor="ctr"/>
-            <a:lstStyle/>
-            <a:p>
-              <a:endParaRPr lang="en-US"/>
-            </a:p>
-          </p:txBody>
-        </p:sp>
-        <p:sp>
-          <p:nvSpPr>
-            <p:cNvPr id="81" name="Text Box 48"/>
-            <p:cNvSpPr txBox="1">
-              <a:spLocks noChangeArrowheads="1"/>
-            </p:cNvSpPr>
-            <p:nvPr/>
-          </p:nvSpPr>
-          <p:spPr bwMode="auto">
-            <a:xfrm>
-              <a:off x="2112" y="1344"/>
-              <a:ext cx="191" cy="321"/>
-            </a:xfrm>
-            <a:prstGeom prst="rect">
-              <a:avLst/>
-            </a:prstGeom>
-            <a:noFill/>
-            <a:ln w="9525">
-              <a:noFill/>
-              <a:miter lim="800000"/>
-              <a:headEnd/>
-              <a:tailEnd/>
-            </a:ln>
-          </p:spPr>
-          <p:txBody>
-            <a:bodyPr wrap="none">
-              <a:spAutoFit/>
-            </a:bodyPr>
-            <a:lstStyle/>
-            <a:p>
-              <a:r>
-                <a:rPr lang="en-US" sz="2400">
-                  <a:solidFill>
-                    <a:schemeClr val="bg1"/>
-                  </a:solidFill>
-                </a:rPr>
-                <a:t>-</a:t>
-              </a:r>
-            </a:p>
-          </p:txBody>
-        </p:sp>
-        <p:sp>
-          <p:nvSpPr>
-            <p:cNvPr id="82" name="Text Box 49"/>
-            <p:cNvSpPr txBox="1">
-              <a:spLocks noChangeArrowheads="1"/>
-            </p:cNvSpPr>
-            <p:nvPr/>
-          </p:nvSpPr>
-          <p:spPr bwMode="auto">
-            <a:xfrm>
-              <a:off x="2208" y="1440"/>
-              <a:ext cx="191" cy="321"/>
-            </a:xfrm>
-            <a:prstGeom prst="rect">
-              <a:avLst/>
-            </a:prstGeom>
-            <a:noFill/>
-            <a:ln w="9525">
-              <a:noFill/>
-              <a:miter lim="800000"/>
-              <a:headEnd/>
-              <a:tailEnd/>
-            </a:ln>
-          </p:spPr>
-          <p:txBody>
-            <a:bodyPr wrap="none">
-              <a:spAutoFit/>
-            </a:bodyPr>
-            <a:lstStyle/>
-            <a:p>
-              <a:r>
-                <a:rPr lang="en-US" sz="2400">
-                  <a:solidFill>
-                    <a:schemeClr val="bg1"/>
-                  </a:solidFill>
-                </a:rPr>
-                <a:t>-</a:t>
-              </a:r>
-            </a:p>
-          </p:txBody>
-        </p:sp>
-        <p:sp>
-          <p:nvSpPr>
-            <p:cNvPr id="83" name="Text Box 50"/>
-            <p:cNvSpPr txBox="1">
-              <a:spLocks noChangeArrowheads="1"/>
-            </p:cNvSpPr>
-            <p:nvPr/>
-          </p:nvSpPr>
-          <p:spPr bwMode="auto">
-            <a:xfrm>
-              <a:off x="2016" y="1248"/>
-              <a:ext cx="192" cy="321"/>
-            </a:xfrm>
-            <a:prstGeom prst="rect">
-              <a:avLst/>
-            </a:prstGeom>
-            <a:noFill/>
-            <a:ln w="9525">
-              <a:noFill/>
-              <a:miter lim="800000"/>
-              <a:headEnd/>
-              <a:tailEnd/>
-            </a:ln>
-          </p:spPr>
-          <p:txBody>
-            <a:bodyPr wrap="none">
-              <a:spAutoFit/>
-            </a:bodyPr>
-            <a:lstStyle/>
-            <a:p>
-              <a:r>
-                <a:rPr lang="en-US" sz="2400">
-                  <a:solidFill>
-                    <a:schemeClr val="bg1"/>
-                  </a:solidFill>
-                </a:rPr>
-                <a:t>-</a:t>
-              </a:r>
-            </a:p>
-          </p:txBody>
-        </p:sp>
-        <p:sp>
-          <p:nvSpPr>
-            <p:cNvPr id="84" name="Text Box 51"/>
-            <p:cNvSpPr txBox="1">
-              <a:spLocks noChangeArrowheads="1"/>
-            </p:cNvSpPr>
-            <p:nvPr/>
-          </p:nvSpPr>
-          <p:spPr bwMode="auto">
-            <a:xfrm>
-              <a:off x="1920" y="1488"/>
-              <a:ext cx="192" cy="321"/>
-            </a:xfrm>
-            <a:prstGeom prst="rect">
-              <a:avLst/>
-            </a:prstGeom>
-            <a:noFill/>
-            <a:ln w="9525">
-              <a:noFill/>
-              <a:miter lim="800000"/>
-              <a:headEnd/>
-              <a:tailEnd/>
-            </a:ln>
-          </p:spPr>
-          <p:txBody>
-            <a:bodyPr wrap="none">
-              <a:spAutoFit/>
-            </a:bodyPr>
-            <a:lstStyle/>
-            <a:p>
-              <a:r>
-                <a:rPr lang="en-US" sz="2400">
-                  <a:solidFill>
-                    <a:schemeClr val="bg1"/>
-                  </a:solidFill>
-                </a:rPr>
-                <a:t>-</a:t>
-              </a:r>
-            </a:p>
-          </p:txBody>
-        </p:sp>
-        <p:sp>
-          <p:nvSpPr>
-            <p:cNvPr id="85" name="Text Box 52"/>
-            <p:cNvSpPr txBox="1">
-              <a:spLocks noChangeArrowheads="1"/>
-            </p:cNvSpPr>
-            <p:nvPr/>
-          </p:nvSpPr>
-          <p:spPr bwMode="auto">
-            <a:xfrm>
-              <a:off x="2304" y="1296"/>
-              <a:ext cx="192" cy="321"/>
-            </a:xfrm>
-            <a:prstGeom prst="rect">
-              <a:avLst/>
-            </a:prstGeom>
-            <a:noFill/>
-            <a:ln w="9525">
-              <a:noFill/>
-              <a:miter lim="800000"/>
-              <a:headEnd/>
-              <a:tailEnd/>
-            </a:ln>
-          </p:spPr>
-          <p:txBody>
-            <a:bodyPr wrap="none">
-              <a:spAutoFit/>
-            </a:bodyPr>
-            <a:lstStyle/>
-            <a:p>
-              <a:r>
-                <a:rPr lang="en-US" sz="2400">
-                  <a:solidFill>
-                    <a:schemeClr val="bg1"/>
-                  </a:solidFill>
-                </a:rPr>
-                <a:t>-</a:t>
-              </a:r>
-            </a:p>
-          </p:txBody>
-        </p:sp>
-        <p:sp>
-          <p:nvSpPr>
-            <p:cNvPr id="86" name="Text Box 53"/>
-            <p:cNvSpPr txBox="1">
-              <a:spLocks noChangeArrowheads="1"/>
-            </p:cNvSpPr>
-            <p:nvPr/>
-          </p:nvSpPr>
-          <p:spPr bwMode="auto">
-            <a:xfrm>
-              <a:off x="1152" y="1344"/>
-              <a:ext cx="191" cy="321"/>
-            </a:xfrm>
-            <a:prstGeom prst="rect">
-              <a:avLst/>
-            </a:prstGeom>
-            <a:noFill/>
-            <a:ln w="9525">
-              <a:noFill/>
-              <a:miter lim="800000"/>
-              <a:headEnd/>
-              <a:tailEnd/>
-            </a:ln>
-          </p:spPr>
-          <p:txBody>
-            <a:bodyPr wrap="none">
-              <a:spAutoFit/>
-            </a:bodyPr>
-            <a:lstStyle/>
-            <a:p>
-              <a:r>
-                <a:rPr lang="en-US" sz="2400">
-                  <a:solidFill>
-                    <a:schemeClr val="bg1"/>
-                  </a:solidFill>
-                </a:rPr>
-                <a:t>-</a:t>
-              </a:r>
-            </a:p>
-          </p:txBody>
-        </p:sp>
-        <p:sp>
-          <p:nvSpPr>
-            <p:cNvPr id="87" name="Text Box 54"/>
-            <p:cNvSpPr txBox="1">
-              <a:spLocks noChangeArrowheads="1"/>
-            </p:cNvSpPr>
-            <p:nvPr/>
-          </p:nvSpPr>
-          <p:spPr bwMode="auto">
-            <a:xfrm>
-              <a:off x="1248" y="1440"/>
-              <a:ext cx="191" cy="321"/>
-            </a:xfrm>
-            <a:prstGeom prst="rect">
-              <a:avLst/>
-            </a:prstGeom>
-            <a:noFill/>
-            <a:ln w="9525">
-              <a:noFill/>
-              <a:miter lim="800000"/>
-              <a:headEnd/>
-              <a:tailEnd/>
-            </a:ln>
-          </p:spPr>
-          <p:txBody>
-            <a:bodyPr wrap="none">
-              <a:spAutoFit/>
-            </a:bodyPr>
-            <a:lstStyle/>
-            <a:p>
-              <a:r>
-                <a:rPr lang="en-US" sz="2400">
-                  <a:solidFill>
-                    <a:schemeClr val="bg1"/>
-                  </a:solidFill>
-                </a:rPr>
-                <a:t>-</a:t>
-              </a:r>
-            </a:p>
-          </p:txBody>
-        </p:sp>
-        <p:sp>
-          <p:nvSpPr>
-            <p:cNvPr id="88" name="Text Box 55"/>
-            <p:cNvSpPr txBox="1">
-              <a:spLocks noChangeArrowheads="1"/>
-            </p:cNvSpPr>
-            <p:nvPr/>
-          </p:nvSpPr>
-          <p:spPr bwMode="auto">
-            <a:xfrm>
-              <a:off x="1056" y="1248"/>
-              <a:ext cx="192" cy="321"/>
-            </a:xfrm>
-            <a:prstGeom prst="rect">
-              <a:avLst/>
-            </a:prstGeom>
-            <a:noFill/>
-            <a:ln w="9525">
-              <a:noFill/>
-              <a:miter lim="800000"/>
-              <a:headEnd/>
-              <a:tailEnd/>
-            </a:ln>
-          </p:spPr>
-          <p:txBody>
-            <a:bodyPr wrap="none">
-              <a:spAutoFit/>
-            </a:bodyPr>
-            <a:lstStyle/>
-            <a:p>
-              <a:r>
-                <a:rPr lang="en-US" sz="2400">
-                  <a:solidFill>
-                    <a:schemeClr val="bg1"/>
-                  </a:solidFill>
-                </a:rPr>
-                <a:t>-</a:t>
-              </a:r>
-            </a:p>
-          </p:txBody>
-        </p:sp>
-        <p:sp>
-          <p:nvSpPr>
-            <p:cNvPr id="89" name="Text Box 56"/>
-            <p:cNvSpPr txBox="1">
-              <a:spLocks noChangeArrowheads="1"/>
-            </p:cNvSpPr>
-            <p:nvPr/>
-          </p:nvSpPr>
-          <p:spPr bwMode="auto">
-            <a:xfrm>
-              <a:off x="960" y="1488"/>
-              <a:ext cx="192" cy="321"/>
-            </a:xfrm>
-            <a:prstGeom prst="rect">
-              <a:avLst/>
-            </a:prstGeom>
-            <a:noFill/>
-            <a:ln w="9525">
-              <a:noFill/>
-              <a:miter lim="800000"/>
-              <a:headEnd/>
-              <a:tailEnd/>
-            </a:ln>
-          </p:spPr>
-          <p:txBody>
-            <a:bodyPr wrap="none">
-              <a:spAutoFit/>
-            </a:bodyPr>
-            <a:lstStyle/>
-            <a:p>
-              <a:r>
-                <a:rPr lang="en-US" sz="2400">
-                  <a:solidFill>
-                    <a:schemeClr val="bg1"/>
-                  </a:solidFill>
-                </a:rPr>
-                <a:t>-</a:t>
-              </a:r>
-            </a:p>
-          </p:txBody>
-        </p:sp>
-        <p:sp>
-          <p:nvSpPr>
-            <p:cNvPr id="90" name="Text Box 57"/>
-            <p:cNvSpPr txBox="1">
-              <a:spLocks noChangeArrowheads="1"/>
-            </p:cNvSpPr>
-            <p:nvPr/>
-          </p:nvSpPr>
-          <p:spPr bwMode="auto">
-            <a:xfrm>
-              <a:off x="1343" y="1296"/>
-              <a:ext cx="192" cy="321"/>
-            </a:xfrm>
-            <a:prstGeom prst="rect">
-              <a:avLst/>
-            </a:prstGeom>
-            <a:noFill/>
-            <a:ln w="9525">
-              <a:noFill/>
-              <a:miter lim="800000"/>
-              <a:headEnd/>
-              <a:tailEnd/>
-            </a:ln>
-          </p:spPr>
-          <p:txBody>
-            <a:bodyPr wrap="none">
-              <a:spAutoFit/>
-            </a:bodyPr>
-            <a:lstStyle/>
-            <a:p>
-              <a:r>
-                <a:rPr lang="en-US" sz="2400">
-                  <a:solidFill>
-                    <a:schemeClr val="bg1"/>
-                  </a:solidFill>
-                </a:rPr>
-                <a:t>-</a:t>
-              </a:r>
-            </a:p>
-          </p:txBody>
-        </p:sp>
-        <p:sp>
-          <p:nvSpPr>
-            <p:cNvPr id="91" name="Text Box 58"/>
-            <p:cNvSpPr txBox="1">
-              <a:spLocks noChangeArrowheads="1"/>
-            </p:cNvSpPr>
-            <p:nvPr/>
-          </p:nvSpPr>
-          <p:spPr bwMode="auto">
-            <a:xfrm>
-              <a:off x="1680" y="1344"/>
-              <a:ext cx="192" cy="321"/>
-            </a:xfrm>
-            <a:prstGeom prst="rect">
-              <a:avLst/>
-            </a:prstGeom>
-            <a:noFill/>
-            <a:ln w="9525">
-              <a:noFill/>
-              <a:miter lim="800000"/>
-              <a:headEnd/>
-              <a:tailEnd/>
-            </a:ln>
-          </p:spPr>
-          <p:txBody>
-            <a:bodyPr wrap="none">
-              <a:spAutoFit/>
-            </a:bodyPr>
-            <a:lstStyle/>
-            <a:p>
-              <a:r>
-                <a:rPr lang="en-US" sz="2400">
-                  <a:solidFill>
-                    <a:schemeClr val="bg1"/>
-                  </a:solidFill>
-                </a:rPr>
-                <a:t>-</a:t>
-              </a:r>
-            </a:p>
-          </p:txBody>
-        </p:sp>
-        <p:sp>
-          <p:nvSpPr>
-            <p:cNvPr id="92" name="Text Box 59"/>
-            <p:cNvSpPr txBox="1">
-              <a:spLocks noChangeArrowheads="1"/>
-            </p:cNvSpPr>
-            <p:nvPr/>
-          </p:nvSpPr>
-          <p:spPr bwMode="auto">
-            <a:xfrm>
-              <a:off x="1776" y="1440"/>
-              <a:ext cx="192" cy="321"/>
-            </a:xfrm>
-            <a:prstGeom prst="rect">
-              <a:avLst/>
-            </a:prstGeom>
-            <a:noFill/>
-            <a:ln w="9525">
-              <a:noFill/>
-              <a:miter lim="800000"/>
-              <a:headEnd/>
-              <a:tailEnd/>
-            </a:ln>
-          </p:spPr>
-          <p:txBody>
-            <a:bodyPr wrap="none">
-              <a:spAutoFit/>
-            </a:bodyPr>
-            <a:lstStyle/>
-            <a:p>
-              <a:r>
-                <a:rPr lang="en-US" sz="2400">
-                  <a:solidFill>
-                    <a:schemeClr val="bg1"/>
-                  </a:solidFill>
-                </a:rPr>
-                <a:t>-</a:t>
-              </a:r>
-            </a:p>
-          </p:txBody>
-        </p:sp>
-        <p:sp>
-          <p:nvSpPr>
-            <p:cNvPr id="93" name="Text Box 60"/>
-            <p:cNvSpPr txBox="1">
-              <a:spLocks noChangeArrowheads="1"/>
-            </p:cNvSpPr>
-            <p:nvPr/>
-          </p:nvSpPr>
-          <p:spPr bwMode="auto">
-            <a:xfrm>
-              <a:off x="1584" y="1248"/>
-              <a:ext cx="192" cy="321"/>
-            </a:xfrm>
-            <a:prstGeom prst="rect">
-              <a:avLst/>
-            </a:prstGeom>
-            <a:noFill/>
-            <a:ln w="9525">
-              <a:noFill/>
-              <a:miter lim="800000"/>
-              <a:headEnd/>
-              <a:tailEnd/>
-            </a:ln>
-          </p:spPr>
-          <p:txBody>
-            <a:bodyPr wrap="none">
-              <a:spAutoFit/>
-            </a:bodyPr>
-            <a:lstStyle/>
-            <a:p>
-              <a:r>
-                <a:rPr lang="en-US" sz="2400">
-                  <a:solidFill>
-                    <a:schemeClr val="bg1"/>
-                  </a:solidFill>
-                </a:rPr>
-                <a:t>-</a:t>
-              </a:r>
-            </a:p>
-          </p:txBody>
-        </p:sp>
-        <p:sp>
-          <p:nvSpPr>
-            <p:cNvPr id="94" name="Text Box 61"/>
-            <p:cNvSpPr txBox="1">
-              <a:spLocks noChangeArrowheads="1"/>
-            </p:cNvSpPr>
-            <p:nvPr/>
-          </p:nvSpPr>
-          <p:spPr bwMode="auto">
-            <a:xfrm>
-              <a:off x="1488" y="1488"/>
-              <a:ext cx="192" cy="321"/>
-            </a:xfrm>
-            <a:prstGeom prst="rect">
-              <a:avLst/>
-            </a:prstGeom>
-            <a:noFill/>
-            <a:ln w="9525">
-              <a:noFill/>
-              <a:miter lim="800000"/>
-              <a:headEnd/>
-              <a:tailEnd/>
-            </a:ln>
-          </p:spPr>
-          <p:txBody>
-            <a:bodyPr wrap="none">
-              <a:spAutoFit/>
-            </a:bodyPr>
-            <a:lstStyle/>
-            <a:p>
-              <a:r>
-                <a:rPr lang="en-US" sz="2400">
-                  <a:solidFill>
-                    <a:schemeClr val="bg1"/>
-                  </a:solidFill>
-                </a:rPr>
-                <a:t>-</a:t>
-              </a:r>
-            </a:p>
-          </p:txBody>
-        </p:sp>
-        <p:sp>
-          <p:nvSpPr>
-            <p:cNvPr id="95" name="Text Box 62"/>
-            <p:cNvSpPr txBox="1">
-              <a:spLocks noChangeArrowheads="1"/>
-            </p:cNvSpPr>
-            <p:nvPr/>
-          </p:nvSpPr>
-          <p:spPr bwMode="auto">
-            <a:xfrm>
-              <a:off x="1872" y="1296"/>
-              <a:ext cx="192" cy="321"/>
-            </a:xfrm>
-            <a:prstGeom prst="rect">
-              <a:avLst/>
-            </a:prstGeom>
-            <a:noFill/>
-            <a:ln w="9525">
-              <a:noFill/>
-              <a:miter lim="800000"/>
-              <a:headEnd/>
-              <a:tailEnd/>
-            </a:ln>
-          </p:spPr>
-          <p:txBody>
-            <a:bodyPr wrap="none">
-              <a:spAutoFit/>
-            </a:bodyPr>
-            <a:lstStyle/>
-            <a:p>
-              <a:r>
-                <a:rPr lang="en-US" sz="2400">
-                  <a:solidFill>
-                    <a:schemeClr val="bg1"/>
-                  </a:solidFill>
-                </a:rPr>
-                <a:t>-</a:t>
-              </a:r>
-            </a:p>
-          </p:txBody>
-        </p:sp>
-        <p:sp>
-          <p:nvSpPr>
-            <p:cNvPr id="96" name="Text Box 63"/>
-            <p:cNvSpPr txBox="1">
-              <a:spLocks noChangeArrowheads="1"/>
-            </p:cNvSpPr>
-            <p:nvPr/>
-          </p:nvSpPr>
-          <p:spPr bwMode="auto">
-            <a:xfrm>
-              <a:off x="624" y="1344"/>
-              <a:ext cx="192" cy="321"/>
-            </a:xfrm>
-            <a:prstGeom prst="rect">
-              <a:avLst/>
-            </a:prstGeom>
-            <a:noFill/>
-            <a:ln w="9525">
-              <a:noFill/>
-              <a:miter lim="800000"/>
-              <a:headEnd/>
-              <a:tailEnd/>
-            </a:ln>
-          </p:spPr>
-          <p:txBody>
-            <a:bodyPr wrap="none">
-              <a:spAutoFit/>
-            </a:bodyPr>
-            <a:lstStyle/>
-            <a:p>
-              <a:r>
-                <a:rPr lang="en-US" sz="2400">
-                  <a:solidFill>
-                    <a:schemeClr val="bg1"/>
-                  </a:solidFill>
-                </a:rPr>
-                <a:t>-</a:t>
-              </a:r>
-            </a:p>
-          </p:txBody>
-        </p:sp>
-        <p:sp>
-          <p:nvSpPr>
-            <p:cNvPr id="97" name="Text Box 64"/>
-            <p:cNvSpPr txBox="1">
-              <a:spLocks noChangeArrowheads="1"/>
-            </p:cNvSpPr>
-            <p:nvPr/>
-          </p:nvSpPr>
-          <p:spPr bwMode="auto">
-            <a:xfrm>
-              <a:off x="720" y="1440"/>
-              <a:ext cx="192" cy="321"/>
-            </a:xfrm>
-            <a:prstGeom prst="rect">
-              <a:avLst/>
-            </a:prstGeom>
-            <a:noFill/>
-            <a:ln w="9525">
-              <a:noFill/>
-              <a:miter lim="800000"/>
-              <a:headEnd/>
-              <a:tailEnd/>
-            </a:ln>
-          </p:spPr>
-          <p:txBody>
-            <a:bodyPr wrap="none">
-              <a:spAutoFit/>
-            </a:bodyPr>
-            <a:lstStyle/>
-            <a:p>
-              <a:r>
-                <a:rPr lang="en-US" sz="2400">
-                  <a:solidFill>
-                    <a:schemeClr val="bg1"/>
-                  </a:solidFill>
-                </a:rPr>
-                <a:t>-</a:t>
-              </a:r>
-            </a:p>
-          </p:txBody>
-        </p:sp>
-        <p:sp>
-          <p:nvSpPr>
-            <p:cNvPr id="98" name="Text Box 65"/>
-            <p:cNvSpPr txBox="1">
-              <a:spLocks noChangeArrowheads="1"/>
-            </p:cNvSpPr>
-            <p:nvPr/>
-          </p:nvSpPr>
-          <p:spPr bwMode="auto">
-            <a:xfrm>
-              <a:off x="528" y="1248"/>
-              <a:ext cx="192" cy="321"/>
-            </a:xfrm>
-            <a:prstGeom prst="rect">
-              <a:avLst/>
-            </a:prstGeom>
-            <a:noFill/>
-            <a:ln w="9525">
-              <a:noFill/>
-              <a:miter lim="800000"/>
-              <a:headEnd/>
-              <a:tailEnd/>
-            </a:ln>
-          </p:spPr>
-          <p:txBody>
-            <a:bodyPr wrap="none">
-              <a:spAutoFit/>
-            </a:bodyPr>
-            <a:lstStyle/>
-            <a:p>
-              <a:r>
-                <a:rPr lang="en-US" sz="2400">
-                  <a:solidFill>
-                    <a:schemeClr val="bg1"/>
-                  </a:solidFill>
-                </a:rPr>
-                <a:t>-</a:t>
-              </a:r>
-            </a:p>
-          </p:txBody>
-        </p:sp>
-        <p:sp>
-          <p:nvSpPr>
-            <p:cNvPr id="99" name="Text Box 66"/>
-            <p:cNvSpPr txBox="1">
-              <a:spLocks noChangeArrowheads="1"/>
-            </p:cNvSpPr>
-            <p:nvPr/>
-          </p:nvSpPr>
-          <p:spPr bwMode="auto">
-            <a:xfrm>
-              <a:off x="342" y="1392"/>
-              <a:ext cx="192" cy="321"/>
-            </a:xfrm>
-            <a:prstGeom prst="rect">
-              <a:avLst/>
-            </a:prstGeom>
-            <a:noFill/>
-            <a:ln w="9525">
-              <a:noFill/>
-              <a:miter lim="800000"/>
-              <a:headEnd/>
-              <a:tailEnd/>
-            </a:ln>
-          </p:spPr>
-          <p:txBody>
-            <a:bodyPr wrap="none">
-              <a:spAutoFit/>
-            </a:bodyPr>
-            <a:lstStyle/>
-            <a:p>
-              <a:r>
-                <a:rPr lang="en-US" sz="2400">
-                  <a:solidFill>
-                    <a:schemeClr val="bg1"/>
-                  </a:solidFill>
-                </a:rPr>
-                <a:t>-</a:t>
-              </a:r>
-            </a:p>
-          </p:txBody>
-        </p:sp>
-        <p:sp>
-          <p:nvSpPr>
-            <p:cNvPr id="100" name="Text Box 67"/>
-            <p:cNvSpPr txBox="1">
-              <a:spLocks noChangeArrowheads="1"/>
-            </p:cNvSpPr>
-            <p:nvPr/>
-          </p:nvSpPr>
-          <p:spPr bwMode="auto">
-            <a:xfrm>
-              <a:off x="816" y="1296"/>
-              <a:ext cx="192" cy="321"/>
-            </a:xfrm>
-            <a:prstGeom prst="rect">
-              <a:avLst/>
-            </a:prstGeom>
-            <a:noFill/>
-            <a:ln w="9525">
-              <a:noFill/>
-              <a:miter lim="800000"/>
-              <a:headEnd/>
-              <a:tailEnd/>
-            </a:ln>
-          </p:spPr>
-          <p:txBody>
-            <a:bodyPr wrap="none">
-              <a:spAutoFit/>
-            </a:bodyPr>
-            <a:lstStyle/>
-            <a:p>
-              <a:r>
-                <a:rPr lang="en-US" sz="2400">
-                  <a:solidFill>
-                    <a:schemeClr val="bg1"/>
-                  </a:solidFill>
-                </a:rPr>
-                <a:t>-</a:t>
-              </a:r>
-            </a:p>
-          </p:txBody>
-        </p:sp>
-        <p:sp>
-          <p:nvSpPr>
-            <p:cNvPr id="101" name="Text Box 68"/>
-            <p:cNvSpPr txBox="1">
-              <a:spLocks noChangeArrowheads="1"/>
-            </p:cNvSpPr>
-            <p:nvPr/>
-          </p:nvSpPr>
-          <p:spPr bwMode="auto">
-            <a:xfrm>
-              <a:off x="253" y="1248"/>
-              <a:ext cx="191" cy="321"/>
-            </a:xfrm>
-            <a:prstGeom prst="rect">
-              <a:avLst/>
-            </a:prstGeom>
-            <a:noFill/>
-            <a:ln w="9525">
-              <a:noFill/>
-              <a:miter lim="800000"/>
-              <a:headEnd/>
-              <a:tailEnd/>
-            </a:ln>
-          </p:spPr>
-          <p:txBody>
-            <a:bodyPr wrap="none">
-              <a:spAutoFit/>
-            </a:bodyPr>
-            <a:lstStyle/>
-            <a:p>
-              <a:r>
-                <a:rPr lang="en-US" sz="2400">
-                  <a:solidFill>
-                    <a:schemeClr val="bg1"/>
-                  </a:solidFill>
-                </a:rPr>
-                <a:t>-</a:t>
-              </a:r>
-            </a:p>
-          </p:txBody>
-        </p:sp>
-        <p:sp>
-          <p:nvSpPr>
-            <p:cNvPr id="102" name="Text Box 69"/>
-            <p:cNvSpPr txBox="1">
-              <a:spLocks noChangeArrowheads="1"/>
-            </p:cNvSpPr>
-            <p:nvPr/>
-          </p:nvSpPr>
-          <p:spPr bwMode="auto">
-            <a:xfrm>
-              <a:off x="156" y="1488"/>
-              <a:ext cx="191" cy="321"/>
-            </a:xfrm>
-            <a:prstGeom prst="rect">
-              <a:avLst/>
-            </a:prstGeom>
-            <a:noFill/>
-            <a:ln w="9525">
-              <a:noFill/>
-              <a:miter lim="800000"/>
-              <a:headEnd/>
-              <a:tailEnd/>
-            </a:ln>
-          </p:spPr>
-          <p:txBody>
-            <a:bodyPr wrap="none">
-              <a:spAutoFit/>
-            </a:bodyPr>
-            <a:lstStyle/>
-            <a:p>
-              <a:r>
-                <a:rPr lang="en-US" sz="2400">
-                  <a:solidFill>
-                    <a:schemeClr val="bg1"/>
-                  </a:solidFill>
-                </a:rPr>
-                <a:t>-</a:t>
-              </a:r>
-            </a:p>
-          </p:txBody>
-        </p:sp>
-        <p:sp>
-          <p:nvSpPr>
-            <p:cNvPr id="103" name="Text Box 70"/>
-            <p:cNvSpPr txBox="1">
-              <a:spLocks noChangeArrowheads="1"/>
-            </p:cNvSpPr>
-            <p:nvPr/>
-          </p:nvSpPr>
-          <p:spPr bwMode="auto">
-            <a:xfrm>
-              <a:off x="3120" y="1296"/>
-              <a:ext cx="242" cy="321"/>
-            </a:xfrm>
-            <a:prstGeom prst="rect">
-              <a:avLst/>
-            </a:prstGeom>
-            <a:noFill/>
-            <a:ln w="9525">
-              <a:noFill/>
-              <a:miter lim="800000"/>
-              <a:headEnd/>
-              <a:tailEnd/>
-            </a:ln>
-          </p:spPr>
-          <p:txBody>
-            <a:bodyPr wrap="none">
-              <a:spAutoFit/>
-            </a:bodyPr>
-            <a:lstStyle/>
-            <a:p>
-              <a:r>
-                <a:rPr lang="en-US" sz="2400"/>
-                <a:t>+</a:t>
-              </a:r>
-            </a:p>
-          </p:txBody>
-        </p:sp>
-        <p:grpSp>
-          <p:nvGrpSpPr>
-            <p:cNvPr id="104" name="Group 71"/>
-            <p:cNvGrpSpPr>
-              <a:grpSpLocks/>
-            </p:cNvGrpSpPr>
-            <p:nvPr/>
-          </p:nvGrpSpPr>
-          <p:grpSpPr bwMode="auto">
-            <a:xfrm>
-              <a:off x="2880" y="1248"/>
-              <a:ext cx="2544" cy="528"/>
-              <a:chOff x="2880" y="2592"/>
-              <a:chExt cx="2544" cy="528"/>
-            </a:xfrm>
-          </p:grpSpPr>
-          <p:sp>
-            <p:nvSpPr>
-              <p:cNvPr id="140" name="AutoShape 72"/>
-              <p:cNvSpPr>
-                <a:spLocks noChangeArrowheads="1"/>
-              </p:cNvSpPr>
-              <p:nvPr/>
-            </p:nvSpPr>
-            <p:spPr bwMode="auto">
-              <a:xfrm>
-                <a:off x="2880" y="2592"/>
-                <a:ext cx="2544" cy="528"/>
-              </a:xfrm>
-              <a:prstGeom prst="flowChartTerminator">
-                <a:avLst/>
-              </a:prstGeom>
-              <a:solidFill>
-                <a:srgbClr val="C0C0C0"/>
-              </a:solidFill>
-              <a:ln w="9525">
-                <a:noFill/>
-                <a:miter lim="800000"/>
-                <a:headEnd/>
-                <a:tailEnd/>
-              </a:ln>
-            </p:spPr>
-            <p:txBody>
-              <a:bodyPr wrap="none" anchor="ctr"/>
-              <a:lstStyle/>
-              <a:p>
-                <a:endParaRPr lang="en-US"/>
-              </a:p>
-            </p:txBody>
-          </p:sp>
-          <p:sp>
-            <p:nvSpPr>
-              <p:cNvPr id="141" name="Freeform 73"/>
-              <p:cNvSpPr>
-                <a:spLocks/>
-              </p:cNvSpPr>
-              <p:nvPr/>
-            </p:nvSpPr>
-            <p:spPr bwMode="auto">
-              <a:xfrm>
-                <a:off x="3120" y="2928"/>
-                <a:ext cx="2160" cy="144"/>
-              </a:xfrm>
-              <a:custGeom>
-                <a:avLst/>
-                <a:gdLst>
-                  <a:gd name="T0" fmla="*/ 0 w 2160"/>
-                  <a:gd name="T1" fmla="*/ 96 h 144"/>
-                  <a:gd name="T2" fmla="*/ 144 w 2160"/>
-                  <a:gd name="T3" fmla="*/ 144 h 144"/>
-                  <a:gd name="T4" fmla="*/ 1920 w 2160"/>
-                  <a:gd name="T5" fmla="*/ 144 h 144"/>
-                  <a:gd name="T6" fmla="*/ 2064 w 2160"/>
-                  <a:gd name="T7" fmla="*/ 96 h 144"/>
-                  <a:gd name="T8" fmla="*/ 2160 w 2160"/>
-                  <a:gd name="T9" fmla="*/ 0 h 144"/>
-                  <a:gd name="T10" fmla="*/ 2064 w 2160"/>
-                  <a:gd name="T11" fmla="*/ 48 h 144"/>
-                  <a:gd name="T12" fmla="*/ 1920 w 2160"/>
-                  <a:gd name="T13" fmla="*/ 144 h 144"/>
-                  <a:gd name="T14" fmla="*/ 1200 w 2160"/>
-                  <a:gd name="T15" fmla="*/ 96 h 144"/>
-                  <a:gd name="T16" fmla="*/ 144 w 2160"/>
-                  <a:gd name="T17" fmla="*/ 96 h 144"/>
-                  <a:gd name="T18" fmla="*/ 0 w 2160"/>
-                  <a:gd name="T19" fmla="*/ 96 h 144"/>
-                  <a:gd name="T20" fmla="*/ 0 60000 65536"/>
-                  <a:gd name="T21" fmla="*/ 0 60000 65536"/>
-                  <a:gd name="T22" fmla="*/ 0 60000 65536"/>
-                  <a:gd name="T23" fmla="*/ 0 60000 65536"/>
-                  <a:gd name="T24" fmla="*/ 0 60000 65536"/>
-                  <a:gd name="T25" fmla="*/ 0 60000 65536"/>
-                  <a:gd name="T26" fmla="*/ 0 60000 65536"/>
-                  <a:gd name="T27" fmla="*/ 0 60000 65536"/>
-                  <a:gd name="T28" fmla="*/ 0 60000 65536"/>
-                  <a:gd name="T29" fmla="*/ 0 60000 65536"/>
-                  <a:gd name="T30" fmla="*/ 0 w 2160"/>
-                  <a:gd name="T31" fmla="*/ 0 h 144"/>
-                  <a:gd name="T32" fmla="*/ 2160 w 2160"/>
-                  <a:gd name="T33" fmla="*/ 144 h 144"/>
-                </a:gdLst>
-                <a:ahLst/>
-                <a:cxnLst>
-                  <a:cxn ang="T20">
-                    <a:pos x="T0" y="T1"/>
-                  </a:cxn>
-                  <a:cxn ang="T21">
-                    <a:pos x="T2" y="T3"/>
-                  </a:cxn>
-                  <a:cxn ang="T22">
-                    <a:pos x="T4" y="T5"/>
-                  </a:cxn>
-                  <a:cxn ang="T23">
-                    <a:pos x="T6" y="T7"/>
-                  </a:cxn>
-                  <a:cxn ang="T24">
-                    <a:pos x="T8" y="T9"/>
-                  </a:cxn>
-                  <a:cxn ang="T25">
-                    <a:pos x="T10" y="T11"/>
-                  </a:cxn>
-                  <a:cxn ang="T26">
-                    <a:pos x="T12" y="T13"/>
-                  </a:cxn>
-                  <a:cxn ang="T27">
-                    <a:pos x="T14" y="T15"/>
-                  </a:cxn>
-                  <a:cxn ang="T28">
-                    <a:pos x="T16" y="T17"/>
-                  </a:cxn>
-                  <a:cxn ang="T29">
-                    <a:pos x="T18" y="T19"/>
-                  </a:cxn>
-                </a:cxnLst>
-                <a:rect l="T30" t="T31" r="T32" b="T33"/>
-                <a:pathLst>
-                  <a:path w="2160" h="144">
-                    <a:moveTo>
-                      <a:pt x="0" y="96"/>
-                    </a:moveTo>
-                    <a:lnTo>
-                      <a:pt x="144" y="144"/>
-                    </a:lnTo>
-                    <a:lnTo>
-                      <a:pt x="1920" y="144"/>
-                    </a:lnTo>
-                    <a:lnTo>
-                      <a:pt x="2064" y="96"/>
-                    </a:lnTo>
-                    <a:lnTo>
-                      <a:pt x="2160" y="0"/>
-                    </a:lnTo>
-                    <a:lnTo>
-                      <a:pt x="2064" y="48"/>
-                    </a:lnTo>
-                    <a:lnTo>
-                      <a:pt x="1920" y="144"/>
-                    </a:lnTo>
-                    <a:lnTo>
-                      <a:pt x="1200" y="96"/>
-                    </a:lnTo>
-                    <a:lnTo>
-                      <a:pt x="144" y="96"/>
-                    </a:lnTo>
-                    <a:lnTo>
-                      <a:pt x="0" y="96"/>
-                    </a:lnTo>
-                    <a:close/>
-                  </a:path>
-                </a:pathLst>
-              </a:custGeom>
-              <a:solidFill>
-                <a:schemeClr val="bg1"/>
-              </a:solidFill>
-              <a:ln w="9525">
-                <a:noFill/>
-                <a:round/>
-                <a:headEnd/>
-                <a:tailEnd/>
-              </a:ln>
-            </p:spPr>
-            <p:txBody>
-              <a:bodyPr/>
-              <a:lstStyle/>
-              <a:p>
-                <a:endParaRPr lang="en-US"/>
-              </a:p>
-            </p:txBody>
-          </p:sp>
-        </p:grpSp>
-        <p:sp>
-          <p:nvSpPr>
-            <p:cNvPr id="105" name="Text Box 74"/>
-            <p:cNvSpPr txBox="1">
-              <a:spLocks noChangeArrowheads="1"/>
-            </p:cNvSpPr>
-            <p:nvPr/>
-          </p:nvSpPr>
-          <p:spPr bwMode="auto">
-            <a:xfrm>
-              <a:off x="3216" y="1392"/>
-              <a:ext cx="243" cy="321"/>
-            </a:xfrm>
-            <a:prstGeom prst="rect">
-              <a:avLst/>
-            </a:prstGeom>
-            <a:noFill/>
-            <a:ln w="9525">
-              <a:noFill/>
-              <a:miter lim="800000"/>
-              <a:headEnd/>
-              <a:tailEnd/>
-            </a:ln>
-          </p:spPr>
-          <p:txBody>
-            <a:bodyPr wrap="none">
-              <a:spAutoFit/>
-            </a:bodyPr>
-            <a:lstStyle/>
-            <a:p>
-              <a:r>
-                <a:rPr lang="en-US" sz="2400"/>
-                <a:t>+</a:t>
-              </a:r>
-            </a:p>
-          </p:txBody>
-        </p:sp>
-        <p:sp>
-          <p:nvSpPr>
-            <p:cNvPr id="106" name="Text Box 75"/>
-            <p:cNvSpPr txBox="1">
-              <a:spLocks noChangeArrowheads="1"/>
-            </p:cNvSpPr>
-            <p:nvPr/>
-          </p:nvSpPr>
-          <p:spPr bwMode="auto">
-            <a:xfrm>
-              <a:off x="3169" y="1536"/>
-              <a:ext cx="242" cy="321"/>
-            </a:xfrm>
-            <a:prstGeom prst="rect">
-              <a:avLst/>
-            </a:prstGeom>
-            <a:noFill/>
-            <a:ln w="9525">
-              <a:noFill/>
-              <a:miter lim="800000"/>
-              <a:headEnd/>
-              <a:tailEnd/>
-            </a:ln>
-          </p:spPr>
-          <p:txBody>
-            <a:bodyPr wrap="none">
-              <a:spAutoFit/>
-            </a:bodyPr>
-            <a:lstStyle/>
-            <a:p>
-              <a:r>
-                <a:rPr lang="en-US" sz="2400"/>
-                <a:t>+</a:t>
-              </a:r>
-            </a:p>
-          </p:txBody>
-        </p:sp>
-        <p:sp>
-          <p:nvSpPr>
-            <p:cNvPr id="107" name="Text Box 76"/>
-            <p:cNvSpPr txBox="1">
-              <a:spLocks noChangeArrowheads="1"/>
-            </p:cNvSpPr>
-            <p:nvPr/>
-          </p:nvSpPr>
-          <p:spPr bwMode="auto">
-            <a:xfrm>
-              <a:off x="3552" y="1296"/>
-              <a:ext cx="243" cy="321"/>
-            </a:xfrm>
-            <a:prstGeom prst="rect">
-              <a:avLst/>
-            </a:prstGeom>
-            <a:noFill/>
-            <a:ln w="9525">
-              <a:noFill/>
-              <a:miter lim="800000"/>
-              <a:headEnd/>
-              <a:tailEnd/>
-            </a:ln>
-          </p:spPr>
-          <p:txBody>
-            <a:bodyPr wrap="none">
-              <a:spAutoFit/>
-            </a:bodyPr>
-            <a:lstStyle/>
-            <a:p>
-              <a:r>
-                <a:rPr lang="en-US" sz="2400"/>
-                <a:t>+</a:t>
-              </a:r>
-            </a:p>
-          </p:txBody>
-        </p:sp>
-        <p:sp>
-          <p:nvSpPr>
-            <p:cNvPr id="108" name="Text Box 77"/>
-            <p:cNvSpPr txBox="1">
-              <a:spLocks noChangeArrowheads="1"/>
-            </p:cNvSpPr>
-            <p:nvPr/>
-          </p:nvSpPr>
-          <p:spPr bwMode="auto">
-            <a:xfrm>
-              <a:off x="3648" y="1392"/>
-              <a:ext cx="243" cy="321"/>
-            </a:xfrm>
-            <a:prstGeom prst="rect">
-              <a:avLst/>
-            </a:prstGeom>
-            <a:noFill/>
-            <a:ln w="9525">
-              <a:noFill/>
-              <a:miter lim="800000"/>
-              <a:headEnd/>
-              <a:tailEnd/>
-            </a:ln>
-          </p:spPr>
-          <p:txBody>
-            <a:bodyPr wrap="none">
-              <a:spAutoFit/>
-            </a:bodyPr>
-            <a:lstStyle/>
-            <a:p>
-              <a:r>
-                <a:rPr lang="en-US" sz="2400"/>
-                <a:t>+</a:t>
-              </a:r>
-            </a:p>
-          </p:txBody>
-        </p:sp>
-        <p:sp>
-          <p:nvSpPr>
-            <p:cNvPr id="109" name="Text Box 78"/>
-            <p:cNvSpPr txBox="1">
-              <a:spLocks noChangeArrowheads="1"/>
-            </p:cNvSpPr>
-            <p:nvPr/>
-          </p:nvSpPr>
-          <p:spPr bwMode="auto">
-            <a:xfrm>
-              <a:off x="3600" y="1536"/>
-              <a:ext cx="243" cy="321"/>
-            </a:xfrm>
-            <a:prstGeom prst="rect">
-              <a:avLst/>
-            </a:prstGeom>
-            <a:noFill/>
-            <a:ln w="9525">
-              <a:noFill/>
-              <a:miter lim="800000"/>
-              <a:headEnd/>
-              <a:tailEnd/>
-            </a:ln>
-          </p:spPr>
-          <p:txBody>
-            <a:bodyPr wrap="none">
-              <a:spAutoFit/>
-            </a:bodyPr>
-            <a:lstStyle/>
-            <a:p>
-              <a:r>
-                <a:rPr lang="en-US" sz="2400"/>
-                <a:t>+</a:t>
-              </a:r>
-            </a:p>
-          </p:txBody>
-        </p:sp>
-        <p:sp>
-          <p:nvSpPr>
-            <p:cNvPr id="110" name="Text Box 79"/>
-            <p:cNvSpPr txBox="1">
-              <a:spLocks noChangeArrowheads="1"/>
-            </p:cNvSpPr>
-            <p:nvPr/>
-          </p:nvSpPr>
-          <p:spPr bwMode="auto">
-            <a:xfrm>
-              <a:off x="3456" y="1488"/>
-              <a:ext cx="243" cy="321"/>
-            </a:xfrm>
-            <a:prstGeom prst="rect">
-              <a:avLst/>
-            </a:prstGeom>
-            <a:noFill/>
-            <a:ln w="9525">
-              <a:noFill/>
-              <a:miter lim="800000"/>
-              <a:headEnd/>
-              <a:tailEnd/>
-            </a:ln>
-          </p:spPr>
-          <p:txBody>
-            <a:bodyPr wrap="none">
-              <a:spAutoFit/>
-            </a:bodyPr>
-            <a:lstStyle/>
-            <a:p>
-              <a:r>
-                <a:rPr lang="en-US" sz="2400"/>
-                <a:t>+</a:t>
-              </a:r>
-            </a:p>
-          </p:txBody>
-        </p:sp>
-        <p:sp>
-          <p:nvSpPr>
-            <p:cNvPr id="111" name="Text Box 80"/>
-            <p:cNvSpPr txBox="1">
-              <a:spLocks noChangeArrowheads="1"/>
-            </p:cNvSpPr>
-            <p:nvPr/>
-          </p:nvSpPr>
-          <p:spPr bwMode="auto">
-            <a:xfrm>
-              <a:off x="3936" y="1296"/>
-              <a:ext cx="243" cy="321"/>
-            </a:xfrm>
-            <a:prstGeom prst="rect">
-              <a:avLst/>
-            </a:prstGeom>
-            <a:noFill/>
-            <a:ln w="9525">
-              <a:noFill/>
-              <a:miter lim="800000"/>
-              <a:headEnd/>
-              <a:tailEnd/>
-            </a:ln>
-          </p:spPr>
-          <p:txBody>
-            <a:bodyPr wrap="none">
-              <a:spAutoFit/>
-            </a:bodyPr>
-            <a:lstStyle/>
-            <a:p>
-              <a:r>
-                <a:rPr lang="en-US" sz="2400"/>
-                <a:t>+</a:t>
-              </a:r>
-            </a:p>
-          </p:txBody>
-        </p:sp>
-        <p:sp>
-          <p:nvSpPr>
-            <p:cNvPr id="112" name="Text Box 81"/>
-            <p:cNvSpPr txBox="1">
-              <a:spLocks noChangeArrowheads="1"/>
-            </p:cNvSpPr>
-            <p:nvPr/>
-          </p:nvSpPr>
-          <p:spPr bwMode="auto">
-            <a:xfrm>
-              <a:off x="4032" y="1392"/>
-              <a:ext cx="242" cy="321"/>
-            </a:xfrm>
-            <a:prstGeom prst="rect">
-              <a:avLst/>
-            </a:prstGeom>
-            <a:noFill/>
-            <a:ln w="9525">
-              <a:noFill/>
-              <a:miter lim="800000"/>
-              <a:headEnd/>
-              <a:tailEnd/>
-            </a:ln>
-          </p:spPr>
-          <p:txBody>
-            <a:bodyPr wrap="none">
-              <a:spAutoFit/>
-            </a:bodyPr>
-            <a:lstStyle/>
-            <a:p>
-              <a:r>
-                <a:rPr lang="en-US" sz="2400"/>
-                <a:t>+</a:t>
-              </a:r>
-            </a:p>
-          </p:txBody>
-        </p:sp>
-        <p:sp>
-          <p:nvSpPr>
-            <p:cNvPr id="113" name="Text Box 82"/>
-            <p:cNvSpPr txBox="1">
-              <a:spLocks noChangeArrowheads="1"/>
-            </p:cNvSpPr>
-            <p:nvPr/>
-          </p:nvSpPr>
-          <p:spPr bwMode="auto">
-            <a:xfrm>
-              <a:off x="3984" y="1536"/>
-              <a:ext cx="242" cy="321"/>
-            </a:xfrm>
-            <a:prstGeom prst="rect">
-              <a:avLst/>
-            </a:prstGeom>
-            <a:noFill/>
-            <a:ln w="9525">
-              <a:noFill/>
-              <a:miter lim="800000"/>
-              <a:headEnd/>
-              <a:tailEnd/>
-            </a:ln>
-          </p:spPr>
-          <p:txBody>
-            <a:bodyPr wrap="none">
-              <a:spAutoFit/>
-            </a:bodyPr>
-            <a:lstStyle/>
-            <a:p>
-              <a:r>
-                <a:rPr lang="en-US" sz="2400"/>
-                <a:t>+</a:t>
-              </a:r>
-            </a:p>
-          </p:txBody>
-        </p:sp>
-        <p:sp>
-          <p:nvSpPr>
-            <p:cNvPr id="114" name="Text Box 83"/>
-            <p:cNvSpPr txBox="1">
-              <a:spLocks noChangeArrowheads="1"/>
-            </p:cNvSpPr>
-            <p:nvPr/>
-          </p:nvSpPr>
-          <p:spPr bwMode="auto">
-            <a:xfrm>
-              <a:off x="3840" y="1488"/>
-              <a:ext cx="243" cy="321"/>
-            </a:xfrm>
-            <a:prstGeom prst="rect">
-              <a:avLst/>
-            </a:prstGeom>
-            <a:noFill/>
-            <a:ln w="9525">
-              <a:noFill/>
-              <a:miter lim="800000"/>
-              <a:headEnd/>
-              <a:tailEnd/>
-            </a:ln>
-          </p:spPr>
-          <p:txBody>
-            <a:bodyPr wrap="none">
-              <a:spAutoFit/>
-            </a:bodyPr>
-            <a:lstStyle/>
-            <a:p>
-              <a:r>
-                <a:rPr lang="en-US" sz="2400"/>
-                <a:t>+</a:t>
-              </a:r>
-            </a:p>
-          </p:txBody>
-        </p:sp>
-        <p:sp>
-          <p:nvSpPr>
-            <p:cNvPr id="115" name="Text Box 84"/>
-            <p:cNvSpPr txBox="1">
-              <a:spLocks noChangeArrowheads="1"/>
-            </p:cNvSpPr>
-            <p:nvPr/>
-          </p:nvSpPr>
-          <p:spPr bwMode="auto">
-            <a:xfrm>
-              <a:off x="4380" y="1296"/>
-              <a:ext cx="243" cy="321"/>
-            </a:xfrm>
-            <a:prstGeom prst="rect">
-              <a:avLst/>
-            </a:prstGeom>
-            <a:noFill/>
-            <a:ln w="9525">
-              <a:noFill/>
-              <a:miter lim="800000"/>
-              <a:headEnd/>
-              <a:tailEnd/>
-            </a:ln>
-          </p:spPr>
-          <p:txBody>
-            <a:bodyPr wrap="none">
-              <a:spAutoFit/>
-            </a:bodyPr>
-            <a:lstStyle/>
-            <a:p>
-              <a:r>
-                <a:rPr lang="en-US" sz="2400"/>
-                <a:t>+</a:t>
-              </a:r>
-            </a:p>
-          </p:txBody>
-        </p:sp>
-        <p:sp>
-          <p:nvSpPr>
-            <p:cNvPr id="116" name="Text Box 85"/>
-            <p:cNvSpPr txBox="1">
-              <a:spLocks noChangeArrowheads="1"/>
-            </p:cNvSpPr>
-            <p:nvPr/>
-          </p:nvSpPr>
-          <p:spPr bwMode="auto">
-            <a:xfrm>
-              <a:off x="4476" y="1392"/>
-              <a:ext cx="243" cy="321"/>
-            </a:xfrm>
-            <a:prstGeom prst="rect">
-              <a:avLst/>
-            </a:prstGeom>
-            <a:noFill/>
-            <a:ln w="9525">
-              <a:noFill/>
-              <a:miter lim="800000"/>
-              <a:headEnd/>
-              <a:tailEnd/>
-            </a:ln>
-          </p:spPr>
-          <p:txBody>
-            <a:bodyPr wrap="none">
-              <a:spAutoFit/>
-            </a:bodyPr>
-            <a:lstStyle/>
-            <a:p>
-              <a:r>
-                <a:rPr lang="en-US" sz="2400"/>
-                <a:t>+</a:t>
-              </a:r>
-            </a:p>
-          </p:txBody>
-        </p:sp>
-        <p:sp>
-          <p:nvSpPr>
-            <p:cNvPr id="117" name="Text Box 86"/>
-            <p:cNvSpPr txBox="1">
-              <a:spLocks noChangeArrowheads="1"/>
-            </p:cNvSpPr>
-            <p:nvPr/>
-          </p:nvSpPr>
-          <p:spPr bwMode="auto">
-            <a:xfrm>
-              <a:off x="4428" y="1536"/>
-              <a:ext cx="243" cy="321"/>
-            </a:xfrm>
-            <a:prstGeom prst="rect">
-              <a:avLst/>
-            </a:prstGeom>
-            <a:noFill/>
-            <a:ln w="9525">
-              <a:noFill/>
-              <a:miter lim="800000"/>
-              <a:headEnd/>
-              <a:tailEnd/>
-            </a:ln>
-          </p:spPr>
-          <p:txBody>
-            <a:bodyPr wrap="none">
-              <a:spAutoFit/>
-            </a:bodyPr>
-            <a:lstStyle/>
-            <a:p>
-              <a:r>
-                <a:rPr lang="en-US" sz="2400"/>
-                <a:t>+</a:t>
-              </a:r>
-            </a:p>
-          </p:txBody>
-        </p:sp>
-        <p:sp>
-          <p:nvSpPr>
-            <p:cNvPr id="118" name="Text Box 87"/>
-            <p:cNvSpPr txBox="1">
-              <a:spLocks noChangeArrowheads="1"/>
-            </p:cNvSpPr>
-            <p:nvPr/>
-          </p:nvSpPr>
-          <p:spPr bwMode="auto">
-            <a:xfrm>
-              <a:off x="4284" y="1488"/>
-              <a:ext cx="243" cy="321"/>
-            </a:xfrm>
-            <a:prstGeom prst="rect">
-              <a:avLst/>
-            </a:prstGeom>
-            <a:noFill/>
-            <a:ln w="9525">
-              <a:noFill/>
-              <a:miter lim="800000"/>
-              <a:headEnd/>
-              <a:tailEnd/>
-            </a:ln>
-          </p:spPr>
-          <p:txBody>
-            <a:bodyPr wrap="none">
-              <a:spAutoFit/>
-            </a:bodyPr>
-            <a:lstStyle/>
-            <a:p>
-              <a:r>
-                <a:rPr lang="en-US" sz="2400"/>
-                <a:t>+</a:t>
-              </a:r>
-            </a:p>
-          </p:txBody>
-        </p:sp>
-        <p:sp>
-          <p:nvSpPr>
-            <p:cNvPr id="119" name="Text Box 88"/>
-            <p:cNvSpPr txBox="1">
-              <a:spLocks noChangeArrowheads="1"/>
-            </p:cNvSpPr>
-            <p:nvPr/>
-          </p:nvSpPr>
-          <p:spPr bwMode="auto">
-            <a:xfrm>
-              <a:off x="4812" y="1296"/>
-              <a:ext cx="243" cy="321"/>
-            </a:xfrm>
-            <a:prstGeom prst="rect">
-              <a:avLst/>
-            </a:prstGeom>
-            <a:noFill/>
-            <a:ln w="9525">
-              <a:noFill/>
-              <a:miter lim="800000"/>
-              <a:headEnd/>
-              <a:tailEnd/>
-            </a:ln>
-          </p:spPr>
-          <p:txBody>
-            <a:bodyPr wrap="none">
-              <a:spAutoFit/>
-            </a:bodyPr>
-            <a:lstStyle/>
-            <a:p>
-              <a:r>
-                <a:rPr lang="en-US" sz="2400"/>
-                <a:t>+</a:t>
-              </a:r>
-            </a:p>
-          </p:txBody>
-        </p:sp>
-        <p:sp>
-          <p:nvSpPr>
-            <p:cNvPr id="120" name="Text Box 89"/>
-            <p:cNvSpPr txBox="1">
-              <a:spLocks noChangeArrowheads="1"/>
-            </p:cNvSpPr>
-            <p:nvPr/>
-          </p:nvSpPr>
-          <p:spPr bwMode="auto">
-            <a:xfrm>
-              <a:off x="4908" y="1392"/>
-              <a:ext cx="243" cy="321"/>
-            </a:xfrm>
-            <a:prstGeom prst="rect">
-              <a:avLst/>
-            </a:prstGeom>
-            <a:noFill/>
-            <a:ln w="9525">
-              <a:noFill/>
-              <a:miter lim="800000"/>
-              <a:headEnd/>
-              <a:tailEnd/>
-            </a:ln>
-          </p:spPr>
-          <p:txBody>
-            <a:bodyPr wrap="none">
-              <a:spAutoFit/>
-            </a:bodyPr>
-            <a:lstStyle/>
-            <a:p>
-              <a:r>
-                <a:rPr lang="en-US" sz="2400"/>
-                <a:t>+</a:t>
-              </a:r>
-            </a:p>
-          </p:txBody>
-        </p:sp>
-        <p:sp>
-          <p:nvSpPr>
-            <p:cNvPr id="121" name="Text Box 90"/>
-            <p:cNvSpPr txBox="1">
-              <a:spLocks noChangeArrowheads="1"/>
-            </p:cNvSpPr>
-            <p:nvPr/>
-          </p:nvSpPr>
-          <p:spPr bwMode="auto">
-            <a:xfrm>
-              <a:off x="4860" y="1536"/>
-              <a:ext cx="243" cy="321"/>
-            </a:xfrm>
-            <a:prstGeom prst="rect">
-              <a:avLst/>
-            </a:prstGeom>
-            <a:noFill/>
-            <a:ln w="9525">
-              <a:noFill/>
-              <a:miter lim="800000"/>
-              <a:headEnd/>
-              <a:tailEnd/>
-            </a:ln>
-          </p:spPr>
-          <p:txBody>
-            <a:bodyPr wrap="none">
-              <a:spAutoFit/>
-            </a:bodyPr>
-            <a:lstStyle/>
-            <a:p>
-              <a:r>
-                <a:rPr lang="en-US" sz="2400"/>
-                <a:t>+</a:t>
-              </a:r>
-            </a:p>
-          </p:txBody>
-        </p:sp>
-        <p:sp>
-          <p:nvSpPr>
-            <p:cNvPr id="122" name="Text Box 91"/>
-            <p:cNvSpPr txBox="1">
-              <a:spLocks noChangeArrowheads="1"/>
-            </p:cNvSpPr>
-            <p:nvPr/>
-          </p:nvSpPr>
-          <p:spPr bwMode="auto">
-            <a:xfrm>
-              <a:off x="4716" y="1489"/>
-              <a:ext cx="242" cy="321"/>
-            </a:xfrm>
-            <a:prstGeom prst="rect">
-              <a:avLst/>
-            </a:prstGeom>
-            <a:noFill/>
-            <a:ln w="9525">
-              <a:noFill/>
-              <a:miter lim="800000"/>
-              <a:headEnd/>
-              <a:tailEnd/>
-            </a:ln>
-          </p:spPr>
-          <p:txBody>
-            <a:bodyPr wrap="none">
-              <a:spAutoFit/>
-            </a:bodyPr>
-            <a:lstStyle/>
-            <a:p>
-              <a:r>
-                <a:rPr lang="en-US" sz="2400"/>
-                <a:t>+</a:t>
-              </a:r>
-            </a:p>
-          </p:txBody>
-        </p:sp>
-        <p:sp>
-          <p:nvSpPr>
-            <p:cNvPr id="123" name="Text Box 92"/>
-            <p:cNvSpPr txBox="1">
-              <a:spLocks noChangeArrowheads="1"/>
-            </p:cNvSpPr>
-            <p:nvPr/>
-          </p:nvSpPr>
-          <p:spPr bwMode="auto">
-            <a:xfrm>
-              <a:off x="4993" y="1344"/>
-              <a:ext cx="191" cy="321"/>
-            </a:xfrm>
-            <a:prstGeom prst="rect">
-              <a:avLst/>
-            </a:prstGeom>
-            <a:noFill/>
-            <a:ln w="9525">
-              <a:noFill/>
-              <a:miter lim="800000"/>
-              <a:headEnd/>
-              <a:tailEnd/>
-            </a:ln>
-          </p:spPr>
-          <p:txBody>
-            <a:bodyPr wrap="none">
-              <a:spAutoFit/>
-            </a:bodyPr>
-            <a:lstStyle/>
-            <a:p>
-              <a:r>
-                <a:rPr lang="en-US" sz="2400"/>
-                <a:t>-</a:t>
-              </a:r>
-            </a:p>
-          </p:txBody>
-        </p:sp>
-        <p:sp>
-          <p:nvSpPr>
-            <p:cNvPr id="124" name="Text Box 93"/>
-            <p:cNvSpPr txBox="1">
-              <a:spLocks noChangeArrowheads="1"/>
-            </p:cNvSpPr>
-            <p:nvPr/>
-          </p:nvSpPr>
-          <p:spPr bwMode="auto">
-            <a:xfrm>
-              <a:off x="5088" y="1440"/>
-              <a:ext cx="192" cy="320"/>
-            </a:xfrm>
-            <a:prstGeom prst="rect">
-              <a:avLst/>
-            </a:prstGeom>
-            <a:noFill/>
-            <a:ln w="9525">
-              <a:noFill/>
-              <a:miter lim="800000"/>
-              <a:headEnd/>
-              <a:tailEnd/>
-            </a:ln>
-          </p:spPr>
-          <p:txBody>
-            <a:bodyPr wrap="none">
-              <a:spAutoFit/>
-            </a:bodyPr>
-            <a:lstStyle/>
-            <a:p>
-              <a:r>
-                <a:rPr lang="en-US" sz="2400"/>
-                <a:t>-</a:t>
-              </a:r>
-            </a:p>
-          </p:txBody>
-        </p:sp>
-        <p:sp>
-          <p:nvSpPr>
-            <p:cNvPr id="125" name="Text Box 94"/>
-            <p:cNvSpPr txBox="1">
-              <a:spLocks noChangeArrowheads="1"/>
-            </p:cNvSpPr>
-            <p:nvPr/>
-          </p:nvSpPr>
-          <p:spPr bwMode="auto">
-            <a:xfrm>
-              <a:off x="4896" y="1248"/>
-              <a:ext cx="191" cy="321"/>
-            </a:xfrm>
-            <a:prstGeom prst="rect">
-              <a:avLst/>
-            </a:prstGeom>
-            <a:noFill/>
-            <a:ln w="9525">
-              <a:noFill/>
-              <a:miter lim="800000"/>
-              <a:headEnd/>
-              <a:tailEnd/>
-            </a:ln>
-          </p:spPr>
-          <p:txBody>
-            <a:bodyPr wrap="none">
-              <a:spAutoFit/>
-            </a:bodyPr>
-            <a:lstStyle/>
-            <a:p>
-              <a:r>
-                <a:rPr lang="en-US" sz="2400"/>
-                <a:t>-</a:t>
-              </a:r>
-            </a:p>
-          </p:txBody>
-        </p:sp>
-        <p:sp>
-          <p:nvSpPr>
-            <p:cNvPr id="126" name="Text Box 95"/>
-            <p:cNvSpPr txBox="1">
-              <a:spLocks noChangeArrowheads="1"/>
-            </p:cNvSpPr>
-            <p:nvPr/>
-          </p:nvSpPr>
-          <p:spPr bwMode="auto">
-            <a:xfrm>
-              <a:off x="4800" y="1489"/>
-              <a:ext cx="191" cy="321"/>
-            </a:xfrm>
-            <a:prstGeom prst="rect">
-              <a:avLst/>
-            </a:prstGeom>
-            <a:noFill/>
-            <a:ln w="9525">
-              <a:noFill/>
-              <a:miter lim="800000"/>
-              <a:headEnd/>
-              <a:tailEnd/>
-            </a:ln>
-          </p:spPr>
-          <p:txBody>
-            <a:bodyPr wrap="none">
-              <a:spAutoFit/>
-            </a:bodyPr>
-            <a:lstStyle/>
-            <a:p>
-              <a:r>
-                <a:rPr lang="en-US" sz="2400"/>
-                <a:t>-</a:t>
-              </a:r>
-            </a:p>
-          </p:txBody>
-        </p:sp>
-        <p:sp>
-          <p:nvSpPr>
-            <p:cNvPr id="127" name="Text Box 96"/>
-            <p:cNvSpPr txBox="1">
-              <a:spLocks noChangeArrowheads="1"/>
-            </p:cNvSpPr>
-            <p:nvPr/>
-          </p:nvSpPr>
-          <p:spPr bwMode="auto">
-            <a:xfrm>
-              <a:off x="5184" y="1296"/>
-              <a:ext cx="192" cy="321"/>
-            </a:xfrm>
-            <a:prstGeom prst="rect">
-              <a:avLst/>
-            </a:prstGeom>
-            <a:noFill/>
-            <a:ln w="9525">
-              <a:noFill/>
-              <a:miter lim="800000"/>
-              <a:headEnd/>
-              <a:tailEnd/>
-            </a:ln>
-          </p:spPr>
-          <p:txBody>
-            <a:bodyPr wrap="none">
-              <a:spAutoFit/>
-            </a:bodyPr>
-            <a:lstStyle/>
-            <a:p>
-              <a:r>
-                <a:rPr lang="en-US" sz="2400"/>
-                <a:t>-</a:t>
-              </a:r>
-            </a:p>
-          </p:txBody>
-        </p:sp>
-        <p:sp>
-          <p:nvSpPr>
-            <p:cNvPr id="128" name="Text Box 97"/>
-            <p:cNvSpPr txBox="1">
-              <a:spLocks noChangeArrowheads="1"/>
-            </p:cNvSpPr>
-            <p:nvPr/>
-          </p:nvSpPr>
-          <p:spPr bwMode="auto">
-            <a:xfrm>
-              <a:off x="4560" y="1344"/>
-              <a:ext cx="192" cy="321"/>
-            </a:xfrm>
-            <a:prstGeom prst="rect">
-              <a:avLst/>
-            </a:prstGeom>
-            <a:noFill/>
-            <a:ln w="9525">
-              <a:noFill/>
-              <a:miter lim="800000"/>
-              <a:headEnd/>
-              <a:tailEnd/>
-            </a:ln>
-          </p:spPr>
-          <p:txBody>
-            <a:bodyPr wrap="none">
-              <a:spAutoFit/>
-            </a:bodyPr>
-            <a:lstStyle/>
-            <a:p>
-              <a:r>
-                <a:rPr lang="en-US" sz="2400"/>
-                <a:t>-</a:t>
-              </a:r>
-            </a:p>
-          </p:txBody>
-        </p:sp>
-        <p:sp>
-          <p:nvSpPr>
-            <p:cNvPr id="129" name="Text Box 98"/>
-            <p:cNvSpPr txBox="1">
-              <a:spLocks noChangeArrowheads="1"/>
-            </p:cNvSpPr>
-            <p:nvPr/>
-          </p:nvSpPr>
-          <p:spPr bwMode="auto">
-            <a:xfrm>
-              <a:off x="4656" y="1440"/>
-              <a:ext cx="192" cy="320"/>
-            </a:xfrm>
-            <a:prstGeom prst="rect">
-              <a:avLst/>
-            </a:prstGeom>
-            <a:noFill/>
-            <a:ln w="9525">
-              <a:noFill/>
-              <a:miter lim="800000"/>
-              <a:headEnd/>
-              <a:tailEnd/>
-            </a:ln>
-          </p:spPr>
-          <p:txBody>
-            <a:bodyPr wrap="none">
-              <a:spAutoFit/>
-            </a:bodyPr>
-            <a:lstStyle/>
-            <a:p>
-              <a:r>
-                <a:rPr lang="en-US" sz="2400"/>
-                <a:t>-</a:t>
-              </a:r>
-            </a:p>
-          </p:txBody>
-        </p:sp>
-        <p:sp>
-          <p:nvSpPr>
-            <p:cNvPr id="130" name="Text Box 99"/>
-            <p:cNvSpPr txBox="1">
-              <a:spLocks noChangeArrowheads="1"/>
-            </p:cNvSpPr>
-            <p:nvPr/>
-          </p:nvSpPr>
-          <p:spPr bwMode="auto">
-            <a:xfrm>
-              <a:off x="4752" y="1296"/>
-              <a:ext cx="192" cy="321"/>
-            </a:xfrm>
-            <a:prstGeom prst="rect">
-              <a:avLst/>
-            </a:prstGeom>
-            <a:noFill/>
-            <a:ln w="9525">
-              <a:noFill/>
-              <a:miter lim="800000"/>
-              <a:headEnd/>
-              <a:tailEnd/>
-            </a:ln>
-          </p:spPr>
-          <p:txBody>
-            <a:bodyPr wrap="none">
-              <a:spAutoFit/>
-            </a:bodyPr>
-            <a:lstStyle/>
-            <a:p>
-              <a:r>
-                <a:rPr lang="en-US" sz="2400"/>
-                <a:t>-</a:t>
-              </a:r>
-            </a:p>
-          </p:txBody>
-        </p:sp>
-        <p:sp>
-          <p:nvSpPr>
-            <p:cNvPr id="131" name="Text Box 100"/>
-            <p:cNvSpPr txBox="1">
-              <a:spLocks noChangeArrowheads="1"/>
-            </p:cNvSpPr>
-            <p:nvPr/>
-          </p:nvSpPr>
-          <p:spPr bwMode="auto">
-            <a:xfrm>
-              <a:off x="4800" y="1200"/>
-              <a:ext cx="191" cy="321"/>
-            </a:xfrm>
-            <a:prstGeom prst="rect">
-              <a:avLst/>
-            </a:prstGeom>
-            <a:noFill/>
-            <a:ln w="9525">
-              <a:noFill/>
-              <a:miter lim="800000"/>
-              <a:headEnd/>
-              <a:tailEnd/>
-            </a:ln>
-          </p:spPr>
-          <p:txBody>
-            <a:bodyPr wrap="none">
-              <a:spAutoFit/>
-            </a:bodyPr>
-            <a:lstStyle/>
-            <a:p>
-              <a:r>
-                <a:rPr lang="en-US" sz="2400"/>
-                <a:t>-</a:t>
-              </a:r>
-            </a:p>
-          </p:txBody>
-        </p:sp>
-        <p:sp>
-          <p:nvSpPr>
-            <p:cNvPr id="132" name="Text Box 101"/>
-            <p:cNvSpPr txBox="1">
-              <a:spLocks noChangeArrowheads="1"/>
-            </p:cNvSpPr>
-            <p:nvPr/>
-          </p:nvSpPr>
-          <p:spPr bwMode="auto">
-            <a:xfrm>
-              <a:off x="4993" y="1489"/>
-              <a:ext cx="191" cy="321"/>
-            </a:xfrm>
-            <a:prstGeom prst="rect">
-              <a:avLst/>
-            </a:prstGeom>
-            <a:noFill/>
-            <a:ln w="9525">
-              <a:noFill/>
-              <a:miter lim="800000"/>
-              <a:headEnd/>
-              <a:tailEnd/>
-            </a:ln>
-          </p:spPr>
-          <p:txBody>
-            <a:bodyPr wrap="none">
-              <a:spAutoFit/>
-            </a:bodyPr>
-            <a:lstStyle/>
-            <a:p>
-              <a:r>
-                <a:rPr lang="en-US" sz="2400"/>
-                <a:t>-</a:t>
-              </a:r>
-            </a:p>
-          </p:txBody>
-        </p:sp>
-        <p:sp>
-          <p:nvSpPr>
-            <p:cNvPr id="133" name="Text Box 102"/>
-            <p:cNvSpPr txBox="1">
-              <a:spLocks noChangeArrowheads="1"/>
-            </p:cNvSpPr>
-            <p:nvPr/>
-          </p:nvSpPr>
-          <p:spPr bwMode="auto">
-            <a:xfrm>
-              <a:off x="3792" y="1248"/>
-              <a:ext cx="192" cy="321"/>
-            </a:xfrm>
-            <a:prstGeom prst="rect">
-              <a:avLst/>
-            </a:prstGeom>
-            <a:noFill/>
-            <a:ln w="9525">
-              <a:noFill/>
-              <a:miter lim="800000"/>
-              <a:headEnd/>
-              <a:tailEnd/>
-            </a:ln>
-          </p:spPr>
-          <p:txBody>
-            <a:bodyPr wrap="none">
-              <a:spAutoFit/>
-            </a:bodyPr>
-            <a:lstStyle/>
-            <a:p>
-              <a:r>
-                <a:rPr lang="en-US" sz="2400"/>
-                <a:t>-</a:t>
-              </a:r>
-            </a:p>
-          </p:txBody>
-        </p:sp>
-        <p:sp>
-          <p:nvSpPr>
-            <p:cNvPr id="134" name="Text Box 103"/>
-            <p:cNvSpPr txBox="1">
-              <a:spLocks noChangeArrowheads="1"/>
-            </p:cNvSpPr>
-            <p:nvPr/>
-          </p:nvSpPr>
-          <p:spPr bwMode="auto">
-            <a:xfrm>
-              <a:off x="3792" y="1392"/>
-              <a:ext cx="192" cy="321"/>
-            </a:xfrm>
-            <a:prstGeom prst="rect">
-              <a:avLst/>
-            </a:prstGeom>
-            <a:noFill/>
-            <a:ln w="9525">
-              <a:noFill/>
-              <a:miter lim="800000"/>
-              <a:headEnd/>
-              <a:tailEnd/>
-            </a:ln>
-          </p:spPr>
-          <p:txBody>
-            <a:bodyPr wrap="none">
-              <a:spAutoFit/>
-            </a:bodyPr>
-            <a:lstStyle/>
-            <a:p>
-              <a:r>
-                <a:rPr lang="en-US" sz="2400"/>
-                <a:t>-</a:t>
-              </a:r>
-            </a:p>
-          </p:txBody>
-        </p:sp>
-        <p:sp>
-          <p:nvSpPr>
-            <p:cNvPr id="135" name="Text Box 104"/>
-            <p:cNvSpPr txBox="1">
-              <a:spLocks noChangeArrowheads="1"/>
-            </p:cNvSpPr>
-            <p:nvPr/>
-          </p:nvSpPr>
-          <p:spPr bwMode="auto">
-            <a:xfrm>
-              <a:off x="5088" y="1344"/>
-              <a:ext cx="192" cy="321"/>
-            </a:xfrm>
-            <a:prstGeom prst="rect">
-              <a:avLst/>
-            </a:prstGeom>
-            <a:noFill/>
-            <a:ln w="9525">
-              <a:noFill/>
-              <a:miter lim="800000"/>
-              <a:headEnd/>
-              <a:tailEnd/>
-            </a:ln>
-          </p:spPr>
-          <p:txBody>
-            <a:bodyPr wrap="none">
-              <a:spAutoFit/>
-            </a:bodyPr>
-            <a:lstStyle/>
-            <a:p>
-              <a:r>
-                <a:rPr lang="en-US" sz="2400"/>
-                <a:t>-</a:t>
-              </a:r>
-            </a:p>
-          </p:txBody>
-        </p:sp>
-        <p:sp>
-          <p:nvSpPr>
-            <p:cNvPr id="136" name="Text Box 105"/>
-            <p:cNvSpPr txBox="1">
-              <a:spLocks noChangeArrowheads="1"/>
-            </p:cNvSpPr>
-            <p:nvPr/>
-          </p:nvSpPr>
-          <p:spPr bwMode="auto">
-            <a:xfrm>
-              <a:off x="4416" y="1152"/>
-              <a:ext cx="192" cy="321"/>
-            </a:xfrm>
-            <a:prstGeom prst="rect">
-              <a:avLst/>
-            </a:prstGeom>
-            <a:noFill/>
-            <a:ln w="9525">
-              <a:noFill/>
-              <a:miter lim="800000"/>
-              <a:headEnd/>
-              <a:tailEnd/>
-            </a:ln>
-          </p:spPr>
-          <p:txBody>
-            <a:bodyPr wrap="none">
-              <a:spAutoFit/>
-            </a:bodyPr>
-            <a:lstStyle/>
-            <a:p>
-              <a:r>
-                <a:rPr lang="en-US" sz="2400"/>
-                <a:t>-</a:t>
-              </a:r>
-            </a:p>
-          </p:txBody>
-        </p:sp>
-        <p:sp>
-          <p:nvSpPr>
-            <p:cNvPr id="137" name="Text Box 106"/>
-            <p:cNvSpPr txBox="1">
-              <a:spLocks noChangeArrowheads="1"/>
-            </p:cNvSpPr>
-            <p:nvPr/>
-          </p:nvSpPr>
-          <p:spPr bwMode="auto">
-            <a:xfrm>
-              <a:off x="5088" y="1200"/>
-              <a:ext cx="192" cy="321"/>
-            </a:xfrm>
-            <a:prstGeom prst="rect">
-              <a:avLst/>
-            </a:prstGeom>
-            <a:noFill/>
-            <a:ln w="9525">
-              <a:noFill/>
-              <a:miter lim="800000"/>
-              <a:headEnd/>
-              <a:tailEnd/>
-            </a:ln>
-          </p:spPr>
-          <p:txBody>
-            <a:bodyPr wrap="none">
-              <a:spAutoFit/>
-            </a:bodyPr>
-            <a:lstStyle/>
-            <a:p>
-              <a:r>
-                <a:rPr lang="en-US" sz="2400"/>
-                <a:t>-</a:t>
-              </a:r>
-            </a:p>
-          </p:txBody>
-        </p:sp>
-        <p:sp>
-          <p:nvSpPr>
-            <p:cNvPr id="138" name="Text Box 107"/>
-            <p:cNvSpPr txBox="1">
-              <a:spLocks noChangeArrowheads="1"/>
-            </p:cNvSpPr>
-            <p:nvPr/>
-          </p:nvSpPr>
-          <p:spPr bwMode="auto">
-            <a:xfrm>
-              <a:off x="3408" y="1344"/>
-              <a:ext cx="192" cy="321"/>
-            </a:xfrm>
-            <a:prstGeom prst="rect">
-              <a:avLst/>
-            </a:prstGeom>
-            <a:noFill/>
-            <a:ln w="9525">
-              <a:noFill/>
-              <a:miter lim="800000"/>
-              <a:headEnd/>
-              <a:tailEnd/>
-            </a:ln>
-          </p:spPr>
-          <p:txBody>
-            <a:bodyPr wrap="none">
-              <a:spAutoFit/>
-            </a:bodyPr>
-            <a:lstStyle/>
-            <a:p>
-              <a:r>
-                <a:rPr lang="en-US" sz="2400"/>
-                <a:t>-</a:t>
-              </a:r>
-            </a:p>
-          </p:txBody>
-        </p:sp>
-        <p:sp>
-          <p:nvSpPr>
-            <p:cNvPr id="139" name="Text Box 108"/>
-            <p:cNvSpPr txBox="1">
-              <a:spLocks noChangeArrowheads="1"/>
-            </p:cNvSpPr>
-            <p:nvPr/>
-          </p:nvSpPr>
-          <p:spPr bwMode="auto">
-            <a:xfrm>
-              <a:off x="3264" y="1200"/>
-              <a:ext cx="243" cy="321"/>
-            </a:xfrm>
-            <a:prstGeom prst="rect">
-              <a:avLst/>
-            </a:prstGeom>
-            <a:noFill/>
-            <a:ln w="9525">
-              <a:noFill/>
-              <a:miter lim="800000"/>
-              <a:headEnd/>
-              <a:tailEnd/>
-            </a:ln>
-          </p:spPr>
-          <p:txBody>
-            <a:bodyPr wrap="none">
-              <a:spAutoFit/>
-            </a:bodyPr>
-            <a:lstStyle/>
-            <a:p>
-              <a:r>
-                <a:rPr lang="en-US" sz="2400"/>
-                <a:t>+</a:t>
-              </a:r>
-            </a:p>
-          </p:txBody>
-        </p:sp>
-      </p:grpSp>
-    </p:spTree>
-  </p:cSld>
-  <p:clrMapOvr>
-    <a:masterClrMapping/>
-  </p:clrMapOvr>
-</p:sld>
-</file>
-
-<file path=ppt/slides/slide20.xml><?xml version="1.0" encoding="utf-8"?>
+<file path=ppt/slides/slide22.xml><?xml version="1.0" encoding="utf-8"?>
 <p:sld xmlns:a="http://schemas.openxmlformats.org/drawingml/2006/main" xmlns:r="http://schemas.openxmlformats.org/officeDocument/2006/relationships" xmlns:p="http://schemas.openxmlformats.org/presentationml/2006/main">
   <p:cSld>
     <p:spTree>
@@ -30680,7 +31068,7 @@
 </p:sld>
 </file>
 
-<file path=ppt/slides/slide21.xml><?xml version="1.0" encoding="utf-8"?>
+<file path=ppt/slides/slide23.xml><?xml version="1.0" encoding="utf-8"?>
 <p:sld xmlns:a="http://schemas.openxmlformats.org/drawingml/2006/main" xmlns:r="http://schemas.openxmlformats.org/officeDocument/2006/relationships" xmlns:p="http://schemas.openxmlformats.org/presentationml/2006/main">
   <p:cSld>
     <p:spTree>
@@ -32751,7 +33139,7 @@
 </p:sld>
 </file>
 
-<file path=ppt/slides/slide22.xml><?xml version="1.0" encoding="utf-8"?>
+<file path=ppt/slides/slide24.xml><?xml version="1.0" encoding="utf-8"?>
 <p:sld xmlns:a="http://schemas.openxmlformats.org/drawingml/2006/main" xmlns:r="http://schemas.openxmlformats.org/officeDocument/2006/relationships" xmlns:p="http://schemas.openxmlformats.org/presentationml/2006/main">
   <p:cSld>
     <p:spTree>
@@ -34579,7 +34967,7 @@
 </p:sld>
 </file>
 
-<file path=ppt/slides/slide23.xml><?xml version="1.0" encoding="utf-8"?>
+<file path=ppt/slides/slide25.xml><?xml version="1.0" encoding="utf-8"?>
 <p:sld xmlns:a="http://schemas.openxmlformats.org/drawingml/2006/main" xmlns:r="http://schemas.openxmlformats.org/officeDocument/2006/relationships" xmlns:p="http://schemas.openxmlformats.org/presentationml/2006/main">
   <p:cSld>
     <p:spTree>
@@ -36612,7 +37000,7 @@
 </p:sld>
 </file>
 
-<file path=ppt/slides/slide24.xml><?xml version="1.0" encoding="utf-8"?>
+<file path=ppt/slides/slide26.xml><?xml version="1.0" encoding="utf-8"?>
 <p:sld xmlns:a="http://schemas.openxmlformats.org/drawingml/2006/main" xmlns:r="http://schemas.openxmlformats.org/officeDocument/2006/relationships" xmlns:p="http://schemas.openxmlformats.org/presentationml/2006/main">
   <p:cSld>
     <p:spTree>
@@ -38309,7 +38697,7 @@
 </p:sld>
 </file>
 
-<file path=ppt/slides/slide25.xml><?xml version="1.0" encoding="utf-8"?>
+<file path=ppt/slides/slide27.xml><?xml version="1.0" encoding="utf-8"?>
 <p:sld xmlns:a="http://schemas.openxmlformats.org/drawingml/2006/main" xmlns:r="http://schemas.openxmlformats.org/officeDocument/2006/relationships" xmlns:p="http://schemas.openxmlformats.org/presentationml/2006/main">
   <p:cSld>
     <p:spTree>
@@ -40312,7 +40700,7 @@
 </p:sld>
 </file>
 
-<file path=ppt/slides/slide26.xml><?xml version="1.0" encoding="utf-8"?>
+<file path=ppt/slides/slide28.xml><?xml version="1.0" encoding="utf-8"?>
 <p:sld xmlns:a="http://schemas.openxmlformats.org/drawingml/2006/main" xmlns:r="http://schemas.openxmlformats.org/officeDocument/2006/relationships" xmlns:p="http://schemas.openxmlformats.org/presentationml/2006/main">
   <p:cSld>
     <p:spTree>
@@ -41802,7 +42190,7 @@
 </p:sld>
 </file>
 
-<file path=ppt/slides/slide27.xml><?xml version="1.0" encoding="utf-8"?>
+<file path=ppt/slides/slide29.xml><?xml version="1.0" encoding="utf-8"?>
 <p:sld xmlns:a="http://schemas.openxmlformats.org/drawingml/2006/main" xmlns:r="http://schemas.openxmlformats.org/officeDocument/2006/relationships" xmlns:p="http://schemas.openxmlformats.org/presentationml/2006/main">
   <p:cSld>
     <p:spTree>
@@ -43236,7 +43624,356 @@
 </p:sld>
 </file>
 
-<file path=ppt/slides/slide28.xml><?xml version="1.0" encoding="utf-8"?>
+<file path=ppt/slides/slide3.xml><?xml version="1.0" encoding="utf-8"?>
+<p:sld xmlns:a="http://schemas.openxmlformats.org/drawingml/2006/main" xmlns:r="http://schemas.openxmlformats.org/officeDocument/2006/relationships" xmlns:p="http://schemas.openxmlformats.org/presentationml/2006/main">
+  <p:cSld>
+    <p:spTree>
+      <p:nvGrpSpPr>
+        <p:cNvPr id="1" name=""/>
+        <p:cNvGrpSpPr/>
+        <p:nvPr/>
+      </p:nvGrpSpPr>
+      <p:grpSpPr>
+        <a:xfrm>
+          <a:off x="0" y="0"/>
+          <a:ext cx="0" cy="0"/>
+          <a:chOff x="0" y="0"/>
+          <a:chExt cx="0" cy="0"/>
+        </a:xfrm>
+      </p:grpSpPr>
+      <p:grpSp>
+        <p:nvGrpSpPr>
+          <p:cNvPr id="4" name="Group 2"/>
+          <p:cNvGrpSpPr>
+            <a:grpSpLocks/>
+          </p:cNvGrpSpPr>
+          <p:nvPr/>
+        </p:nvGrpSpPr>
+        <p:grpSpPr bwMode="auto">
+          <a:xfrm>
+            <a:off x="3048000" y="1981200"/>
+            <a:ext cx="3048000" cy="2895600"/>
+            <a:chOff x="2208" y="1344"/>
+            <a:chExt cx="1920" cy="1824"/>
+          </a:xfrm>
+        </p:grpSpPr>
+        <p:sp>
+          <p:nvSpPr>
+            <p:cNvPr id="5" name="Oval 3"/>
+            <p:cNvSpPr>
+              <a:spLocks noChangeArrowheads="1"/>
+            </p:cNvSpPr>
+            <p:nvPr/>
+          </p:nvSpPr>
+          <p:spPr bwMode="auto">
+            <a:xfrm>
+              <a:off x="2208" y="1344"/>
+              <a:ext cx="1920" cy="1824"/>
+            </a:xfrm>
+            <a:prstGeom prst="ellipse">
+              <a:avLst/>
+            </a:prstGeom>
+            <a:solidFill>
+              <a:srgbClr val="C0C0C0"/>
+            </a:solidFill>
+            <a:ln w="9525">
+              <a:noFill/>
+              <a:round/>
+              <a:headEnd/>
+              <a:tailEnd/>
+            </a:ln>
+          </p:spPr>
+          <p:txBody>
+            <a:bodyPr wrap="none" anchor="ctr"/>
+            <a:lstStyle/>
+            <a:p>
+              <a:pPr algn="ctr"/>
+              <a:endParaRPr lang="en-US" sz="1800"/>
+            </a:p>
+          </p:txBody>
+        </p:sp>
+        <p:sp>
+          <p:nvSpPr>
+            <p:cNvPr id="6" name="Freeform 4"/>
+            <p:cNvSpPr>
+              <a:spLocks/>
+            </p:cNvSpPr>
+            <p:nvPr/>
+          </p:nvSpPr>
+          <p:spPr bwMode="auto">
+            <a:xfrm rot="-927673">
+              <a:off x="3072" y="2640"/>
+              <a:ext cx="864" cy="296"/>
+            </a:xfrm>
+            <a:custGeom>
+              <a:avLst/>
+              <a:gdLst>
+                <a:gd name="T0" fmla="*/ 4 w 1216"/>
+                <a:gd name="T1" fmla="*/ 88 h 584"/>
+                <a:gd name="T2" fmla="*/ 222 w 1216"/>
+                <a:gd name="T3" fmla="*/ 150 h 584"/>
+                <a:gd name="T4" fmla="*/ 513 w 1216"/>
+                <a:gd name="T5" fmla="*/ 88 h 584"/>
+                <a:gd name="T6" fmla="*/ 610 w 1216"/>
+                <a:gd name="T7" fmla="*/ 2 h 584"/>
+                <a:gd name="T8" fmla="*/ 489 w 1216"/>
+                <a:gd name="T9" fmla="*/ 76 h 584"/>
+                <a:gd name="T10" fmla="*/ 247 w 1216"/>
+                <a:gd name="T11" fmla="*/ 125 h 584"/>
+                <a:gd name="T12" fmla="*/ 4 w 1216"/>
+                <a:gd name="T13" fmla="*/ 88 h 584"/>
+                <a:gd name="T14" fmla="*/ 0 60000 65536"/>
+                <a:gd name="T15" fmla="*/ 0 60000 65536"/>
+                <a:gd name="T16" fmla="*/ 0 60000 65536"/>
+                <a:gd name="T17" fmla="*/ 0 60000 65536"/>
+                <a:gd name="T18" fmla="*/ 0 60000 65536"/>
+                <a:gd name="T19" fmla="*/ 0 60000 65536"/>
+                <a:gd name="T20" fmla="*/ 0 60000 65536"/>
+                <a:gd name="T21" fmla="*/ 0 w 1216"/>
+                <a:gd name="T22" fmla="*/ 0 h 584"/>
+                <a:gd name="T23" fmla="*/ 1216 w 1216"/>
+                <a:gd name="T24" fmla="*/ 584 h 584"/>
+              </a:gdLst>
+              <a:ahLst/>
+              <a:cxnLst>
+                <a:cxn ang="T14">
+                  <a:pos x="T0" y="T1"/>
+                </a:cxn>
+                <a:cxn ang="T15">
+                  <a:pos x="T2" y="T3"/>
+                </a:cxn>
+                <a:cxn ang="T16">
+                  <a:pos x="T4" y="T5"/>
+                </a:cxn>
+                <a:cxn ang="T17">
+                  <a:pos x="T6" y="T7"/>
+                </a:cxn>
+                <a:cxn ang="T18">
+                  <a:pos x="T8" y="T9"/>
+                </a:cxn>
+                <a:cxn ang="T19">
+                  <a:pos x="T10" y="T11"/>
+                </a:cxn>
+                <a:cxn ang="T20">
+                  <a:pos x="T12" y="T13"/>
+                </a:cxn>
+              </a:cxnLst>
+              <a:rect l="T21" t="T22" r="T23" b="T24"/>
+              <a:pathLst>
+                <a:path w="1216" h="584">
+                  <a:moveTo>
+                    <a:pt x="8" y="344"/>
+                  </a:moveTo>
+                  <a:cubicBezTo>
+                    <a:pt x="0" y="360"/>
+                    <a:pt x="272" y="584"/>
+                    <a:pt x="440" y="584"/>
+                  </a:cubicBezTo>
+                  <a:cubicBezTo>
+                    <a:pt x="608" y="584"/>
+                    <a:pt x="888" y="440"/>
+                    <a:pt x="1016" y="344"/>
+                  </a:cubicBezTo>
+                  <a:cubicBezTo>
+                    <a:pt x="1144" y="248"/>
+                    <a:pt x="1216" y="16"/>
+                    <a:pt x="1208" y="8"/>
+                  </a:cubicBezTo>
+                  <a:cubicBezTo>
+                    <a:pt x="1200" y="0"/>
+                    <a:pt x="1088" y="216"/>
+                    <a:pt x="968" y="296"/>
+                  </a:cubicBezTo>
+                  <a:cubicBezTo>
+                    <a:pt x="848" y="376"/>
+                    <a:pt x="648" y="480"/>
+                    <a:pt x="488" y="488"/>
+                  </a:cubicBezTo>
+                  <a:cubicBezTo>
+                    <a:pt x="328" y="496"/>
+                    <a:pt x="16" y="328"/>
+                    <a:pt x="8" y="344"/>
+                  </a:cubicBezTo>
+                  <a:close/>
+                </a:path>
+              </a:pathLst>
+            </a:custGeom>
+            <a:solidFill>
+              <a:srgbClr val="FFFFFF"/>
+            </a:solidFill>
+            <a:ln w="9525">
+              <a:noFill/>
+              <a:round/>
+              <a:headEnd/>
+              <a:tailEnd/>
+            </a:ln>
+          </p:spPr>
+          <p:txBody>
+            <a:bodyPr/>
+            <a:lstStyle/>
+            <a:p>
+              <a:endParaRPr lang="en-US"/>
+            </a:p>
+          </p:txBody>
+        </p:sp>
+        <p:sp>
+          <p:nvSpPr>
+            <p:cNvPr id="7" name="Oval 5"/>
+            <p:cNvSpPr>
+              <a:spLocks noChangeArrowheads="1"/>
+            </p:cNvSpPr>
+            <p:nvPr/>
+          </p:nvSpPr>
+          <p:spPr bwMode="auto">
+            <a:xfrm>
+              <a:off x="2784" y="2208"/>
+              <a:ext cx="144" cy="144"/>
+            </a:xfrm>
+            <a:prstGeom prst="ellipse">
+              <a:avLst/>
+            </a:prstGeom>
+            <a:solidFill>
+              <a:schemeClr val="accent1"/>
+            </a:solidFill>
+            <a:ln w="9525">
+              <a:solidFill>
+                <a:schemeClr val="tx1"/>
+              </a:solidFill>
+              <a:round/>
+              <a:headEnd/>
+              <a:tailEnd/>
+            </a:ln>
+          </p:spPr>
+          <p:txBody>
+            <a:bodyPr wrap="none" anchor="ctr"/>
+            <a:lstStyle/>
+            <a:p>
+              <a:pPr algn="ctr"/>
+              <a:r>
+                <a:rPr lang="en-US" sz="2800"/>
+                <a:t>-</a:t>
+              </a:r>
+            </a:p>
+          </p:txBody>
+        </p:sp>
+        <p:sp>
+          <p:nvSpPr>
+            <p:cNvPr id="8" name="Oval 6"/>
+            <p:cNvSpPr>
+              <a:spLocks noChangeArrowheads="1"/>
+            </p:cNvSpPr>
+            <p:nvPr/>
+          </p:nvSpPr>
+          <p:spPr bwMode="auto">
+            <a:xfrm>
+              <a:off x="3312" y="2208"/>
+              <a:ext cx="144" cy="144"/>
+            </a:xfrm>
+            <a:prstGeom prst="ellipse">
+              <a:avLst/>
+            </a:prstGeom>
+            <a:solidFill>
+              <a:schemeClr val="accent1"/>
+            </a:solidFill>
+            <a:ln w="9525">
+              <a:solidFill>
+                <a:schemeClr val="tx1"/>
+              </a:solidFill>
+              <a:round/>
+              <a:headEnd/>
+              <a:tailEnd/>
+            </a:ln>
+          </p:spPr>
+          <p:txBody>
+            <a:bodyPr wrap="none" anchor="ctr"/>
+            <a:lstStyle/>
+            <a:p>
+              <a:pPr algn="ctr"/>
+              <a:r>
+                <a:rPr lang="en-US" sz="2800"/>
+                <a:t>-</a:t>
+              </a:r>
+            </a:p>
+          </p:txBody>
+        </p:sp>
+        <p:sp>
+          <p:nvSpPr>
+            <p:cNvPr id="9" name="Line 7"/>
+            <p:cNvSpPr>
+              <a:spLocks noChangeShapeType="1"/>
+            </p:cNvSpPr>
+            <p:nvPr/>
+          </p:nvSpPr>
+          <p:spPr bwMode="auto">
+            <a:xfrm flipH="1">
+              <a:off x="2304" y="2275"/>
+              <a:ext cx="480" cy="0"/>
+            </a:xfrm>
+            <a:prstGeom prst="line">
+              <a:avLst/>
+            </a:prstGeom>
+            <a:noFill/>
+            <a:ln w="57150">
+              <a:solidFill>
+                <a:schemeClr val="accent2"/>
+              </a:solidFill>
+              <a:round/>
+              <a:headEnd/>
+              <a:tailEnd type="triangle" w="med" len="med"/>
+            </a:ln>
+          </p:spPr>
+          <p:txBody>
+            <a:bodyPr/>
+            <a:lstStyle/>
+            <a:p>
+              <a:endParaRPr lang="en-US"/>
+            </a:p>
+          </p:txBody>
+        </p:sp>
+        <p:sp>
+          <p:nvSpPr>
+            <p:cNvPr id="10" name="Line 8"/>
+            <p:cNvSpPr>
+              <a:spLocks noChangeShapeType="1"/>
+            </p:cNvSpPr>
+            <p:nvPr/>
+          </p:nvSpPr>
+          <p:spPr bwMode="auto">
+            <a:xfrm>
+              <a:off x="3456" y="2275"/>
+              <a:ext cx="480" cy="0"/>
+            </a:xfrm>
+            <a:prstGeom prst="line">
+              <a:avLst/>
+            </a:prstGeom>
+            <a:noFill/>
+            <a:ln w="57150">
+              <a:solidFill>
+                <a:schemeClr val="accent2"/>
+              </a:solidFill>
+              <a:round/>
+              <a:headEnd/>
+              <a:tailEnd type="triangle" w="med" len="med"/>
+            </a:ln>
+          </p:spPr>
+          <p:txBody>
+            <a:bodyPr/>
+            <a:lstStyle/>
+            <a:p>
+              <a:endParaRPr lang="en-US"/>
+            </a:p>
+          </p:txBody>
+        </p:sp>
+      </p:grpSp>
+    </p:spTree>
+  </p:cSld>
+  <p:clrMapOvr>
+    <a:masterClrMapping/>
+  </p:clrMapOvr>
+</p:sld>
+</file>
+
+<file path=ppt/slides/slide30.xml><?xml version="1.0" encoding="utf-8"?>
 <p:sld xmlns:a="http://schemas.openxmlformats.org/drawingml/2006/main" xmlns:r="http://schemas.openxmlformats.org/officeDocument/2006/relationships" xmlns:p="http://schemas.openxmlformats.org/presentationml/2006/main">
   <p:cSld>
     <p:spTree>
@@ -44661,7 +45398,7 @@
 </p:sld>
 </file>
 
-<file path=ppt/slides/slide29.xml><?xml version="1.0" encoding="utf-8"?>
+<file path=ppt/slides/slide31.xml><?xml version="1.0" encoding="utf-8"?>
 <p:sld xmlns:a="http://schemas.openxmlformats.org/drawingml/2006/main" xmlns:r="http://schemas.openxmlformats.org/officeDocument/2006/relationships" xmlns:p="http://schemas.openxmlformats.org/presentationml/2006/main">
   <p:cSld>
     <p:spTree>
@@ -46207,8 +46944,8 @@
             </a:p>
           </p:txBody>
         </p:sp>
-        <mc:AlternateContent xmlns:mc="http://schemas.openxmlformats.org/markup-compatibility/2006">
-          <mc:Choice xmlns:a14="http://schemas.microsoft.com/office/drawing/2010/main" Requires="a14">
+        <mc:AlternateContent xmlns:mc="http://schemas.openxmlformats.org/markup-compatibility/2006" xmlns:a14="http://schemas.microsoft.com/office/drawing/2010/main">
+          <mc:Choice Requires="a14">
             <p:sp>
               <p:nvSpPr>
                 <p:cNvPr id="27" name="Object 4">
@@ -46288,7 +47025,7 @@
               </p:txBody>
             </p:sp>
           </mc:Choice>
-          <mc:Fallback>
+          <mc:Fallback xmlns="">
             <p:sp>
               <p:nvSpPr>
                 <p:cNvPr id="27" name="Object 4">
@@ -46372,8 +47109,8 @@
             </a:p>
           </p:txBody>
         </p:sp>
-        <mc:AlternateContent xmlns:mc="http://schemas.openxmlformats.org/markup-compatibility/2006">
-          <mc:Choice xmlns:a14="http://schemas.microsoft.com/office/drawing/2010/main" Requires="a14">
+        <mc:AlternateContent xmlns:mc="http://schemas.openxmlformats.org/markup-compatibility/2006" xmlns:a14="http://schemas.microsoft.com/office/drawing/2010/main">
+          <mc:Choice Requires="a14">
             <p:sp>
               <p:nvSpPr>
                 <p:cNvPr id="29" name="Object 5">
@@ -46435,7 +47172,7 @@
               </p:txBody>
             </p:sp>
           </mc:Choice>
-          <mc:Fallback>
+          <mc:Fallback xmlns="">
             <p:sp>
               <p:nvSpPr>
                 <p:cNvPr id="29" name="Object 5">
@@ -46494,356 +47231,7 @@
 </p:sld>
 </file>
 
-<file path=ppt/slides/slide3.xml><?xml version="1.0" encoding="utf-8"?>
-<p:sld xmlns:a="http://schemas.openxmlformats.org/drawingml/2006/main" xmlns:r="http://schemas.openxmlformats.org/officeDocument/2006/relationships" xmlns:p="http://schemas.openxmlformats.org/presentationml/2006/main">
-  <p:cSld>
-    <p:spTree>
-      <p:nvGrpSpPr>
-        <p:cNvPr id="1" name=""/>
-        <p:cNvGrpSpPr/>
-        <p:nvPr/>
-      </p:nvGrpSpPr>
-      <p:grpSpPr>
-        <a:xfrm>
-          <a:off x="0" y="0"/>
-          <a:ext cx="0" cy="0"/>
-          <a:chOff x="0" y="0"/>
-          <a:chExt cx="0" cy="0"/>
-        </a:xfrm>
-      </p:grpSpPr>
-      <p:grpSp>
-        <p:nvGrpSpPr>
-          <p:cNvPr id="4" name="Group 2"/>
-          <p:cNvGrpSpPr>
-            <a:grpSpLocks/>
-          </p:cNvGrpSpPr>
-          <p:nvPr/>
-        </p:nvGrpSpPr>
-        <p:grpSpPr bwMode="auto">
-          <a:xfrm>
-            <a:off x="3048000" y="1981200"/>
-            <a:ext cx="3048000" cy="2895600"/>
-            <a:chOff x="2208" y="1344"/>
-            <a:chExt cx="1920" cy="1824"/>
-          </a:xfrm>
-        </p:grpSpPr>
-        <p:sp>
-          <p:nvSpPr>
-            <p:cNvPr id="5" name="Oval 3"/>
-            <p:cNvSpPr>
-              <a:spLocks noChangeArrowheads="1"/>
-            </p:cNvSpPr>
-            <p:nvPr/>
-          </p:nvSpPr>
-          <p:spPr bwMode="auto">
-            <a:xfrm>
-              <a:off x="2208" y="1344"/>
-              <a:ext cx="1920" cy="1824"/>
-            </a:xfrm>
-            <a:prstGeom prst="ellipse">
-              <a:avLst/>
-            </a:prstGeom>
-            <a:solidFill>
-              <a:srgbClr val="C0C0C0"/>
-            </a:solidFill>
-            <a:ln w="9525">
-              <a:noFill/>
-              <a:round/>
-              <a:headEnd/>
-              <a:tailEnd/>
-            </a:ln>
-          </p:spPr>
-          <p:txBody>
-            <a:bodyPr wrap="none" anchor="ctr"/>
-            <a:lstStyle/>
-            <a:p>
-              <a:pPr algn="ctr"/>
-              <a:endParaRPr lang="en-US" sz="1800"/>
-            </a:p>
-          </p:txBody>
-        </p:sp>
-        <p:sp>
-          <p:nvSpPr>
-            <p:cNvPr id="6" name="Freeform 4"/>
-            <p:cNvSpPr>
-              <a:spLocks/>
-            </p:cNvSpPr>
-            <p:nvPr/>
-          </p:nvSpPr>
-          <p:spPr bwMode="auto">
-            <a:xfrm rot="-927673">
-              <a:off x="3072" y="2640"/>
-              <a:ext cx="864" cy="296"/>
-            </a:xfrm>
-            <a:custGeom>
-              <a:avLst/>
-              <a:gdLst>
-                <a:gd name="T0" fmla="*/ 4 w 1216"/>
-                <a:gd name="T1" fmla="*/ 88 h 584"/>
-                <a:gd name="T2" fmla="*/ 222 w 1216"/>
-                <a:gd name="T3" fmla="*/ 150 h 584"/>
-                <a:gd name="T4" fmla="*/ 513 w 1216"/>
-                <a:gd name="T5" fmla="*/ 88 h 584"/>
-                <a:gd name="T6" fmla="*/ 610 w 1216"/>
-                <a:gd name="T7" fmla="*/ 2 h 584"/>
-                <a:gd name="T8" fmla="*/ 489 w 1216"/>
-                <a:gd name="T9" fmla="*/ 76 h 584"/>
-                <a:gd name="T10" fmla="*/ 247 w 1216"/>
-                <a:gd name="T11" fmla="*/ 125 h 584"/>
-                <a:gd name="T12" fmla="*/ 4 w 1216"/>
-                <a:gd name="T13" fmla="*/ 88 h 584"/>
-                <a:gd name="T14" fmla="*/ 0 60000 65536"/>
-                <a:gd name="T15" fmla="*/ 0 60000 65536"/>
-                <a:gd name="T16" fmla="*/ 0 60000 65536"/>
-                <a:gd name="T17" fmla="*/ 0 60000 65536"/>
-                <a:gd name="T18" fmla="*/ 0 60000 65536"/>
-                <a:gd name="T19" fmla="*/ 0 60000 65536"/>
-                <a:gd name="T20" fmla="*/ 0 60000 65536"/>
-                <a:gd name="T21" fmla="*/ 0 w 1216"/>
-                <a:gd name="T22" fmla="*/ 0 h 584"/>
-                <a:gd name="T23" fmla="*/ 1216 w 1216"/>
-                <a:gd name="T24" fmla="*/ 584 h 584"/>
-              </a:gdLst>
-              <a:ahLst/>
-              <a:cxnLst>
-                <a:cxn ang="T14">
-                  <a:pos x="T0" y="T1"/>
-                </a:cxn>
-                <a:cxn ang="T15">
-                  <a:pos x="T2" y="T3"/>
-                </a:cxn>
-                <a:cxn ang="T16">
-                  <a:pos x="T4" y="T5"/>
-                </a:cxn>
-                <a:cxn ang="T17">
-                  <a:pos x="T6" y="T7"/>
-                </a:cxn>
-                <a:cxn ang="T18">
-                  <a:pos x="T8" y="T9"/>
-                </a:cxn>
-                <a:cxn ang="T19">
-                  <a:pos x="T10" y="T11"/>
-                </a:cxn>
-                <a:cxn ang="T20">
-                  <a:pos x="T12" y="T13"/>
-                </a:cxn>
-              </a:cxnLst>
-              <a:rect l="T21" t="T22" r="T23" b="T24"/>
-              <a:pathLst>
-                <a:path w="1216" h="584">
-                  <a:moveTo>
-                    <a:pt x="8" y="344"/>
-                  </a:moveTo>
-                  <a:cubicBezTo>
-                    <a:pt x="0" y="360"/>
-                    <a:pt x="272" y="584"/>
-                    <a:pt x="440" y="584"/>
-                  </a:cubicBezTo>
-                  <a:cubicBezTo>
-                    <a:pt x="608" y="584"/>
-                    <a:pt x="888" y="440"/>
-                    <a:pt x="1016" y="344"/>
-                  </a:cubicBezTo>
-                  <a:cubicBezTo>
-                    <a:pt x="1144" y="248"/>
-                    <a:pt x="1216" y="16"/>
-                    <a:pt x="1208" y="8"/>
-                  </a:cubicBezTo>
-                  <a:cubicBezTo>
-                    <a:pt x="1200" y="0"/>
-                    <a:pt x="1088" y="216"/>
-                    <a:pt x="968" y="296"/>
-                  </a:cubicBezTo>
-                  <a:cubicBezTo>
-                    <a:pt x="848" y="376"/>
-                    <a:pt x="648" y="480"/>
-                    <a:pt x="488" y="488"/>
-                  </a:cubicBezTo>
-                  <a:cubicBezTo>
-                    <a:pt x="328" y="496"/>
-                    <a:pt x="16" y="328"/>
-                    <a:pt x="8" y="344"/>
-                  </a:cubicBezTo>
-                  <a:close/>
-                </a:path>
-              </a:pathLst>
-            </a:custGeom>
-            <a:solidFill>
-              <a:srgbClr val="FFFFFF"/>
-            </a:solidFill>
-            <a:ln w="9525">
-              <a:noFill/>
-              <a:round/>
-              <a:headEnd/>
-              <a:tailEnd/>
-            </a:ln>
-          </p:spPr>
-          <p:txBody>
-            <a:bodyPr/>
-            <a:lstStyle/>
-            <a:p>
-              <a:endParaRPr lang="en-US"/>
-            </a:p>
-          </p:txBody>
-        </p:sp>
-        <p:sp>
-          <p:nvSpPr>
-            <p:cNvPr id="7" name="Oval 5"/>
-            <p:cNvSpPr>
-              <a:spLocks noChangeArrowheads="1"/>
-            </p:cNvSpPr>
-            <p:nvPr/>
-          </p:nvSpPr>
-          <p:spPr bwMode="auto">
-            <a:xfrm>
-              <a:off x="2784" y="2208"/>
-              <a:ext cx="144" cy="144"/>
-            </a:xfrm>
-            <a:prstGeom prst="ellipse">
-              <a:avLst/>
-            </a:prstGeom>
-            <a:solidFill>
-              <a:schemeClr val="accent1"/>
-            </a:solidFill>
-            <a:ln w="9525">
-              <a:solidFill>
-                <a:schemeClr val="tx1"/>
-              </a:solidFill>
-              <a:round/>
-              <a:headEnd/>
-              <a:tailEnd/>
-            </a:ln>
-          </p:spPr>
-          <p:txBody>
-            <a:bodyPr wrap="none" anchor="ctr"/>
-            <a:lstStyle/>
-            <a:p>
-              <a:pPr algn="ctr"/>
-              <a:r>
-                <a:rPr lang="en-US" sz="2800"/>
-                <a:t>-</a:t>
-              </a:r>
-            </a:p>
-          </p:txBody>
-        </p:sp>
-        <p:sp>
-          <p:nvSpPr>
-            <p:cNvPr id="8" name="Oval 6"/>
-            <p:cNvSpPr>
-              <a:spLocks noChangeArrowheads="1"/>
-            </p:cNvSpPr>
-            <p:nvPr/>
-          </p:nvSpPr>
-          <p:spPr bwMode="auto">
-            <a:xfrm>
-              <a:off x="3312" y="2208"/>
-              <a:ext cx="144" cy="144"/>
-            </a:xfrm>
-            <a:prstGeom prst="ellipse">
-              <a:avLst/>
-            </a:prstGeom>
-            <a:solidFill>
-              <a:schemeClr val="accent1"/>
-            </a:solidFill>
-            <a:ln w="9525">
-              <a:solidFill>
-                <a:schemeClr val="tx1"/>
-              </a:solidFill>
-              <a:round/>
-              <a:headEnd/>
-              <a:tailEnd/>
-            </a:ln>
-          </p:spPr>
-          <p:txBody>
-            <a:bodyPr wrap="none" anchor="ctr"/>
-            <a:lstStyle/>
-            <a:p>
-              <a:pPr algn="ctr"/>
-              <a:r>
-                <a:rPr lang="en-US" sz="2800"/>
-                <a:t>-</a:t>
-              </a:r>
-            </a:p>
-          </p:txBody>
-        </p:sp>
-        <p:sp>
-          <p:nvSpPr>
-            <p:cNvPr id="9" name="Line 7"/>
-            <p:cNvSpPr>
-              <a:spLocks noChangeShapeType="1"/>
-            </p:cNvSpPr>
-            <p:nvPr/>
-          </p:nvSpPr>
-          <p:spPr bwMode="auto">
-            <a:xfrm flipH="1">
-              <a:off x="2304" y="2275"/>
-              <a:ext cx="480" cy="0"/>
-            </a:xfrm>
-            <a:prstGeom prst="line">
-              <a:avLst/>
-            </a:prstGeom>
-            <a:noFill/>
-            <a:ln w="57150">
-              <a:solidFill>
-                <a:schemeClr val="accent2"/>
-              </a:solidFill>
-              <a:round/>
-              <a:headEnd/>
-              <a:tailEnd type="triangle" w="med" len="med"/>
-            </a:ln>
-          </p:spPr>
-          <p:txBody>
-            <a:bodyPr/>
-            <a:lstStyle/>
-            <a:p>
-              <a:endParaRPr lang="en-US"/>
-            </a:p>
-          </p:txBody>
-        </p:sp>
-        <p:sp>
-          <p:nvSpPr>
-            <p:cNvPr id="10" name="Line 8"/>
-            <p:cNvSpPr>
-              <a:spLocks noChangeShapeType="1"/>
-            </p:cNvSpPr>
-            <p:nvPr/>
-          </p:nvSpPr>
-          <p:spPr bwMode="auto">
-            <a:xfrm>
-              <a:off x="3456" y="2275"/>
-              <a:ext cx="480" cy="0"/>
-            </a:xfrm>
-            <a:prstGeom prst="line">
-              <a:avLst/>
-            </a:prstGeom>
-            <a:noFill/>
-            <a:ln w="57150">
-              <a:solidFill>
-                <a:schemeClr val="accent2"/>
-              </a:solidFill>
-              <a:round/>
-              <a:headEnd/>
-              <a:tailEnd type="triangle" w="med" len="med"/>
-            </a:ln>
-          </p:spPr>
-          <p:txBody>
-            <a:bodyPr/>
-            <a:lstStyle/>
-            <a:p>
-              <a:endParaRPr lang="en-US"/>
-            </a:p>
-          </p:txBody>
-        </p:sp>
-      </p:grpSp>
-    </p:spTree>
-  </p:cSld>
-  <p:clrMapOvr>
-    <a:masterClrMapping/>
-  </p:clrMapOvr>
-</p:sld>
-</file>
-
-<file path=ppt/slides/slide30.xml><?xml version="1.0" encoding="utf-8"?>
+<file path=ppt/slides/slide32.xml><?xml version="1.0" encoding="utf-8"?>
 <p:sld xmlns:a="http://schemas.openxmlformats.org/drawingml/2006/main" xmlns:r="http://schemas.openxmlformats.org/officeDocument/2006/relationships" xmlns:p="http://schemas.openxmlformats.org/presentationml/2006/main">
   <p:cSld>
     <p:spTree>
@@ -48389,8 +48777,8 @@
             </a:p>
           </p:txBody>
         </p:sp>
-        <mc:AlternateContent xmlns:mc="http://schemas.openxmlformats.org/markup-compatibility/2006">
-          <mc:Choice xmlns:a14="http://schemas.microsoft.com/office/drawing/2010/main" Requires="a14">
+        <mc:AlternateContent xmlns:mc="http://schemas.openxmlformats.org/markup-compatibility/2006" xmlns:a14="http://schemas.microsoft.com/office/drawing/2010/main">
+          <mc:Choice Requires="a14">
             <p:sp>
               <p:nvSpPr>
                 <p:cNvPr id="27" name="Object 4">
@@ -48470,7 +48858,7 @@
               </p:txBody>
             </p:sp>
           </mc:Choice>
-          <mc:Fallback>
+          <mc:Fallback xmlns="">
             <p:sp>
               <p:nvSpPr>
                 <p:cNvPr id="27" name="Object 4">
@@ -48554,8 +48942,8 @@
             </a:p>
           </p:txBody>
         </p:sp>
-        <mc:AlternateContent xmlns:mc="http://schemas.openxmlformats.org/markup-compatibility/2006">
-          <mc:Choice xmlns:a14="http://schemas.microsoft.com/office/drawing/2010/main" Requires="a14">
+        <mc:AlternateContent xmlns:mc="http://schemas.openxmlformats.org/markup-compatibility/2006" xmlns:a14="http://schemas.microsoft.com/office/drawing/2010/main">
+          <mc:Choice Requires="a14">
             <p:sp>
               <p:nvSpPr>
                 <p:cNvPr id="29" name="Object 5">
@@ -48617,7 +49005,7 @@
               </p:txBody>
             </p:sp>
           </mc:Choice>
-          <mc:Fallback>
+          <mc:Fallback xmlns="">
             <p:sp>
               <p:nvSpPr>
                 <p:cNvPr id="29" name="Object 5">
@@ -48676,7 +49064,7 @@
 </p:sld>
 </file>
 
-<file path=ppt/slides/slide31.xml><?xml version="1.0" encoding="utf-8"?>
+<file path=ppt/slides/slide33.xml><?xml version="1.0" encoding="utf-8"?>
 <p:sld xmlns:a="http://schemas.openxmlformats.org/drawingml/2006/main" xmlns:r="http://schemas.openxmlformats.org/officeDocument/2006/relationships" xmlns:p="http://schemas.openxmlformats.org/presentationml/2006/main">
   <p:cSld>
     <p:spTree>
@@ -50230,8 +50618,8 @@
             </a:p>
           </p:txBody>
         </p:sp>
-        <mc:AlternateContent xmlns:mc="http://schemas.openxmlformats.org/markup-compatibility/2006">
-          <mc:Choice xmlns:a14="http://schemas.microsoft.com/office/drawing/2010/main" Requires="a14">
+        <mc:AlternateContent xmlns:mc="http://schemas.openxmlformats.org/markup-compatibility/2006" xmlns:a14="http://schemas.microsoft.com/office/drawing/2010/main">
+          <mc:Choice Requires="a14">
             <p:sp>
               <p:nvSpPr>
                 <p:cNvPr id="27" name="Object 4">
@@ -50311,7 +50699,7 @@
               </p:txBody>
             </p:sp>
           </mc:Choice>
-          <mc:Fallback>
+          <mc:Fallback xmlns="">
             <p:sp>
               <p:nvSpPr>
                 <p:cNvPr id="27" name="Object 4">
@@ -50395,8 +50783,8 @@
             </a:p>
           </p:txBody>
         </p:sp>
-        <mc:AlternateContent xmlns:mc="http://schemas.openxmlformats.org/markup-compatibility/2006">
-          <mc:Choice xmlns:a14="http://schemas.microsoft.com/office/drawing/2010/main" Requires="a14">
+        <mc:AlternateContent xmlns:mc="http://schemas.openxmlformats.org/markup-compatibility/2006" xmlns:a14="http://schemas.microsoft.com/office/drawing/2010/main">
+          <mc:Choice Requires="a14">
             <p:sp>
               <p:nvSpPr>
                 <p:cNvPr id="29" name="Object 5">
@@ -50458,7 +50846,7 @@
               </p:txBody>
             </p:sp>
           </mc:Choice>
-          <mc:Fallback>
+          <mc:Fallback xmlns="">
             <p:sp>
               <p:nvSpPr>
                 <p:cNvPr id="29" name="Object 5">
@@ -51777,6 +52165,700 @@
 </file>
 
 <file path=ppt/slides/slide7.xml><?xml version="1.0" encoding="utf-8"?>
+<p:sld xmlns:a="http://schemas.openxmlformats.org/drawingml/2006/main" xmlns:r="http://schemas.openxmlformats.org/officeDocument/2006/relationships" xmlns:p="http://schemas.openxmlformats.org/presentationml/2006/main">
+  <p:cSld>
+    <p:spTree>
+      <p:nvGrpSpPr>
+        <p:cNvPr id="1" name="">
+          <a:extLst>
+            <a:ext uri="{FF2B5EF4-FFF2-40B4-BE49-F238E27FC236}">
+              <a16:creationId xmlns:a16="http://schemas.microsoft.com/office/drawing/2014/main" id="{1119A7DC-C654-DC58-4483-916A3FD3CCBC}"/>
+            </a:ext>
+          </a:extLst>
+        </p:cNvPr>
+        <p:cNvGrpSpPr/>
+        <p:nvPr/>
+      </p:nvGrpSpPr>
+      <p:grpSpPr>
+        <a:xfrm>
+          <a:off x="0" y="0"/>
+          <a:ext cx="0" cy="0"/>
+          <a:chOff x="0" y="0"/>
+          <a:chExt cx="0" cy="0"/>
+        </a:xfrm>
+      </p:grpSpPr>
+      <p:grpSp>
+        <p:nvGrpSpPr>
+          <p:cNvPr id="2" name="Group 1">
+            <a:extLst>
+              <a:ext uri="{FF2B5EF4-FFF2-40B4-BE49-F238E27FC236}">
+                <a16:creationId xmlns:a16="http://schemas.microsoft.com/office/drawing/2014/main" id="{51AD2358-3A8F-9081-4035-963EE59DC610}"/>
+              </a:ext>
+            </a:extLst>
+          </p:cNvPr>
+          <p:cNvGrpSpPr/>
+          <p:nvPr/>
+        </p:nvGrpSpPr>
+        <p:grpSpPr>
+          <a:xfrm>
+            <a:off x="1310640" y="426720"/>
+            <a:ext cx="5532120" cy="5745480"/>
+            <a:chOff x="1310640" y="426720"/>
+            <a:chExt cx="5532120" cy="5745480"/>
+          </a:xfrm>
+        </p:grpSpPr>
+        <p:sp>
+          <p:nvSpPr>
+            <p:cNvPr id="12" name="Rectangle 11">
+              <a:extLst>
+                <a:ext uri="{FF2B5EF4-FFF2-40B4-BE49-F238E27FC236}">
+                  <a16:creationId xmlns:a16="http://schemas.microsoft.com/office/drawing/2014/main" id="{8971B426-8ACE-48F4-0693-3A23DBE60237}"/>
+                </a:ext>
+              </a:extLst>
+            </p:cNvPr>
+            <p:cNvSpPr/>
+            <p:nvPr/>
+          </p:nvSpPr>
+          <p:spPr>
+            <a:xfrm>
+              <a:off x="3108960" y="1981200"/>
+              <a:ext cx="2453640" cy="3855720"/>
+            </a:xfrm>
+            <a:prstGeom prst="rect">
+              <a:avLst/>
+            </a:prstGeom>
+            <a:solidFill>
+              <a:schemeClr val="accent1">
+                <a:lumMod val="20000"/>
+                <a:lumOff val="80000"/>
+              </a:schemeClr>
+            </a:solidFill>
+          </p:spPr>
+          <p:style>
+            <a:lnRef idx="2">
+              <a:schemeClr val="accent1">
+                <a:shade val="50000"/>
+              </a:schemeClr>
+            </a:lnRef>
+            <a:fillRef idx="1">
+              <a:schemeClr val="accent1"/>
+            </a:fillRef>
+            <a:effectRef idx="0">
+              <a:schemeClr val="accent1"/>
+            </a:effectRef>
+            <a:fontRef idx="minor">
+              <a:schemeClr val="lt1"/>
+            </a:fontRef>
+          </p:style>
+          <p:txBody>
+            <a:bodyPr rtlCol="0" anchor="ctr"/>
+            <a:lstStyle/>
+            <a:p>
+              <a:pPr algn="ctr"/>
+              <a:endParaRPr lang="en-US"/>
+            </a:p>
+          </p:txBody>
+        </p:sp>
+        <p:sp>
+          <p:nvSpPr>
+            <p:cNvPr id="14" name="TextBox 13">
+              <a:extLst>
+                <a:ext uri="{FF2B5EF4-FFF2-40B4-BE49-F238E27FC236}">
+                  <a16:creationId xmlns:a16="http://schemas.microsoft.com/office/drawing/2014/main" id="{AA796D82-AD98-A38B-EA02-065C44440497}"/>
+                </a:ext>
+              </a:extLst>
+            </p:cNvPr>
+            <p:cNvSpPr txBox="1"/>
+            <p:nvPr/>
+          </p:nvSpPr>
+          <p:spPr>
+            <a:xfrm>
+              <a:off x="4709160" y="426720"/>
+              <a:ext cx="1715213" cy="523220"/>
+            </a:xfrm>
+            <a:prstGeom prst="rect">
+              <a:avLst/>
+            </a:prstGeom>
+            <a:noFill/>
+          </p:spPr>
+          <p:txBody>
+            <a:bodyPr wrap="none" rtlCol="0">
+              <a:spAutoFit/>
+            </a:bodyPr>
+            <a:lstStyle/>
+            <a:p>
+              <a:r>
+                <a:rPr lang="en-US" sz="2800" dirty="0"/>
+                <a:t>Conductor</a:t>
+              </a:r>
+            </a:p>
+          </p:txBody>
+        </p:sp>
+        <p:cxnSp>
+          <p:nvCxnSpPr>
+            <p:cNvPr id="5" name="Straight Arrow Connector 4">
+              <a:extLst>
+                <a:ext uri="{FF2B5EF4-FFF2-40B4-BE49-F238E27FC236}">
+                  <a16:creationId xmlns:a16="http://schemas.microsoft.com/office/drawing/2014/main" id="{85BF6BB9-5A14-3878-8CB8-0A436BD5E3A2}"/>
+                </a:ext>
+              </a:extLst>
+            </p:cNvPr>
+            <p:cNvCxnSpPr/>
+            <p:nvPr/>
+          </p:nvCxnSpPr>
+          <p:spPr>
+            <a:xfrm>
+              <a:off x="1783080" y="2514600"/>
+              <a:ext cx="5044440" cy="0"/>
+            </a:xfrm>
+            <a:prstGeom prst="straightConnector1">
+              <a:avLst/>
+            </a:prstGeom>
+            <a:ln w="28575">
+              <a:solidFill>
+                <a:srgbClr val="FFC000"/>
+              </a:solidFill>
+              <a:tailEnd type="arrow"/>
+            </a:ln>
+          </p:spPr>
+          <p:style>
+            <a:lnRef idx="1">
+              <a:schemeClr val="accent1"/>
+            </a:lnRef>
+            <a:fillRef idx="0">
+              <a:schemeClr val="accent1"/>
+            </a:fillRef>
+            <a:effectRef idx="0">
+              <a:schemeClr val="accent1"/>
+            </a:effectRef>
+            <a:fontRef idx="minor">
+              <a:schemeClr val="tx1"/>
+            </a:fontRef>
+          </p:style>
+        </p:cxnSp>
+        <p:cxnSp>
+          <p:nvCxnSpPr>
+            <p:cNvPr id="7" name="Straight Arrow Connector 6">
+              <a:extLst>
+                <a:ext uri="{FF2B5EF4-FFF2-40B4-BE49-F238E27FC236}">
+                  <a16:creationId xmlns:a16="http://schemas.microsoft.com/office/drawing/2014/main" id="{BBC5E6BE-C033-7737-9420-6EE65AD9A21A}"/>
+                </a:ext>
+              </a:extLst>
+            </p:cNvPr>
+            <p:cNvCxnSpPr/>
+            <p:nvPr/>
+          </p:nvCxnSpPr>
+          <p:spPr>
+            <a:xfrm>
+              <a:off x="1783080" y="3413760"/>
+              <a:ext cx="5044440" cy="0"/>
+            </a:xfrm>
+            <a:prstGeom prst="straightConnector1">
+              <a:avLst/>
+            </a:prstGeom>
+            <a:ln w="28575">
+              <a:solidFill>
+                <a:srgbClr val="FFC000"/>
+              </a:solidFill>
+              <a:tailEnd type="arrow"/>
+            </a:ln>
+          </p:spPr>
+          <p:style>
+            <a:lnRef idx="1">
+              <a:schemeClr val="accent1"/>
+            </a:lnRef>
+            <a:fillRef idx="0">
+              <a:schemeClr val="accent1"/>
+            </a:fillRef>
+            <a:effectRef idx="0">
+              <a:schemeClr val="accent1"/>
+            </a:effectRef>
+            <a:fontRef idx="minor">
+              <a:schemeClr val="tx1"/>
+            </a:fontRef>
+          </p:style>
+        </p:cxnSp>
+        <p:cxnSp>
+          <p:nvCxnSpPr>
+            <p:cNvPr id="8" name="Straight Arrow Connector 7">
+              <a:extLst>
+                <a:ext uri="{FF2B5EF4-FFF2-40B4-BE49-F238E27FC236}">
+                  <a16:creationId xmlns:a16="http://schemas.microsoft.com/office/drawing/2014/main" id="{66D876A5-67CC-1136-F4DB-46B46C0A3776}"/>
+                </a:ext>
+              </a:extLst>
+            </p:cNvPr>
+            <p:cNvCxnSpPr/>
+            <p:nvPr/>
+          </p:nvCxnSpPr>
+          <p:spPr>
+            <a:xfrm>
+              <a:off x="1783080" y="1584960"/>
+              <a:ext cx="5044440" cy="0"/>
+            </a:xfrm>
+            <a:prstGeom prst="straightConnector1">
+              <a:avLst/>
+            </a:prstGeom>
+            <a:ln w="28575">
+              <a:solidFill>
+                <a:srgbClr val="FFC000"/>
+              </a:solidFill>
+              <a:tailEnd type="arrow"/>
+            </a:ln>
+          </p:spPr>
+          <p:style>
+            <a:lnRef idx="1">
+              <a:schemeClr val="accent1"/>
+            </a:lnRef>
+            <a:fillRef idx="0">
+              <a:schemeClr val="accent1"/>
+            </a:fillRef>
+            <a:effectRef idx="0">
+              <a:schemeClr val="accent1"/>
+            </a:effectRef>
+            <a:fontRef idx="minor">
+              <a:schemeClr val="tx1"/>
+            </a:fontRef>
+          </p:style>
+        </p:cxnSp>
+        <p:cxnSp>
+          <p:nvCxnSpPr>
+            <p:cNvPr id="9" name="Straight Arrow Connector 8">
+              <a:extLst>
+                <a:ext uri="{FF2B5EF4-FFF2-40B4-BE49-F238E27FC236}">
+                  <a16:creationId xmlns:a16="http://schemas.microsoft.com/office/drawing/2014/main" id="{3839C632-DDD0-DAE0-1BE8-5231AE0AF288}"/>
+                </a:ext>
+              </a:extLst>
+            </p:cNvPr>
+            <p:cNvCxnSpPr/>
+            <p:nvPr/>
+          </p:nvCxnSpPr>
+          <p:spPr>
+            <a:xfrm>
+              <a:off x="1783080" y="4312920"/>
+              <a:ext cx="5044440" cy="0"/>
+            </a:xfrm>
+            <a:prstGeom prst="straightConnector1">
+              <a:avLst/>
+            </a:prstGeom>
+            <a:ln w="28575">
+              <a:solidFill>
+                <a:srgbClr val="FFC000"/>
+              </a:solidFill>
+              <a:tailEnd type="arrow"/>
+            </a:ln>
+          </p:spPr>
+          <p:style>
+            <a:lnRef idx="1">
+              <a:schemeClr val="accent1"/>
+            </a:lnRef>
+            <a:fillRef idx="0">
+              <a:schemeClr val="accent1"/>
+            </a:fillRef>
+            <a:effectRef idx="0">
+              <a:schemeClr val="accent1"/>
+            </a:effectRef>
+            <a:fontRef idx="minor">
+              <a:schemeClr val="tx1"/>
+            </a:fontRef>
+          </p:style>
+        </p:cxnSp>
+        <p:cxnSp>
+          <p:nvCxnSpPr>
+            <p:cNvPr id="10" name="Straight Arrow Connector 9">
+              <a:extLst>
+                <a:ext uri="{FF2B5EF4-FFF2-40B4-BE49-F238E27FC236}">
+                  <a16:creationId xmlns:a16="http://schemas.microsoft.com/office/drawing/2014/main" id="{AE2D58F9-A3C8-B5B0-23C6-766FDA581AE6}"/>
+                </a:ext>
+              </a:extLst>
+            </p:cNvPr>
+            <p:cNvCxnSpPr/>
+            <p:nvPr/>
+          </p:nvCxnSpPr>
+          <p:spPr>
+            <a:xfrm>
+              <a:off x="1798320" y="5242560"/>
+              <a:ext cx="5044440" cy="0"/>
+            </a:xfrm>
+            <a:prstGeom prst="straightConnector1">
+              <a:avLst/>
+            </a:prstGeom>
+            <a:ln w="28575">
+              <a:solidFill>
+                <a:srgbClr val="FFC000"/>
+              </a:solidFill>
+              <a:tailEnd type="arrow"/>
+            </a:ln>
+          </p:spPr>
+          <p:style>
+            <a:lnRef idx="1">
+              <a:schemeClr val="accent1"/>
+            </a:lnRef>
+            <a:fillRef idx="0">
+              <a:schemeClr val="accent1"/>
+            </a:fillRef>
+            <a:effectRef idx="0">
+              <a:schemeClr val="accent1"/>
+            </a:effectRef>
+            <a:fontRef idx="minor">
+              <a:schemeClr val="tx1"/>
+            </a:fontRef>
+          </p:style>
+        </p:cxnSp>
+        <p:cxnSp>
+          <p:nvCxnSpPr>
+            <p:cNvPr id="11" name="Straight Arrow Connector 10">
+              <a:extLst>
+                <a:ext uri="{FF2B5EF4-FFF2-40B4-BE49-F238E27FC236}">
+                  <a16:creationId xmlns:a16="http://schemas.microsoft.com/office/drawing/2014/main" id="{B68586F5-576F-56A8-9D4F-4706AC74D817}"/>
+                </a:ext>
+              </a:extLst>
+            </p:cNvPr>
+            <p:cNvCxnSpPr/>
+            <p:nvPr/>
+          </p:nvCxnSpPr>
+          <p:spPr>
+            <a:xfrm>
+              <a:off x="1783080" y="6172200"/>
+              <a:ext cx="5044440" cy="0"/>
+            </a:xfrm>
+            <a:prstGeom prst="straightConnector1">
+              <a:avLst/>
+            </a:prstGeom>
+            <a:ln w="28575">
+              <a:solidFill>
+                <a:srgbClr val="FFC000"/>
+              </a:solidFill>
+              <a:tailEnd type="arrow"/>
+            </a:ln>
+          </p:spPr>
+          <p:style>
+            <a:lnRef idx="1">
+              <a:schemeClr val="accent1"/>
+            </a:lnRef>
+            <a:fillRef idx="0">
+              <a:schemeClr val="accent1"/>
+            </a:fillRef>
+            <a:effectRef idx="0">
+              <a:schemeClr val="accent1"/>
+            </a:effectRef>
+            <a:fontRef idx="minor">
+              <a:schemeClr val="tx1"/>
+            </a:fontRef>
+          </p:style>
+        </p:cxnSp>
+        <p:sp>
+          <p:nvSpPr>
+            <p:cNvPr id="13" name="TextBox 12">
+              <a:extLst>
+                <a:ext uri="{FF2B5EF4-FFF2-40B4-BE49-F238E27FC236}">
+                  <a16:creationId xmlns:a16="http://schemas.microsoft.com/office/drawing/2014/main" id="{D8D1DD89-E903-CEF2-2EAC-29C68EF26F2F}"/>
+                </a:ext>
+              </a:extLst>
+            </p:cNvPr>
+            <p:cNvSpPr txBox="1"/>
+            <p:nvPr/>
+          </p:nvSpPr>
+          <p:spPr>
+            <a:xfrm>
+              <a:off x="1310640" y="1188720"/>
+              <a:ext cx="460382" cy="769441"/>
+            </a:xfrm>
+            <a:prstGeom prst="rect">
+              <a:avLst/>
+            </a:prstGeom>
+            <a:noFill/>
+          </p:spPr>
+          <p:txBody>
+            <a:bodyPr wrap="none" rtlCol="0">
+              <a:spAutoFit/>
+            </a:bodyPr>
+            <a:lstStyle/>
+            <a:p>
+              <a:r>
+                <a:rPr lang="en-US" sz="4400" i="1" dirty="0">
+                  <a:solidFill>
+                    <a:srgbClr val="FFC000"/>
+                  </a:solidFill>
+                </a:rPr>
+                <a:t>E</a:t>
+              </a:r>
+            </a:p>
+          </p:txBody>
+        </p:sp>
+        <p:sp>
+          <p:nvSpPr>
+            <p:cNvPr id="15" name="Freeform 14">
+              <a:extLst>
+                <a:ext uri="{FF2B5EF4-FFF2-40B4-BE49-F238E27FC236}">
+                  <a16:creationId xmlns:a16="http://schemas.microsoft.com/office/drawing/2014/main" id="{45434F99-BD6A-2866-629B-46222AD61849}"/>
+                </a:ext>
+              </a:extLst>
+            </p:cNvPr>
+            <p:cNvSpPr/>
+            <p:nvPr/>
+          </p:nvSpPr>
+          <p:spPr>
+            <a:xfrm>
+              <a:off x="4663440" y="960120"/>
+              <a:ext cx="640080" cy="1295400"/>
+            </a:xfrm>
+            <a:custGeom>
+              <a:avLst/>
+              <a:gdLst>
+                <a:gd name="connsiteX0" fmla="*/ 609600 w 640080"/>
+                <a:gd name="connsiteY0" fmla="*/ 0 h 1295400"/>
+                <a:gd name="connsiteX1" fmla="*/ 563880 w 640080"/>
+                <a:gd name="connsiteY1" fmla="*/ 76200 h 1295400"/>
+                <a:gd name="connsiteX2" fmla="*/ 457200 w 640080"/>
+                <a:gd name="connsiteY2" fmla="*/ 304800 h 1295400"/>
+                <a:gd name="connsiteX3" fmla="*/ 563880 w 640080"/>
+                <a:gd name="connsiteY3" fmla="*/ 274320 h 1295400"/>
+                <a:gd name="connsiteX4" fmla="*/ 0 w 640080"/>
+                <a:gd name="connsiteY4" fmla="*/ 1295400 h 1295400"/>
+                <a:gd name="connsiteX5" fmla="*/ 0 w 640080"/>
+                <a:gd name="connsiteY5" fmla="*/ 1295400 h 1295400"/>
+              </a:gdLst>
+              <a:ahLst/>
+              <a:cxnLst>
+                <a:cxn ang="0">
+                  <a:pos x="connsiteX0" y="connsiteY0"/>
+                </a:cxn>
+                <a:cxn ang="0">
+                  <a:pos x="connsiteX1" y="connsiteY1"/>
+                </a:cxn>
+                <a:cxn ang="0">
+                  <a:pos x="connsiteX2" y="connsiteY2"/>
+                </a:cxn>
+                <a:cxn ang="0">
+                  <a:pos x="connsiteX3" y="connsiteY3"/>
+                </a:cxn>
+                <a:cxn ang="0">
+                  <a:pos x="connsiteX4" y="connsiteY4"/>
+                </a:cxn>
+                <a:cxn ang="0">
+                  <a:pos x="connsiteX5" y="connsiteY5"/>
+                </a:cxn>
+              </a:cxnLst>
+              <a:rect l="l" t="t" r="r" b="b"/>
+              <a:pathLst>
+                <a:path w="640080" h="1295400">
+                  <a:moveTo>
+                    <a:pt x="609600" y="0"/>
+                  </a:moveTo>
+                  <a:cubicBezTo>
+                    <a:pt x="599440" y="12700"/>
+                    <a:pt x="589280" y="25400"/>
+                    <a:pt x="563880" y="76200"/>
+                  </a:cubicBezTo>
+                  <a:cubicBezTo>
+                    <a:pt x="538480" y="127000"/>
+                    <a:pt x="457200" y="271780"/>
+                    <a:pt x="457200" y="304800"/>
+                  </a:cubicBezTo>
+                  <a:cubicBezTo>
+                    <a:pt x="457200" y="337820"/>
+                    <a:pt x="640080" y="109220"/>
+                    <a:pt x="563880" y="274320"/>
+                  </a:cubicBezTo>
+                  <a:cubicBezTo>
+                    <a:pt x="487680" y="439420"/>
+                    <a:pt x="0" y="1295400"/>
+                    <a:pt x="0" y="1295400"/>
+                  </a:cubicBezTo>
+                  <a:lnTo>
+                    <a:pt x="0" y="1295400"/>
+                  </a:lnTo>
+                </a:path>
+              </a:pathLst>
+            </a:custGeom>
+            <a:ln>
+              <a:solidFill>
+                <a:schemeClr val="tx1"/>
+              </a:solidFill>
+              <a:tailEnd type="arrow"/>
+            </a:ln>
+          </p:spPr>
+          <p:style>
+            <a:lnRef idx="1">
+              <a:schemeClr val="accent1"/>
+            </a:lnRef>
+            <a:fillRef idx="0">
+              <a:schemeClr val="accent1"/>
+            </a:fillRef>
+            <a:effectRef idx="0">
+              <a:schemeClr val="accent1"/>
+            </a:effectRef>
+            <a:fontRef idx="minor">
+              <a:schemeClr val="tx1"/>
+            </a:fontRef>
+          </p:style>
+          <p:txBody>
+            <a:bodyPr rtlCol="0" anchor="ctr"/>
+            <a:lstStyle/>
+            <a:p>
+              <a:pPr algn="ctr"/>
+              <a:endParaRPr lang="en-US"/>
+            </a:p>
+          </p:txBody>
+        </p:sp>
+      </p:grpSp>
+      <p:sp>
+        <p:nvSpPr>
+          <p:cNvPr id="3" name="Oval 2">
+            <a:extLst>
+              <a:ext uri="{FF2B5EF4-FFF2-40B4-BE49-F238E27FC236}">
+                <a16:creationId xmlns:a16="http://schemas.microsoft.com/office/drawing/2014/main" id="{2C52FF6B-314F-5622-505F-BAB6DAFFF893}"/>
+              </a:ext>
+            </a:extLst>
+          </p:cNvPr>
+          <p:cNvSpPr/>
+          <p:nvPr/>
+        </p:nvSpPr>
+        <p:spPr>
+          <a:xfrm>
+            <a:off x="4875072" y="2880360"/>
+            <a:ext cx="216816" cy="216813"/>
+          </a:xfrm>
+          <a:prstGeom prst="ellipse">
+            <a:avLst/>
+          </a:prstGeom>
+        </p:spPr>
+        <p:style>
+          <a:lnRef idx="2">
+            <a:schemeClr val="accent1">
+              <a:shade val="15000"/>
+            </a:schemeClr>
+          </a:lnRef>
+          <a:fillRef idx="1">
+            <a:schemeClr val="accent1"/>
+          </a:fillRef>
+          <a:effectRef idx="0">
+            <a:schemeClr val="accent1"/>
+          </a:effectRef>
+          <a:fontRef idx="minor">
+            <a:schemeClr val="lt1"/>
+          </a:fontRef>
+        </p:style>
+        <p:txBody>
+          <a:bodyPr rtlCol="0" anchor="ctr"/>
+          <a:lstStyle/>
+          <a:p>
+            <a:pPr algn="ctr"/>
+            <a:r>
+              <a:rPr lang="en-US" sz="2400" dirty="0"/>
+              <a:t>-</a:t>
+            </a:r>
+          </a:p>
+        </p:txBody>
+      </p:sp>
+      <p:cxnSp>
+        <p:nvCxnSpPr>
+          <p:cNvPr id="6" name="Straight Arrow Connector 5">
+            <a:extLst>
+              <a:ext uri="{FF2B5EF4-FFF2-40B4-BE49-F238E27FC236}">
+                <a16:creationId xmlns:a16="http://schemas.microsoft.com/office/drawing/2014/main" id="{77F4F071-5E5E-125A-741B-80A0C57E01B3}"/>
+              </a:ext>
+            </a:extLst>
+          </p:cNvPr>
+          <p:cNvCxnSpPr/>
+          <p:nvPr/>
+        </p:nvCxnSpPr>
+        <p:spPr>
+          <a:xfrm flipH="1">
+            <a:off x="4213781" y="2978870"/>
+            <a:ext cx="631596" cy="0"/>
+          </a:xfrm>
+          <a:prstGeom prst="straightConnector1">
+            <a:avLst/>
+          </a:prstGeom>
+          <a:ln w="28575">
+            <a:solidFill>
+              <a:srgbClr val="FF0000"/>
+            </a:solidFill>
+            <a:tailEnd type="triangle"/>
+          </a:ln>
+        </p:spPr>
+        <p:style>
+          <a:lnRef idx="1">
+            <a:schemeClr val="accent1"/>
+          </a:lnRef>
+          <a:fillRef idx="0">
+            <a:schemeClr val="accent1"/>
+          </a:fillRef>
+          <a:effectRef idx="0">
+            <a:schemeClr val="accent1"/>
+          </a:effectRef>
+          <a:fontRef idx="minor">
+            <a:schemeClr val="tx1"/>
+          </a:fontRef>
+        </p:style>
+      </p:cxnSp>
+      <p:sp>
+        <p:nvSpPr>
+          <p:cNvPr id="16" name="TextBox 15">
+            <a:extLst>
+              <a:ext uri="{FF2B5EF4-FFF2-40B4-BE49-F238E27FC236}">
+                <a16:creationId xmlns:a16="http://schemas.microsoft.com/office/drawing/2014/main" id="{76CE8DCF-2B6A-DE76-C7E2-ECAA830F5158}"/>
+              </a:ext>
+            </a:extLst>
+          </p:cNvPr>
+          <p:cNvSpPr txBox="1"/>
+          <p:nvPr/>
+        </p:nvSpPr>
+        <p:spPr>
+          <a:xfrm>
+            <a:off x="4023521" y="2563777"/>
+            <a:ext cx="639919" cy="369332"/>
+          </a:xfrm>
+          <a:prstGeom prst="rect">
+            <a:avLst/>
+          </a:prstGeom>
+          <a:noFill/>
+        </p:spPr>
+        <p:txBody>
+          <a:bodyPr wrap="none" rtlCol="0">
+            <a:spAutoFit/>
+          </a:bodyPr>
+          <a:lstStyle/>
+          <a:p>
+            <a:r>
+              <a:rPr lang="en-US" dirty="0">
+                <a:solidFill>
+                  <a:srgbClr val="FF0000"/>
+                </a:solidFill>
+              </a:rPr>
+              <a:t>F=</a:t>
+            </a:r>
+            <a:r>
+              <a:rPr lang="en-US" dirty="0" err="1">
+                <a:solidFill>
+                  <a:srgbClr val="FF0000"/>
+                </a:solidFill>
+              </a:rPr>
+              <a:t>qE</a:t>
+            </a:r>
+            <a:endParaRPr lang="en-US" dirty="0">
+              <a:solidFill>
+                <a:srgbClr val="FF0000"/>
+              </a:solidFill>
+            </a:endParaRPr>
+          </a:p>
+        </p:txBody>
+      </p:sp>
+    </p:spTree>
+    <p:extLst>
+      <p:ext uri="{BB962C8B-B14F-4D97-AF65-F5344CB8AC3E}">
+        <p14:creationId xmlns:p14="http://schemas.microsoft.com/office/powerpoint/2010/main" val="3938906037"/>
+      </p:ext>
+    </p:extLst>
+  </p:cSld>
+  <p:clrMapOvr>
+    <a:masterClrMapping/>
+  </p:clrMapOvr>
+</p:sld>
+</file>
+
+<file path=ppt/slides/slide8.xml><?xml version="1.0" encoding="utf-8"?>
 <p:sld xmlns:a="http://schemas.openxmlformats.org/drawingml/2006/main" xmlns:r="http://schemas.openxmlformats.org/officeDocument/2006/relationships" xmlns:p="http://schemas.openxmlformats.org/presentationml/2006/main">
   <p:cSld>
     <p:spTree>
@@ -53108,7 +54190,7 @@
 </p:sld>
 </file>
 
-<file path=ppt/slides/slide8.xml><?xml version="1.0" encoding="utf-8"?>
+<file path=ppt/slides/slide9.xml><?xml version="1.0" encoding="utf-8"?>
 <p:sld xmlns:a="http://schemas.openxmlformats.org/drawingml/2006/main" xmlns:r="http://schemas.openxmlformats.org/officeDocument/2006/relationships" xmlns:p="http://schemas.openxmlformats.org/presentationml/2006/main">
   <p:cSld>
     <p:spTree>
@@ -53218,147 +54300,6 @@
             <a:r>
               <a:rPr lang="en-US" dirty="0"/>
               <a:t>With a charge gradient that goes from zero at the center to a maximum at the surface.</a:t>
-            </a:r>
-          </a:p>
-        </p:txBody>
-      </p:sp>
-      <p:sp>
-        <p:nvSpPr>
-          <p:cNvPr id="4" name="Slide Number Placeholder 3"/>
-          <p:cNvSpPr>
-            <a:spLocks noGrp="1"/>
-          </p:cNvSpPr>
-          <p:nvPr>
-            <p:ph type="sldNum" sz="quarter" idx="12"/>
-          </p:nvPr>
-        </p:nvSpPr>
-        <p:spPr/>
-        <p:txBody>
-          <a:bodyPr/>
-          <a:lstStyle/>
-          <a:p>
-            <a:pPr>
-              <a:defRPr/>
-            </a:pPr>
-            <a:fld id="{64137B81-8888-4253-92EC-0AED2A590749}" type="slidenum">
-              <a:rPr lang="en-US" smtClean="0"/>
-              <a:pPr>
-                <a:defRPr/>
-              </a:pPr>
-              <a:t>8</a:t>
-            </a:fld>
-            <a:endParaRPr lang="en-US"/>
-          </a:p>
-        </p:txBody>
-      </p:sp>
-    </p:spTree>
-  </p:cSld>
-  <p:clrMapOvr>
-    <a:masterClrMapping/>
-  </p:clrMapOvr>
-</p:sld>
-</file>
-
-<file path=ppt/slides/slide9.xml><?xml version="1.0" encoding="utf-8"?>
-<p:sld xmlns:a="http://schemas.openxmlformats.org/drawingml/2006/main" xmlns:r="http://schemas.openxmlformats.org/officeDocument/2006/relationships" xmlns:p="http://schemas.openxmlformats.org/presentationml/2006/main">
-  <p:cSld>
-    <p:spTree>
-      <p:nvGrpSpPr>
-        <p:cNvPr id="1" name=""/>
-        <p:cNvGrpSpPr/>
-        <p:nvPr/>
-      </p:nvGrpSpPr>
-      <p:grpSpPr>
-        <a:xfrm>
-          <a:off x="0" y="0"/>
-          <a:ext cx="0" cy="0"/>
-          <a:chOff x="0" y="0"/>
-          <a:chExt cx="0" cy="0"/>
-        </a:xfrm>
-      </p:grpSpPr>
-      <p:sp>
-        <p:nvSpPr>
-          <p:cNvPr id="2" name="Title 1"/>
-          <p:cNvSpPr>
-            <a:spLocks noGrp="1"/>
-          </p:cNvSpPr>
-          <p:nvPr>
-            <p:ph type="title"/>
-          </p:nvPr>
-        </p:nvSpPr>
-        <p:spPr/>
-        <p:txBody>
-          <a:bodyPr/>
-          <a:lstStyle/>
-          <a:p>
-            <a:r>
-              <a:rPr lang="en-US" dirty="0"/>
-              <a:t>Question 223.28.2</a:t>
-            </a:r>
-          </a:p>
-        </p:txBody>
-      </p:sp>
-      <p:sp>
-        <p:nvSpPr>
-          <p:cNvPr id="3" name="Content Placeholder 2"/>
-          <p:cNvSpPr>
-            <a:spLocks noGrp="1"/>
-          </p:cNvSpPr>
-          <p:nvPr>
-            <p:ph idx="1"/>
-          </p:nvPr>
-        </p:nvSpPr>
-        <p:spPr/>
-        <p:txBody>
-          <a:bodyPr/>
-          <a:lstStyle/>
-          <a:p>
-            <a:pPr>
-              <a:buNone/>
-            </a:pPr>
-            <a:r>
-              <a:rPr lang="en-US" dirty="0"/>
-              <a:t>The field inside a conductor in electrostatic equilibrium is </a:t>
-            </a:r>
-          </a:p>
-          <a:p>
-            <a:pPr marL="514350" indent="-514350">
-              <a:buFont typeface="+mj-lt"/>
-              <a:buAutoNum type="alphaLcParenR"/>
-            </a:pPr>
-            <a:r>
-              <a:rPr lang="en-US" dirty="0"/>
-              <a:t>Zero</a:t>
-            </a:r>
-          </a:p>
-          <a:p>
-            <a:pPr marL="514350" indent="-514350">
-              <a:buFont typeface="+mj-lt"/>
-              <a:buAutoNum type="alphaLcParenR"/>
-            </a:pPr>
-            <a:r>
-              <a:rPr lang="en-US" dirty="0"/>
-              <a:t>Maximum at the surface, and minimum at the center of the conductor</a:t>
-            </a:r>
-          </a:p>
-          <a:p>
-            <a:pPr marL="514350" indent="-514350">
-              <a:buFont typeface="+mj-lt"/>
-              <a:buAutoNum type="alphaLcParenR"/>
-            </a:pPr>
-            <a:r>
-              <a:rPr lang="en-US" dirty="0"/>
-              <a:t>A constant value</a:t>
-            </a:r>
-          </a:p>
-          <a:p>
-            <a:pPr marL="514350" indent="-514350">
-              <a:buFont typeface="+mj-lt"/>
-              <a:buAutoNum type="alphaLcParenR"/>
-            </a:pPr>
-            <a:r>
-              <a:rPr lang="en-US" dirty="0"/>
-              <a:t>infinite</a:t>
             </a:r>
           </a:p>
         </p:txBody>

--- a/Slides/PH223_Lecture_28.pptx
+++ b/Slides/PH223_Lecture_28.pptx
@@ -158,16 +158,32 @@
 </p:presentation>
 </file>
 
-<file path=ppt/revisionInfo.xml><?xml version="1.0" encoding="utf-8"?>
-<p1510:revInfo xmlns:a="http://schemas.openxmlformats.org/drawingml/2006/main" xmlns:r="http://schemas.openxmlformats.org/officeDocument/2006/relationships" xmlns:p1510="http://schemas.microsoft.com/office/powerpoint/2015/10/main">
-  <p1510:revLst>
-    <p1510:client id="{9C2BBAC0-52CF-4DAD-85FF-3E555682A267}" v="3" dt="2024-02-27T21:44:50.097"/>
-  </p1510:revLst>
-</p1510:revInfo>
-</file>
-
 <file path=ppt/changesInfos/changesInfo1.xml><?xml version="1.0" encoding="utf-8"?>
 <pc:chgInfo xmlns:a="http://schemas.openxmlformats.org/drawingml/2006/main" xmlns:r="http://schemas.openxmlformats.org/officeDocument/2006/relationships" xmlns:ac="http://schemas.microsoft.com/office/drawing/2013/main/command" xmlns:pc="http://schemas.microsoft.com/office/powerpoint/2013/main/command">
+  <pc:docChgLst>
+    <pc:chgData name="Lines, Todd" userId="afaf7c3a-e8aa-4568-882a-02ad8f9e19b0" providerId="ADAL" clId="{8FF6F29E-1B58-4D1E-834D-6957ABC3F69E}"/>
+    <pc:docChg chg="modSld">
+      <pc:chgData name="Lines, Todd" userId="afaf7c3a-e8aa-4568-882a-02ad8f9e19b0" providerId="ADAL" clId="{8FF6F29E-1B58-4D1E-834D-6957ABC3F69E}" dt="2024-06-10T05:16:46.577" v="6" actId="20577"/>
+      <pc:docMkLst>
+        <pc:docMk/>
+      </pc:docMkLst>
+      <pc:sldChg chg="modSp mod">
+        <pc:chgData name="Lines, Todd" userId="afaf7c3a-e8aa-4568-882a-02ad8f9e19b0" providerId="ADAL" clId="{8FF6F29E-1B58-4D1E-834D-6957ABC3F69E}" dt="2024-06-10T05:16:46.577" v="6" actId="20577"/>
+        <pc:sldMkLst>
+          <pc:docMk/>
+          <pc:sldMk cId="1153610580" sldId="1313"/>
+        </pc:sldMkLst>
+        <pc:spChg chg="mod">
+          <ac:chgData name="Lines, Todd" userId="afaf7c3a-e8aa-4568-882a-02ad8f9e19b0" providerId="ADAL" clId="{8FF6F29E-1B58-4D1E-834D-6957ABC3F69E}" dt="2024-06-10T05:16:46.577" v="6" actId="20577"/>
+          <ac:spMkLst>
+            <pc:docMk/>
+            <pc:sldMk cId="1153610580" sldId="1313"/>
+            <ac:spMk id="3" creationId="{FF0822C0-662D-409D-A2C8-46927F95F624}"/>
+          </ac:spMkLst>
+        </pc:spChg>
+      </pc:sldChg>
+    </pc:docChg>
+  </pc:docChgLst>
   <pc:docChgLst>
     <pc:chgData name="Lines, Todd" userId="afaf7c3a-e8aa-4568-882a-02ad8f9e19b0" providerId="ADAL" clId="{9C2BBAC0-52CF-4DAD-85FF-3E555682A267}"/>
     <pc:docChg chg="custSel addSld modSld">
@@ -1315,7 +1331,7 @@
           <a:p>
             <a:fld id="{D3E1B39C-8408-4A2C-B70B-F8834D5B4E3C}" type="datetimeFigureOut">
               <a:rPr lang="en-US" smtClean="0"/>
-              <a:t>2/27/2024</a:t>
+              <a:t>6/9/2024</a:t>
             </a:fld>
             <a:endParaRPr lang="en-US"/>
           </a:p>
@@ -2290,7 +2306,7 @@
             <a:fld id="{1E8C523C-625A-413B-B76F-874F7D5D1BD4}" type="datetimeFigureOut">
               <a:rPr lang="en-US" smtClean="0"/>
               <a:pPr/>
-              <a:t>2/27/2024</a:t>
+              <a:t>6/9/2024</a:t>
             </a:fld>
             <a:endParaRPr lang="en-US"/>
           </a:p>
@@ -2455,7 +2471,7 @@
             <a:fld id="{1E8C523C-625A-413B-B76F-874F7D5D1BD4}" type="datetimeFigureOut">
               <a:rPr lang="en-US" smtClean="0"/>
               <a:pPr/>
-              <a:t>2/27/2024</a:t>
+              <a:t>6/9/2024</a:t>
             </a:fld>
             <a:endParaRPr lang="en-US"/>
           </a:p>
@@ -2630,7 +2646,7 @@
             <a:fld id="{1E8C523C-625A-413B-B76F-874F7D5D1BD4}" type="datetimeFigureOut">
               <a:rPr lang="en-US" smtClean="0"/>
               <a:pPr/>
-              <a:t>2/27/2024</a:t>
+              <a:t>6/9/2024</a:t>
             </a:fld>
             <a:endParaRPr lang="en-US"/>
           </a:p>
@@ -3022,7 +3038,7 @@
             <a:fld id="{1E8C523C-625A-413B-B76F-874F7D5D1BD4}" type="datetimeFigureOut">
               <a:rPr lang="en-US" smtClean="0"/>
               <a:pPr/>
-              <a:t>2/27/2024</a:t>
+              <a:t>6/9/2024</a:t>
             </a:fld>
             <a:endParaRPr lang="en-US"/>
           </a:p>
@@ -3264,7 +3280,7 @@
             <a:fld id="{1E8C523C-625A-413B-B76F-874F7D5D1BD4}" type="datetimeFigureOut">
               <a:rPr lang="en-US" smtClean="0"/>
               <a:pPr/>
-              <a:t>2/27/2024</a:t>
+              <a:t>6/9/2024</a:t>
             </a:fld>
             <a:endParaRPr lang="en-US"/>
           </a:p>
@@ -3546,7 +3562,7 @@
             <a:fld id="{1E8C523C-625A-413B-B76F-874F7D5D1BD4}" type="datetimeFigureOut">
               <a:rPr lang="en-US" smtClean="0"/>
               <a:pPr/>
-              <a:t>2/27/2024</a:t>
+              <a:t>6/9/2024</a:t>
             </a:fld>
             <a:endParaRPr lang="en-US"/>
           </a:p>
@@ -3962,7 +3978,7 @@
             <a:fld id="{1E8C523C-625A-413B-B76F-874F7D5D1BD4}" type="datetimeFigureOut">
               <a:rPr lang="en-US" smtClean="0"/>
               <a:pPr/>
-              <a:t>2/27/2024</a:t>
+              <a:t>6/9/2024</a:t>
             </a:fld>
             <a:endParaRPr lang="en-US"/>
           </a:p>
@@ -4076,7 +4092,7 @@
             <a:fld id="{1E8C523C-625A-413B-B76F-874F7D5D1BD4}" type="datetimeFigureOut">
               <a:rPr lang="en-US" smtClean="0"/>
               <a:pPr/>
-              <a:t>2/27/2024</a:t>
+              <a:t>6/9/2024</a:t>
             </a:fld>
             <a:endParaRPr lang="en-US"/>
           </a:p>
@@ -4168,7 +4184,7 @@
             <a:fld id="{1E8C523C-625A-413B-B76F-874F7D5D1BD4}" type="datetimeFigureOut">
               <a:rPr lang="en-US" smtClean="0"/>
               <a:pPr/>
-              <a:t>2/27/2024</a:t>
+              <a:t>6/9/2024</a:t>
             </a:fld>
             <a:endParaRPr lang="en-US"/>
           </a:p>
@@ -4440,7 +4456,7 @@
             <a:fld id="{1E8C523C-625A-413B-B76F-874F7D5D1BD4}" type="datetimeFigureOut">
               <a:rPr lang="en-US" smtClean="0"/>
               <a:pPr/>
-              <a:t>2/27/2024</a:t>
+              <a:t>6/9/2024</a:t>
             </a:fld>
             <a:endParaRPr lang="en-US"/>
           </a:p>
@@ -4689,7 +4705,7 @@
             <a:fld id="{1E8C523C-625A-413B-B76F-874F7D5D1BD4}" type="datetimeFigureOut">
               <a:rPr lang="en-US" smtClean="0"/>
               <a:pPr/>
-              <a:t>2/27/2024</a:t>
+              <a:t>6/9/2024</a:t>
             </a:fld>
             <a:endParaRPr lang="en-US"/>
           </a:p>
@@ -4897,7 +4913,7 @@
             <a:fld id="{1E8C523C-625A-413B-B76F-874F7D5D1BD4}" type="datetimeFigureOut">
               <a:rPr lang="en-US" smtClean="0"/>
               <a:pPr/>
-              <a:t>2/27/2024</a:t>
+              <a:t>6/9/2024</a:t>
             </a:fld>
             <a:endParaRPr lang="en-US"/>
           </a:p>
@@ -47302,7 +47318,7 @@
             </a:pPr>
             <a:r>
               <a:rPr lang="en-US" dirty="0"/>
-              <a:t>What is the change in electrical potential in moving a positive charge a distance </a:t>
+              <a:t>What is the change in electrical potential energy in moving a positive charge a distance </a:t>
             </a:r>
             <a:r>
               <a:rPr lang="en-US" dirty="0">
